--- a/slide.pptx
+++ b/slide.pptx
@@ -25,13 +25,17 @@
     <p:sldId id="374" r:id="rId19"/>
     <p:sldId id="396" r:id="rId20"/>
     <p:sldId id="398" r:id="rId21"/>
-    <p:sldId id="399" r:id="rId22"/>
-    <p:sldId id="420" r:id="rId23"/>
-    <p:sldId id="375" r:id="rId24"/>
-    <p:sldId id="421" r:id="rId25"/>
-    <p:sldId id="376" r:id="rId26"/>
-    <p:sldId id="354" r:id="rId27"/>
-    <p:sldId id="422" r:id="rId28"/>
+    <p:sldId id="423" r:id="rId22"/>
+    <p:sldId id="399" r:id="rId23"/>
+    <p:sldId id="420" r:id="rId24"/>
+    <p:sldId id="375" r:id="rId25"/>
+    <p:sldId id="424" r:id="rId26"/>
+    <p:sldId id="376" r:id="rId27"/>
+    <p:sldId id="426" r:id="rId28"/>
+    <p:sldId id="427" r:id="rId29"/>
+    <p:sldId id="428" r:id="rId30"/>
+    <p:sldId id="354" r:id="rId31"/>
+    <p:sldId id="422" r:id="rId32"/>
   </p:sldIdLst>
   <p:sldSz cx="9144000" cy="6858000" type="screen4x3"/>
   <p:notesSz cx="6858000" cy="9144000"/>
@@ -329,7 +333,7 @@
             <a:fld id="{85D3D0E3-FD99-46BE-8B8F-801BAB198BB9}" type="datetimeFigureOut">
               <a:rPr lang="en-US" smtClean="0"/>
               <a:pPr/>
-              <a:t>9/3/2022</a:t>
+              <a:t>9/8/2023</a:t>
             </a:fld>
             <a:endParaRPr lang="en-US"/>
           </a:p>
@@ -494,7 +498,7 @@
             <a:fld id="{85D3D0E3-FD99-46BE-8B8F-801BAB198BB9}" type="datetimeFigureOut">
               <a:rPr lang="en-US" smtClean="0"/>
               <a:pPr/>
-              <a:t>9/3/2022</a:t>
+              <a:t>9/8/2023</a:t>
             </a:fld>
             <a:endParaRPr lang="en-US"/>
           </a:p>
@@ -669,7 +673,7 @@
             <a:fld id="{85D3D0E3-FD99-46BE-8B8F-801BAB198BB9}" type="datetimeFigureOut">
               <a:rPr lang="en-US" smtClean="0"/>
               <a:pPr/>
-              <a:t>9/3/2022</a:t>
+              <a:t>9/8/2023</a:t>
             </a:fld>
             <a:endParaRPr lang="en-US"/>
           </a:p>
@@ -834,7 +838,7 @@
             <a:fld id="{85D3D0E3-FD99-46BE-8B8F-801BAB198BB9}" type="datetimeFigureOut">
               <a:rPr lang="en-US" smtClean="0"/>
               <a:pPr/>
-              <a:t>9/3/2022</a:t>
+              <a:t>9/8/2023</a:t>
             </a:fld>
             <a:endParaRPr lang="en-US"/>
           </a:p>
@@ -1076,7 +1080,7 @@
             <a:fld id="{85D3D0E3-FD99-46BE-8B8F-801BAB198BB9}" type="datetimeFigureOut">
               <a:rPr lang="en-US" smtClean="0"/>
               <a:pPr/>
-              <a:t>9/3/2022</a:t>
+              <a:t>9/8/2023</a:t>
             </a:fld>
             <a:endParaRPr lang="en-US"/>
           </a:p>
@@ -1358,7 +1362,7 @@
             <a:fld id="{85D3D0E3-FD99-46BE-8B8F-801BAB198BB9}" type="datetimeFigureOut">
               <a:rPr lang="en-US" smtClean="0"/>
               <a:pPr/>
-              <a:t>9/3/2022</a:t>
+              <a:t>9/8/2023</a:t>
             </a:fld>
             <a:endParaRPr lang="en-US"/>
           </a:p>
@@ -1774,7 +1778,7 @@
             <a:fld id="{85D3D0E3-FD99-46BE-8B8F-801BAB198BB9}" type="datetimeFigureOut">
               <a:rPr lang="en-US" smtClean="0"/>
               <a:pPr/>
-              <a:t>9/3/2022</a:t>
+              <a:t>9/8/2023</a:t>
             </a:fld>
             <a:endParaRPr lang="en-US"/>
           </a:p>
@@ -1888,7 +1892,7 @@
             <a:fld id="{85D3D0E3-FD99-46BE-8B8F-801BAB198BB9}" type="datetimeFigureOut">
               <a:rPr lang="en-US" smtClean="0"/>
               <a:pPr/>
-              <a:t>9/3/2022</a:t>
+              <a:t>9/8/2023</a:t>
             </a:fld>
             <a:endParaRPr lang="en-US"/>
           </a:p>
@@ -1980,7 +1984,7 @@
             <a:fld id="{85D3D0E3-FD99-46BE-8B8F-801BAB198BB9}" type="datetimeFigureOut">
               <a:rPr lang="en-US" smtClean="0"/>
               <a:pPr/>
-              <a:t>9/3/2022</a:t>
+              <a:t>9/8/2023</a:t>
             </a:fld>
             <a:endParaRPr lang="en-US"/>
           </a:p>
@@ -2252,7 +2256,7 @@
             <a:fld id="{85D3D0E3-FD99-46BE-8B8F-801BAB198BB9}" type="datetimeFigureOut">
               <a:rPr lang="en-US" smtClean="0"/>
               <a:pPr/>
-              <a:t>9/3/2022</a:t>
+              <a:t>9/8/2023</a:t>
             </a:fld>
             <a:endParaRPr lang="en-US"/>
           </a:p>
@@ -2501,7 +2505,7 @@
             <a:fld id="{85D3D0E3-FD99-46BE-8B8F-801BAB198BB9}" type="datetimeFigureOut">
               <a:rPr lang="en-US" smtClean="0"/>
               <a:pPr/>
-              <a:t>9/3/2022</a:t>
+              <a:t>9/8/2023</a:t>
             </a:fld>
             <a:endParaRPr lang="en-US"/>
           </a:p>
@@ -2709,7 +2713,7 @@
             <a:fld id="{85D3D0E3-FD99-46BE-8B8F-801BAB198BB9}" type="datetimeFigureOut">
               <a:rPr lang="en-US" smtClean="0"/>
               <a:pPr/>
-              <a:t>9/3/2022</a:t>
+              <a:t>9/8/2023</a:t>
             </a:fld>
             <a:endParaRPr lang="en-US"/>
           </a:p>
@@ -3110,7 +3114,7 @@
                 <a:latin typeface="Microsoft YaHei" panose="020B0503020204020204" pitchFamily="34" charset="-122"/>
                 <a:ea typeface="Microsoft YaHei" panose="020B0503020204020204" pitchFamily="34" charset="-122"/>
               </a:rPr>
-              <a:t>网络编程简介</a:t>
+              <a:t>网页编程简介</a:t>
             </a:r>
             <a:br>
               <a:rPr lang="en-MY" altLang="zh-CN" sz="3200" b="1" dirty="0">
@@ -3162,7 +3166,7 @@
                 <a:latin typeface="Microsoft YaHei" panose="020B0503020204020204" pitchFamily="34" charset="-122"/>
                 <a:ea typeface="Microsoft YaHei" panose="020B0503020204020204" pitchFamily="34" charset="-122"/>
               </a:rPr>
-              <a:t>2022-09-03</a:t>
+              <a:t>2023-09-09</a:t>
             </a:r>
             <a:endParaRPr lang="en-MY" b="1" dirty="0">
               <a:solidFill>
@@ -3254,50 +3258,51 @@
       </p:pic>
       <p:pic>
         <p:nvPicPr>
-          <p:cNvPr id="9" name="Picture 2" descr="Image result for Premier Digital Tech University"/>
+          <p:cNvPr id="5" name="Picture 4">
+            <a:extLst>
+              <a:ext uri="{FF2B5EF4-FFF2-40B4-BE49-F238E27FC236}">
+                <a16:creationId xmlns:a16="http://schemas.microsoft.com/office/drawing/2014/main" id="{167D2684-4C6E-6C8C-2F0B-27F426F24032}"/>
+              </a:ext>
+            </a:extLst>
+          </p:cNvPr>
           <p:cNvPicPr>
-            <a:picLocks noChangeAspect="1" noChangeArrowheads="1"/>
+            <a:picLocks noChangeAspect="1"/>
           </p:cNvPicPr>
           <p:nvPr/>
         </p:nvPicPr>
         <p:blipFill>
-          <a:blip r:embed="rId4" cstate="screen">
+          <a:blip r:embed="rId4">
             <a:extLst>
               <a:ext uri="{28A0092B-C50C-407E-A947-70E740481C1C}">
-                <a14:useLocalDpi xmlns:a14="http://schemas.microsoft.com/office/drawing/2010/main"/>
+                <a14:useLocalDpi xmlns:a14="http://schemas.microsoft.com/office/drawing/2010/main" val="0"/>
               </a:ext>
             </a:extLst>
           </a:blip>
-          <a:srcRect/>
           <a:stretch>
             <a:fillRect/>
           </a:stretch>
         </p:blipFill>
-        <p:spPr bwMode="auto">
-          <a:xfrm>
-            <a:off x="228601" y="1488621"/>
-            <a:ext cx="1828799" cy="568779"/>
-          </a:xfrm>
-          <a:prstGeom prst="rect">
-            <a:avLst/>
-          </a:prstGeom>
-          <a:noFill/>
-          <a:extLst>
-            <a:ext uri="{909E8E84-426E-40DD-AFC4-6F175D3DCCD1}">
-              <a14:hiddenFill xmlns:a14="http://schemas.microsoft.com/office/drawing/2010/main">
-                <a:solidFill>
-                  <a:srgbClr val="FFFFFF"/>
-                </a:solidFill>
-              </a14:hiddenFill>
-            </a:ext>
-          </a:extLst>
+        <p:spPr>
+          <a:xfrm>
+            <a:off x="76200" y="76200"/>
+            <a:ext cx="2971800" cy="888579"/>
+          </a:xfrm>
+          <a:prstGeom prst="rect">
+            <a:avLst/>
+          </a:prstGeom>
         </p:spPr>
       </p:pic>
       <p:pic>
         <p:nvPicPr>
-          <p:cNvPr id="1028" name="Picture 4" descr="Image result for tarc logo"/>
+          <p:cNvPr id="7" name="Picture 6">
+            <a:extLst>
+              <a:ext uri="{FF2B5EF4-FFF2-40B4-BE49-F238E27FC236}">
+                <a16:creationId xmlns:a16="http://schemas.microsoft.com/office/drawing/2014/main" id="{CA10F402-537E-C32E-0AD3-E113157BF4CB}"/>
+              </a:ext>
+            </a:extLst>
+          </p:cNvPr>
           <p:cNvPicPr>
-            <a:picLocks noChangeAspect="1" noChangeArrowheads="1"/>
+            <a:picLocks noChangeAspect="1"/>
           </p:cNvPicPr>
           <p:nvPr/>
         </p:nvPicPr>
@@ -3305,33 +3310,22 @@
           <a:blip r:embed="rId5">
             <a:extLst>
               <a:ext uri="{28A0092B-C50C-407E-A947-70E740481C1C}">
-                <a14:useLocalDpi xmlns:a14="http://schemas.microsoft.com/office/drawing/2010/main"/>
+                <a14:useLocalDpi xmlns:a14="http://schemas.microsoft.com/office/drawing/2010/main" val="0"/>
               </a:ext>
             </a:extLst>
           </a:blip>
-          <a:srcRect/>
           <a:stretch>
             <a:fillRect/>
           </a:stretch>
         </p:blipFill>
-        <p:spPr bwMode="auto">
-          <a:xfrm>
-            <a:off x="161926" y="152400"/>
-            <a:ext cx="2809874" cy="1208247"/>
-          </a:xfrm>
-          <a:prstGeom prst="rect">
-            <a:avLst/>
-          </a:prstGeom>
-          <a:noFill/>
-          <a:extLst>
-            <a:ext uri="{909E8E84-426E-40DD-AFC4-6F175D3DCCD1}">
-              <a14:hiddenFill xmlns:a14="http://schemas.microsoft.com/office/drawing/2010/main">
-                <a:solidFill>
-                  <a:srgbClr val="FFFFFF"/>
-                </a:solidFill>
-              </a14:hiddenFill>
-            </a:ext>
-          </a:extLst>
+        <p:spPr>
+          <a:xfrm>
+            <a:off x="331565" y="1220637"/>
+            <a:ext cx="2461069" cy="836763"/>
+          </a:xfrm>
+          <a:prstGeom prst="rect">
+            <a:avLst/>
+          </a:prstGeom>
         </p:spPr>
       </p:pic>
     </p:spTree>
@@ -4250,50 +4244,51 @@
       </p:pic>
       <p:pic>
         <p:nvPicPr>
-          <p:cNvPr id="9" name="Picture 2" descr="Image result for Premier Digital Tech University"/>
+          <p:cNvPr id="4" name="Picture 3">
+            <a:extLst>
+              <a:ext uri="{FF2B5EF4-FFF2-40B4-BE49-F238E27FC236}">
+                <a16:creationId xmlns:a16="http://schemas.microsoft.com/office/drawing/2014/main" id="{6BD3E973-922F-69C7-BEDD-05C98E2B9A28}"/>
+              </a:ext>
+            </a:extLst>
+          </p:cNvPr>
           <p:cNvPicPr>
-            <a:picLocks noChangeAspect="1" noChangeArrowheads="1"/>
+            <a:picLocks noChangeAspect="1"/>
           </p:cNvPicPr>
           <p:nvPr/>
         </p:nvPicPr>
         <p:blipFill>
-          <a:blip r:embed="rId4" cstate="screen">
+          <a:blip r:embed="rId4">
             <a:extLst>
               <a:ext uri="{28A0092B-C50C-407E-A947-70E740481C1C}">
-                <a14:useLocalDpi xmlns:a14="http://schemas.microsoft.com/office/drawing/2010/main"/>
+                <a14:useLocalDpi xmlns:a14="http://schemas.microsoft.com/office/drawing/2010/main" val="0"/>
               </a:ext>
             </a:extLst>
           </a:blip>
-          <a:srcRect/>
           <a:stretch>
             <a:fillRect/>
           </a:stretch>
         </p:blipFill>
-        <p:spPr bwMode="auto">
-          <a:xfrm>
-            <a:off x="228601" y="1488621"/>
-            <a:ext cx="1828799" cy="568779"/>
-          </a:xfrm>
-          <a:prstGeom prst="rect">
-            <a:avLst/>
-          </a:prstGeom>
-          <a:noFill/>
-          <a:extLst>
-            <a:ext uri="{909E8E84-426E-40DD-AFC4-6F175D3DCCD1}">
-              <a14:hiddenFill xmlns:a14="http://schemas.microsoft.com/office/drawing/2010/main">
-                <a:solidFill>
-                  <a:srgbClr val="FFFFFF"/>
-                </a:solidFill>
-              </a14:hiddenFill>
-            </a:ext>
-          </a:extLst>
+        <p:spPr>
+          <a:xfrm>
+            <a:off x="76200" y="76200"/>
+            <a:ext cx="2971800" cy="888579"/>
+          </a:xfrm>
+          <a:prstGeom prst="rect">
+            <a:avLst/>
+          </a:prstGeom>
         </p:spPr>
       </p:pic>
       <p:pic>
         <p:nvPicPr>
-          <p:cNvPr id="1028" name="Picture 4" descr="Image result for tarc logo"/>
+          <p:cNvPr id="5" name="Picture 4">
+            <a:extLst>
+              <a:ext uri="{FF2B5EF4-FFF2-40B4-BE49-F238E27FC236}">
+                <a16:creationId xmlns:a16="http://schemas.microsoft.com/office/drawing/2014/main" id="{03538D20-D9FB-2B77-BCAA-04BE92A1E36B}"/>
+              </a:ext>
+            </a:extLst>
+          </p:cNvPr>
           <p:cNvPicPr>
-            <a:picLocks noChangeAspect="1" noChangeArrowheads="1"/>
+            <a:picLocks noChangeAspect="1"/>
           </p:cNvPicPr>
           <p:nvPr/>
         </p:nvPicPr>
@@ -4301,33 +4296,22 @@
           <a:blip r:embed="rId5">
             <a:extLst>
               <a:ext uri="{28A0092B-C50C-407E-A947-70E740481C1C}">
-                <a14:useLocalDpi xmlns:a14="http://schemas.microsoft.com/office/drawing/2010/main"/>
+                <a14:useLocalDpi xmlns:a14="http://schemas.microsoft.com/office/drawing/2010/main" val="0"/>
               </a:ext>
             </a:extLst>
           </a:blip>
-          <a:srcRect/>
           <a:stretch>
             <a:fillRect/>
           </a:stretch>
         </p:blipFill>
-        <p:spPr bwMode="auto">
-          <a:xfrm>
-            <a:off x="161926" y="152400"/>
-            <a:ext cx="2809874" cy="1208247"/>
-          </a:xfrm>
-          <a:prstGeom prst="rect">
-            <a:avLst/>
-          </a:prstGeom>
-          <a:noFill/>
-          <a:extLst>
-            <a:ext uri="{909E8E84-426E-40DD-AFC4-6F175D3DCCD1}">
-              <a14:hiddenFill xmlns:a14="http://schemas.microsoft.com/office/drawing/2010/main">
-                <a:solidFill>
-                  <a:srgbClr val="FFFFFF"/>
-                </a:solidFill>
-              </a14:hiddenFill>
-            </a:ext>
-          </a:extLst>
+        <p:spPr>
+          <a:xfrm>
+            <a:off x="331565" y="1220637"/>
+            <a:ext cx="2461069" cy="836763"/>
+          </a:xfrm>
+          <a:prstGeom prst="rect">
+            <a:avLst/>
+          </a:prstGeom>
         </p:spPr>
       </p:pic>
     </p:spTree>
@@ -7866,50 +7850,51 @@
       </p:pic>
       <p:pic>
         <p:nvPicPr>
-          <p:cNvPr id="9" name="Picture 2" descr="Image result for Premier Digital Tech University"/>
+          <p:cNvPr id="4" name="Picture 3">
+            <a:extLst>
+              <a:ext uri="{FF2B5EF4-FFF2-40B4-BE49-F238E27FC236}">
+                <a16:creationId xmlns:a16="http://schemas.microsoft.com/office/drawing/2014/main" id="{6C9D0498-60DE-14B5-68BA-B982BC433352}"/>
+              </a:ext>
+            </a:extLst>
+          </p:cNvPr>
           <p:cNvPicPr>
-            <a:picLocks noChangeAspect="1" noChangeArrowheads="1"/>
+            <a:picLocks noChangeAspect="1"/>
           </p:cNvPicPr>
           <p:nvPr/>
         </p:nvPicPr>
         <p:blipFill>
-          <a:blip r:embed="rId4" cstate="screen">
+          <a:blip r:embed="rId4">
             <a:extLst>
               <a:ext uri="{28A0092B-C50C-407E-A947-70E740481C1C}">
-                <a14:useLocalDpi xmlns:a14="http://schemas.microsoft.com/office/drawing/2010/main"/>
+                <a14:useLocalDpi xmlns:a14="http://schemas.microsoft.com/office/drawing/2010/main" val="0"/>
               </a:ext>
             </a:extLst>
           </a:blip>
-          <a:srcRect/>
           <a:stretch>
             <a:fillRect/>
           </a:stretch>
         </p:blipFill>
-        <p:spPr bwMode="auto">
-          <a:xfrm>
-            <a:off x="228601" y="1488621"/>
-            <a:ext cx="1828799" cy="568779"/>
-          </a:xfrm>
-          <a:prstGeom prst="rect">
-            <a:avLst/>
-          </a:prstGeom>
-          <a:noFill/>
-          <a:extLst>
-            <a:ext uri="{909E8E84-426E-40DD-AFC4-6F175D3DCCD1}">
-              <a14:hiddenFill xmlns:a14="http://schemas.microsoft.com/office/drawing/2010/main">
-                <a:solidFill>
-                  <a:srgbClr val="FFFFFF"/>
-                </a:solidFill>
-              </a14:hiddenFill>
-            </a:ext>
-          </a:extLst>
+        <p:spPr>
+          <a:xfrm>
+            <a:off x="76200" y="76200"/>
+            <a:ext cx="2971800" cy="888579"/>
+          </a:xfrm>
+          <a:prstGeom prst="rect">
+            <a:avLst/>
+          </a:prstGeom>
         </p:spPr>
       </p:pic>
       <p:pic>
         <p:nvPicPr>
-          <p:cNvPr id="1028" name="Picture 4" descr="Image result for tarc logo"/>
+          <p:cNvPr id="5" name="Picture 4">
+            <a:extLst>
+              <a:ext uri="{FF2B5EF4-FFF2-40B4-BE49-F238E27FC236}">
+                <a16:creationId xmlns:a16="http://schemas.microsoft.com/office/drawing/2014/main" id="{CFC87AD3-5061-10DB-C987-905A82060DB4}"/>
+              </a:ext>
+            </a:extLst>
+          </p:cNvPr>
           <p:cNvPicPr>
-            <a:picLocks noChangeAspect="1" noChangeArrowheads="1"/>
+            <a:picLocks noChangeAspect="1"/>
           </p:cNvPicPr>
           <p:nvPr/>
         </p:nvPicPr>
@@ -7917,33 +7902,22 @@
           <a:blip r:embed="rId5">
             <a:extLst>
               <a:ext uri="{28A0092B-C50C-407E-A947-70E740481C1C}">
-                <a14:useLocalDpi xmlns:a14="http://schemas.microsoft.com/office/drawing/2010/main"/>
+                <a14:useLocalDpi xmlns:a14="http://schemas.microsoft.com/office/drawing/2010/main" val="0"/>
               </a:ext>
             </a:extLst>
           </a:blip>
-          <a:srcRect/>
           <a:stretch>
             <a:fillRect/>
           </a:stretch>
         </p:blipFill>
-        <p:spPr bwMode="auto">
-          <a:xfrm>
-            <a:off x="161926" y="152400"/>
-            <a:ext cx="2809874" cy="1208247"/>
-          </a:xfrm>
-          <a:prstGeom prst="rect">
-            <a:avLst/>
-          </a:prstGeom>
-          <a:noFill/>
-          <a:extLst>
-            <a:ext uri="{909E8E84-426E-40DD-AFC4-6F175D3DCCD1}">
-              <a14:hiddenFill xmlns:a14="http://schemas.microsoft.com/office/drawing/2010/main">
-                <a:solidFill>
-                  <a:srgbClr val="FFFFFF"/>
-                </a:solidFill>
-              </a14:hiddenFill>
-            </a:ext>
-          </a:extLst>
+        <p:spPr>
+          <a:xfrm>
+            <a:off x="331565" y="1220637"/>
+            <a:ext cx="2461069" cy="836763"/>
+          </a:xfrm>
+          <a:prstGeom prst="rect">
+            <a:avLst/>
+          </a:prstGeom>
         </p:spPr>
       </p:pic>
     </p:spTree>
@@ -8610,7 +8584,7 @@
                 <a:latin typeface="Microsoft YaHei" panose="020B0503020204020204" pitchFamily="34" charset="-122"/>
                 <a:ea typeface="Microsoft YaHei" panose="020B0503020204020204" pitchFamily="34" charset="-122"/>
               </a:rPr>
-              <a:t>	Senior Lecturer (TAR UC)</a:t>
+              <a:t>	Senior Lecturer (TAR UMT)</a:t>
             </a:r>
           </a:p>
           <a:p>
@@ -9285,6 +9259,129 @@
           <a:chExt cx="0" cy="0"/>
         </a:xfrm>
       </p:grpSpPr>
+      <p:pic>
+        <p:nvPicPr>
+          <p:cNvPr id="7" name="Picture 6">
+            <a:extLst>
+              <a:ext uri="{FF2B5EF4-FFF2-40B4-BE49-F238E27FC236}">
+                <a16:creationId xmlns:a16="http://schemas.microsoft.com/office/drawing/2014/main" id="{50B8386E-3447-FDAF-5FF3-3AF50300D8EE}"/>
+              </a:ext>
+            </a:extLst>
+          </p:cNvPr>
+          <p:cNvPicPr>
+            <a:picLocks noChangeAspect="1"/>
+          </p:cNvPicPr>
+          <p:nvPr/>
+        </p:nvPicPr>
+        <p:blipFill>
+          <a:blip r:embed="rId2">
+            <a:extLst>
+              <a:ext uri="{28A0092B-C50C-407E-A947-70E740481C1C}">
+                <a14:useLocalDpi xmlns:a14="http://schemas.microsoft.com/office/drawing/2010/main" val="0"/>
+              </a:ext>
+            </a:extLst>
+          </a:blip>
+          <a:stretch>
+            <a:fillRect/>
+          </a:stretch>
+        </p:blipFill>
+        <p:spPr>
+          <a:xfrm>
+            <a:off x="114657" y="1968282"/>
+            <a:ext cx="2857143" cy="2857143"/>
+          </a:xfrm>
+          <a:prstGeom prst="rect">
+            <a:avLst/>
+          </a:prstGeom>
+          <a:ln>
+            <a:solidFill>
+              <a:schemeClr val="tx1"/>
+            </a:solidFill>
+          </a:ln>
+        </p:spPr>
+      </p:pic>
+      <p:pic>
+        <p:nvPicPr>
+          <p:cNvPr id="11" name="Picture 10">
+            <a:extLst>
+              <a:ext uri="{FF2B5EF4-FFF2-40B4-BE49-F238E27FC236}">
+                <a16:creationId xmlns:a16="http://schemas.microsoft.com/office/drawing/2014/main" id="{71917F4E-42CE-5CD3-A3AC-C16A5962E432}"/>
+              </a:ext>
+            </a:extLst>
+          </p:cNvPr>
+          <p:cNvPicPr>
+            <a:picLocks noChangeAspect="1"/>
+          </p:cNvPicPr>
+          <p:nvPr/>
+        </p:nvPicPr>
+        <p:blipFill>
+          <a:blip r:embed="rId3">
+            <a:extLst>
+              <a:ext uri="{28A0092B-C50C-407E-A947-70E740481C1C}">
+                <a14:useLocalDpi xmlns:a14="http://schemas.microsoft.com/office/drawing/2010/main" val="0"/>
+              </a:ext>
+            </a:extLst>
+          </a:blip>
+          <a:stretch>
+            <a:fillRect/>
+          </a:stretch>
+        </p:blipFill>
+        <p:spPr>
+          <a:xfrm>
+            <a:off x="3162657" y="1968282"/>
+            <a:ext cx="2857143" cy="2857143"/>
+          </a:xfrm>
+          <a:prstGeom prst="rect">
+            <a:avLst/>
+          </a:prstGeom>
+          <a:ln>
+            <a:solidFill>
+              <a:schemeClr val="tx1"/>
+            </a:solidFill>
+          </a:ln>
+        </p:spPr>
+      </p:pic>
+      <p:pic>
+        <p:nvPicPr>
+          <p:cNvPr id="15" name="Picture 14">
+            <a:extLst>
+              <a:ext uri="{FF2B5EF4-FFF2-40B4-BE49-F238E27FC236}">
+                <a16:creationId xmlns:a16="http://schemas.microsoft.com/office/drawing/2014/main" id="{426D001E-2005-CAD1-1554-A64C9C06ED64}"/>
+              </a:ext>
+            </a:extLst>
+          </p:cNvPr>
+          <p:cNvPicPr>
+            <a:picLocks noChangeAspect="1"/>
+          </p:cNvPicPr>
+          <p:nvPr/>
+        </p:nvPicPr>
+        <p:blipFill>
+          <a:blip r:embed="rId4">
+            <a:extLst>
+              <a:ext uri="{28A0092B-C50C-407E-A947-70E740481C1C}">
+                <a14:useLocalDpi xmlns:a14="http://schemas.microsoft.com/office/drawing/2010/main" val="0"/>
+              </a:ext>
+            </a:extLst>
+          </a:blip>
+          <a:stretch>
+            <a:fillRect/>
+          </a:stretch>
+        </p:blipFill>
+        <p:spPr>
+          <a:xfrm>
+            <a:off x="6172202" y="1968282"/>
+            <a:ext cx="2857143" cy="2857143"/>
+          </a:xfrm>
+          <a:prstGeom prst="rect">
+            <a:avLst/>
+          </a:prstGeom>
+          <a:ln>
+            <a:solidFill>
+              <a:schemeClr val="tx1"/>
+            </a:solidFill>
+          </a:ln>
+        </p:spPr>
+      </p:pic>
       <p:sp>
         <p:nvSpPr>
           <p:cNvPr id="4" name="TextBox 3"/>
@@ -9323,6 +9420,234 @@
                 <a:ea typeface="Microsoft YaHei" panose="020B0503020204020204" pitchFamily="34" charset="-122"/>
               </a:rPr>
               <a:t>B3:</a:t>
+            </a:r>
+          </a:p>
+        </p:txBody>
+      </p:sp>
+      <p:sp>
+        <p:nvSpPr>
+          <p:cNvPr id="26" name="TextBox 25"/>
+          <p:cNvSpPr txBox="1"/>
+          <p:nvPr/>
+        </p:nvSpPr>
+        <p:spPr>
+          <a:xfrm>
+            <a:off x="152400" y="609600"/>
+            <a:ext cx="8839200" cy="584775"/>
+          </a:xfrm>
+          <a:prstGeom prst="rect">
+            <a:avLst/>
+          </a:prstGeom>
+          <a:noFill/>
+        </p:spPr>
+        <p:txBody>
+          <a:bodyPr wrap="square" rtlCol="0">
+            <a:spAutoFit/>
+          </a:bodyPr>
+          <a:lstStyle/>
+          <a:p>
+            <a:r>
+              <a:rPr lang="en-US" altLang="zh-CN" sz="3200" b="1" dirty="0">
+                <a:latin typeface="Consolas" panose="020B0609020204030204" pitchFamily="49" charset="0"/>
+                <a:ea typeface="Microsoft YaHei" panose="020B0503020204020204" pitchFamily="34" charset="-122"/>
+              </a:rPr>
+              <a:t>https://liawcv.github.io</a:t>
+            </a:r>
+            <a:endParaRPr lang="en-US" altLang="zh-CN" sz="3200" b="1" dirty="0">
+              <a:solidFill>
+                <a:srgbClr val="FF0000"/>
+              </a:solidFill>
+              <a:latin typeface="Consolas" panose="020B0609020204030204" pitchFamily="49" charset="0"/>
+              <a:ea typeface="Microsoft YaHei" panose="020B0503020204020204" pitchFamily="34" charset="-122"/>
+            </a:endParaRPr>
+          </a:p>
+        </p:txBody>
+      </p:sp>
+      <p:sp>
+        <p:nvSpPr>
+          <p:cNvPr id="35" name="TextBox 34">
+            <a:extLst>
+              <a:ext uri="{FF2B5EF4-FFF2-40B4-BE49-F238E27FC236}">
+                <a16:creationId xmlns:a16="http://schemas.microsoft.com/office/drawing/2014/main" id="{E56F8025-87CD-E3B1-9B10-9D6E4306E928}"/>
+              </a:ext>
+            </a:extLst>
+          </p:cNvPr>
+          <p:cNvSpPr txBox="1"/>
+          <p:nvPr/>
+        </p:nvSpPr>
+        <p:spPr>
+          <a:xfrm>
+            <a:off x="114657" y="4825425"/>
+            <a:ext cx="2857143" cy="584775"/>
+          </a:xfrm>
+          <a:prstGeom prst="rect">
+            <a:avLst/>
+          </a:prstGeom>
+          <a:noFill/>
+        </p:spPr>
+        <p:txBody>
+          <a:bodyPr wrap="square" rtlCol="0">
+            <a:spAutoFit/>
+          </a:bodyPr>
+          <a:lstStyle/>
+          <a:p>
+            <a:pPr algn="ctr"/>
+            <a:r>
+              <a:rPr lang="en-US" altLang="zh-CN" sz="3200" b="1" dirty="0">
+                <a:latin typeface="Consolas" panose="020B0609020204030204" pitchFamily="49" charset="0"/>
+                <a:ea typeface="Microsoft YaHei" panose="020B0503020204020204" pitchFamily="34" charset="-122"/>
+              </a:rPr>
+              <a:t>back1.svg</a:t>
+            </a:r>
+          </a:p>
+        </p:txBody>
+      </p:sp>
+      <p:sp>
+        <p:nvSpPr>
+          <p:cNvPr id="43" name="TextBox 42">
+            <a:extLst>
+              <a:ext uri="{FF2B5EF4-FFF2-40B4-BE49-F238E27FC236}">
+                <a16:creationId xmlns:a16="http://schemas.microsoft.com/office/drawing/2014/main" id="{7B961175-C638-4ED3-587B-D9AB84D71053}"/>
+              </a:ext>
+            </a:extLst>
+          </p:cNvPr>
+          <p:cNvSpPr txBox="1"/>
+          <p:nvPr/>
+        </p:nvSpPr>
+        <p:spPr>
+          <a:xfrm>
+            <a:off x="3162656" y="4825425"/>
+            <a:ext cx="2857143" cy="584775"/>
+          </a:xfrm>
+          <a:prstGeom prst="rect">
+            <a:avLst/>
+          </a:prstGeom>
+          <a:noFill/>
+        </p:spPr>
+        <p:txBody>
+          <a:bodyPr wrap="square" rtlCol="0">
+            <a:spAutoFit/>
+          </a:bodyPr>
+          <a:lstStyle/>
+          <a:p>
+            <a:pPr algn="ctr"/>
+            <a:r>
+              <a:rPr lang="en-US" altLang="zh-CN" sz="3200" b="1" dirty="0">
+                <a:latin typeface="Consolas" panose="020B0609020204030204" pitchFamily="49" charset="0"/>
+                <a:ea typeface="Microsoft YaHei" panose="020B0503020204020204" pitchFamily="34" charset="-122"/>
+              </a:rPr>
+              <a:t>back2.svg</a:t>
+            </a:r>
+          </a:p>
+        </p:txBody>
+      </p:sp>
+      <p:sp>
+        <p:nvSpPr>
+          <p:cNvPr id="45" name="TextBox 44">
+            <a:extLst>
+              <a:ext uri="{FF2B5EF4-FFF2-40B4-BE49-F238E27FC236}">
+                <a16:creationId xmlns:a16="http://schemas.microsoft.com/office/drawing/2014/main" id="{E0E28C4F-E687-33F8-53BB-527644C89574}"/>
+              </a:ext>
+            </a:extLst>
+          </p:cNvPr>
+          <p:cNvSpPr txBox="1"/>
+          <p:nvPr/>
+        </p:nvSpPr>
+        <p:spPr>
+          <a:xfrm>
+            <a:off x="6172200" y="4825425"/>
+            <a:ext cx="2857142" cy="584775"/>
+          </a:xfrm>
+          <a:prstGeom prst="rect">
+            <a:avLst/>
+          </a:prstGeom>
+          <a:noFill/>
+        </p:spPr>
+        <p:txBody>
+          <a:bodyPr wrap="square" rtlCol="0">
+            <a:spAutoFit/>
+          </a:bodyPr>
+          <a:lstStyle/>
+          <a:p>
+            <a:pPr algn="ctr"/>
+            <a:r>
+              <a:rPr lang="en-US" altLang="zh-CN" sz="3200" b="1" dirty="0">
+                <a:latin typeface="Consolas" panose="020B0609020204030204" pitchFamily="49" charset="0"/>
+                <a:ea typeface="Microsoft YaHei" panose="020B0503020204020204" pitchFamily="34" charset="-122"/>
+              </a:rPr>
+              <a:t>back3.svg</a:t>
+            </a:r>
+          </a:p>
+        </p:txBody>
+      </p:sp>
+    </p:spTree>
+    <p:extLst>
+      <p:ext uri="{BB962C8B-B14F-4D97-AF65-F5344CB8AC3E}">
+        <p14:creationId xmlns:p14="http://schemas.microsoft.com/office/powerpoint/2010/main" val="2211016646"/>
+      </p:ext>
+    </p:extLst>
+  </p:cSld>
+  <p:clrMapOvr>
+    <a:masterClrMapping/>
+  </p:clrMapOvr>
+</p:sld>
+</file>
+
+<file path=ppt/slides/slide22.xml><?xml version="1.0" encoding="utf-8"?>
+<p:sld xmlns:a="http://schemas.openxmlformats.org/drawingml/2006/main" xmlns:r="http://schemas.openxmlformats.org/officeDocument/2006/relationships" xmlns:p="http://schemas.openxmlformats.org/presentationml/2006/main">
+  <p:cSld>
+    <p:spTree>
+      <p:nvGrpSpPr>
+        <p:cNvPr id="1" name=""/>
+        <p:cNvGrpSpPr/>
+        <p:nvPr/>
+      </p:nvGrpSpPr>
+      <p:grpSpPr>
+        <a:xfrm>
+          <a:off x="0" y="0"/>
+          <a:ext cx="0" cy="0"/>
+          <a:chOff x="0" y="0"/>
+          <a:chExt cx="0" cy="0"/>
+        </a:xfrm>
+      </p:grpSpPr>
+      <p:sp>
+        <p:nvSpPr>
+          <p:cNvPr id="4" name="TextBox 3"/>
+          <p:cNvSpPr txBox="1"/>
+          <p:nvPr/>
+        </p:nvSpPr>
+        <p:spPr>
+          <a:xfrm>
+            <a:off x="0" y="0"/>
+            <a:ext cx="9144000" cy="497682"/>
+          </a:xfrm>
+          <a:prstGeom prst="rect">
+            <a:avLst/>
+          </a:prstGeom>
+          <a:solidFill>
+            <a:srgbClr val="FFCC00"/>
+          </a:solidFill>
+        </p:spPr>
+        <p:txBody>
+          <a:bodyPr wrap="square" rtlCol="0" anchor="ctr" anchorCtr="0">
+            <a:noAutofit/>
+          </a:bodyPr>
+          <a:lstStyle/>
+          <a:p>
+            <a:pPr marL="117475"/>
+            <a:r>
+              <a:rPr lang="zh-CN" altLang="en-US" sz="2400" b="1" dirty="0">
+                <a:latin typeface="Microsoft YaHei" panose="020B0503020204020204" pitchFamily="34" charset="-122"/>
+                <a:ea typeface="Microsoft YaHei" panose="020B0503020204020204" pitchFamily="34" charset="-122"/>
+              </a:rPr>
+              <a:t>注解 </a:t>
+            </a:r>
+            <a:r>
+              <a:rPr lang="en-US" altLang="zh-CN" sz="2400" b="1" dirty="0">
+                <a:latin typeface="Microsoft YaHei" panose="020B0503020204020204" pitchFamily="34" charset="-122"/>
+                <a:ea typeface="Microsoft YaHei" panose="020B0503020204020204" pitchFamily="34" charset="-122"/>
+              </a:rPr>
+              <a:t>B4:</a:t>
             </a:r>
           </a:p>
         </p:txBody>
@@ -10003,7 +10328,7 @@
 </p:sld>
 </file>
 
-<file path=ppt/slides/slide22.xml><?xml version="1.0" encoding="utf-8"?>
+<file path=ppt/slides/slide23.xml><?xml version="1.0" encoding="utf-8"?>
 <p:sld xmlns:a="http://schemas.openxmlformats.org/drawingml/2006/main" xmlns:r="http://schemas.openxmlformats.org/officeDocument/2006/relationships" xmlns:p="http://schemas.openxmlformats.org/presentationml/2006/main">
   <p:cSld>
     <p:spTree>
@@ -10739,7 +11064,7 @@
 </p:sld>
 </file>
 
-<file path=ppt/slides/slide23.xml><?xml version="1.0" encoding="utf-8"?>
+<file path=ppt/slides/slide24.xml><?xml version="1.0" encoding="utf-8"?>
 <p:sld xmlns:a="http://schemas.openxmlformats.org/drawingml/2006/main" xmlns:r="http://schemas.openxmlformats.org/officeDocument/2006/relationships" xmlns:p="http://schemas.openxmlformats.org/presentationml/2006/main">
   <p:cSld>
     <p:spTree>
@@ -10758,27 +11083,28 @@
       </p:grpSpPr>
       <p:pic>
         <p:nvPicPr>
-          <p:cNvPr id="2" name="Picture 1"/>
+          <p:cNvPr id="18" name="Picture 17">
+            <a:extLst>
+              <a:ext uri="{FF2B5EF4-FFF2-40B4-BE49-F238E27FC236}">
+                <a16:creationId xmlns:a16="http://schemas.microsoft.com/office/drawing/2014/main" id="{98F98623-CFE3-D37E-B300-A38033208E9F}"/>
+              </a:ext>
+            </a:extLst>
+          </p:cNvPr>
           <p:cNvPicPr>
             <a:picLocks noChangeAspect="1"/>
           </p:cNvPicPr>
           <p:nvPr/>
         </p:nvPicPr>
-        <p:blipFill rotWithShape="1">
-          <a:blip r:embed="rId2">
-            <a:extLst>
-              <a:ext uri="{28A0092B-C50C-407E-A947-70E740481C1C}">
-                <a14:useLocalDpi xmlns:a14="http://schemas.microsoft.com/office/drawing/2010/main" val="0"/>
-              </a:ext>
-            </a:extLst>
-          </a:blip>
-          <a:srcRect t="28343" b="25283"/>
-          <a:stretch/>
+        <p:blipFill>
+          <a:blip r:embed="rId2"/>
+          <a:stretch>
+            <a:fillRect/>
+          </a:stretch>
         </p:blipFill>
         <p:spPr>
           <a:xfrm>
-            <a:off x="0" y="4876800"/>
-            <a:ext cx="9144000" cy="990600"/>
+            <a:off x="3177051" y="4157213"/>
+            <a:ext cx="2789898" cy="2369503"/>
           </a:xfrm>
           <a:prstGeom prst="rect">
             <a:avLst/>
@@ -11079,7 +11405,7 @@
         </p:nvSpPr>
         <p:spPr>
           <a:xfrm>
-            <a:off x="2171700" y="4363797"/>
+            <a:off x="2590800" y="3429000"/>
             <a:ext cx="1828800" cy="400110"/>
           </a:xfrm>
           <a:prstGeom prst="rect">
@@ -11135,7 +11461,7 @@
         </p:nvSpPr>
         <p:spPr>
           <a:xfrm>
-            <a:off x="3124200" y="6019800"/>
+            <a:off x="6274706" y="5143090"/>
             <a:ext cx="2209800" cy="400110"/>
           </a:xfrm>
           <a:prstGeom prst="rect">
@@ -11191,7 +11517,7 @@
         </p:nvSpPr>
         <p:spPr>
           <a:xfrm>
-            <a:off x="5391597" y="3733800"/>
+            <a:off x="819150" y="5915055"/>
             <a:ext cx="1923603" cy="400110"/>
           </a:xfrm>
           <a:prstGeom prst="rect">
@@ -11242,13 +11568,16 @@
       <p:cxnSp>
         <p:nvCxnSpPr>
           <p:cNvPr id="19" name="Straight Arrow Connector 18"/>
-          <p:cNvCxnSpPr/>
+          <p:cNvCxnSpPr>
+            <a:cxnSpLocks/>
+            <a:stCxn id="16" idx="3"/>
+          </p:cNvCxnSpPr>
           <p:nvPr/>
         </p:nvCxnSpPr>
         <p:spPr>
-          <a:xfrm flipH="1">
-            <a:off x="6172200" y="4157722"/>
-            <a:ext cx="181198" cy="756810"/>
+          <a:xfrm>
+            <a:off x="2742753" y="6115110"/>
+            <a:ext cx="597638" cy="60686"/>
           </a:xfrm>
           <a:prstGeom prst="straightConnector1">
             <a:avLst/>
@@ -11279,13 +11608,15 @@
       <p:cxnSp>
         <p:nvCxnSpPr>
           <p:cNvPr id="20" name="Straight Arrow Connector 19"/>
-          <p:cNvCxnSpPr/>
+          <p:cNvCxnSpPr>
+            <a:cxnSpLocks/>
+          </p:cNvCxnSpPr>
           <p:nvPr/>
         </p:nvCxnSpPr>
         <p:spPr>
-          <a:xfrm flipH="1">
-            <a:off x="2514600" y="4763907"/>
-            <a:ext cx="228600" cy="265293"/>
+          <a:xfrm>
+            <a:off x="3805675" y="3829110"/>
+            <a:ext cx="332008" cy="596095"/>
           </a:xfrm>
           <a:prstGeom prst="straightConnector1">
             <a:avLst/>
@@ -11318,13 +11649,14 @@
           <p:cNvPr id="22" name="Straight Arrow Connector 21"/>
           <p:cNvCxnSpPr>
             <a:cxnSpLocks/>
+            <a:stCxn id="14" idx="1"/>
           </p:cNvCxnSpPr>
           <p:nvPr/>
         </p:nvCxnSpPr>
         <p:spPr>
-          <a:xfrm flipH="1" flipV="1">
-            <a:off x="3352800" y="5715000"/>
-            <a:ext cx="304800" cy="312948"/>
+          <a:xfrm flipH="1">
+            <a:off x="5788708" y="5343145"/>
+            <a:ext cx="485998" cy="24984"/>
           </a:xfrm>
           <a:prstGeom prst="straightConnector1">
             <a:avLst/>
@@ -11440,178 +11772,12 @@
           </a:p>
         </p:txBody>
       </p:sp>
-    </p:spTree>
-    <p:extLst>
-      <p:ext uri="{BB962C8B-B14F-4D97-AF65-F5344CB8AC3E}">
-        <p14:creationId xmlns:p14="http://schemas.microsoft.com/office/powerpoint/2010/main" val="4129628995"/>
-      </p:ext>
-    </p:extLst>
-  </p:cSld>
-  <p:clrMapOvr>
-    <a:masterClrMapping/>
-  </p:clrMapOvr>
-</p:sld>
-</file>
-
-<file path=ppt/slides/slide24.xml><?xml version="1.0" encoding="utf-8"?>
-<p:sld xmlns:a="http://schemas.openxmlformats.org/drawingml/2006/main" xmlns:r="http://schemas.openxmlformats.org/officeDocument/2006/relationships" xmlns:p="http://schemas.openxmlformats.org/presentationml/2006/main">
-  <p:cSld>
-    <p:spTree>
-      <p:nvGrpSpPr>
-        <p:cNvPr id="1" name=""/>
-        <p:cNvGrpSpPr/>
-        <p:nvPr/>
-      </p:nvGrpSpPr>
-      <p:grpSpPr>
-        <a:xfrm>
-          <a:off x="0" y="0"/>
-          <a:ext cx="0" cy="0"/>
-          <a:chOff x="0" y="0"/>
-          <a:chExt cx="0" cy="0"/>
-        </a:xfrm>
-      </p:grpSpPr>
-      <p:sp>
-        <p:nvSpPr>
-          <p:cNvPr id="4" name="TextBox 3"/>
-          <p:cNvSpPr txBox="1"/>
-          <p:nvPr/>
-        </p:nvSpPr>
-        <p:spPr>
-          <a:xfrm>
-            <a:off x="0" y="0"/>
-            <a:ext cx="9144000" cy="990600"/>
-          </a:xfrm>
-          <a:prstGeom prst="rect">
-            <a:avLst/>
-          </a:prstGeom>
-          <a:solidFill>
-            <a:srgbClr val="FFCC00"/>
-          </a:solidFill>
-        </p:spPr>
-        <p:txBody>
-          <a:bodyPr wrap="square" rtlCol="0" anchor="ctr" anchorCtr="0">
-            <a:noAutofit/>
-          </a:bodyPr>
-          <a:lstStyle/>
-          <a:p>
-            <a:pPr marL="1371600"/>
-            <a:r>
-              <a:rPr lang="en-US" altLang="zh-CN" sz="2400" b="1" dirty="0">
-                <a:latin typeface="Microsoft YaHei" panose="020B0503020204020204" pitchFamily="34" charset="-122"/>
-                <a:ea typeface="Microsoft YaHei" panose="020B0503020204020204" pitchFamily="34" charset="-122"/>
-              </a:rPr>
-              <a:t>JavaScript </a:t>
-            </a:r>
-            <a:r>
-              <a:rPr lang="zh-CN" altLang="en-US" sz="2400" b="1" dirty="0">
-                <a:latin typeface="Microsoft YaHei" panose="020B0503020204020204" pitchFamily="34" charset="-122"/>
-                <a:ea typeface="Microsoft YaHei" panose="020B0503020204020204" pitchFamily="34" charset="-122"/>
-              </a:rPr>
-              <a:t>程序语言</a:t>
-            </a:r>
-            <a:endParaRPr lang="en-US" altLang="zh-CN" sz="2400" b="1" dirty="0">
-              <a:latin typeface="Microsoft YaHei" panose="020B0503020204020204" pitchFamily="34" charset="-122"/>
-              <a:ea typeface="Microsoft YaHei" panose="020B0503020204020204" pitchFamily="34" charset="-122"/>
-            </a:endParaRPr>
-          </a:p>
-          <a:p>
-            <a:pPr marL="1371600"/>
-            <a:r>
-              <a:rPr lang="en-US" altLang="zh-CN" sz="2400" b="1" dirty="0">
-                <a:latin typeface="Microsoft YaHei" panose="020B0503020204020204" pitchFamily="34" charset="-122"/>
-                <a:ea typeface="Microsoft YaHei" panose="020B0503020204020204" pitchFamily="34" charset="-122"/>
-              </a:rPr>
-              <a:t>JS: JavaScript</a:t>
-            </a:r>
-            <a:endParaRPr lang="en-US" sz="2400" b="1" dirty="0">
-              <a:latin typeface="Microsoft YaHei" panose="020B0503020204020204" pitchFamily="34" charset="-122"/>
-              <a:ea typeface="Microsoft YaHei" panose="020B0503020204020204" pitchFamily="34" charset="-122"/>
-            </a:endParaRPr>
-          </a:p>
-        </p:txBody>
-      </p:sp>
-      <p:sp>
-        <p:nvSpPr>
-          <p:cNvPr id="13" name="TextBox 12"/>
-          <p:cNvSpPr txBox="1"/>
-          <p:nvPr/>
-        </p:nvSpPr>
-        <p:spPr>
-          <a:xfrm>
-            <a:off x="0" y="-76200"/>
-            <a:ext cx="1638300" cy="1015663"/>
-          </a:xfrm>
-          <a:prstGeom prst="rect">
-            <a:avLst/>
-          </a:prstGeom>
-          <a:noFill/>
-        </p:spPr>
-        <p:txBody>
-          <a:bodyPr wrap="square" rtlCol="0">
-            <a:spAutoFit/>
-          </a:bodyPr>
-          <a:lstStyle/>
-          <a:p>
-            <a:r>
-              <a:rPr lang="en-US" sz="6000" b="1" dirty="0">
-                <a:latin typeface="Microsoft YaHei" panose="020B0503020204020204" pitchFamily="34" charset="-122"/>
-                <a:ea typeface="Microsoft YaHei" panose="020B0503020204020204" pitchFamily="34" charset="-122"/>
-              </a:rPr>
-              <a:t>(C)</a:t>
-            </a:r>
-            <a:endParaRPr lang="en-MY" sz="6000" b="1" dirty="0">
-              <a:latin typeface="Microsoft YaHei" panose="020B0503020204020204" pitchFamily="34" charset="-122"/>
-              <a:ea typeface="Microsoft YaHei" panose="020B0503020204020204" pitchFamily="34" charset="-122"/>
-            </a:endParaRPr>
-          </a:p>
-        </p:txBody>
-      </p:sp>
-      <p:pic>
-        <p:nvPicPr>
-          <p:cNvPr id="6" name="Picture 5">
+      <p:sp>
+        <p:nvSpPr>
+          <p:cNvPr id="21" name="TextBox 20">
             <a:extLst>
               <a:ext uri="{FF2B5EF4-FFF2-40B4-BE49-F238E27FC236}">
-                <a16:creationId xmlns:a16="http://schemas.microsoft.com/office/drawing/2014/main" id="{37B8F7DE-918E-6D9C-D7CE-61CBE5CC9B77}"/>
-              </a:ext>
-            </a:extLst>
-          </p:cNvPr>
-          <p:cNvPicPr>
-            <a:picLocks noChangeAspect="1"/>
-          </p:cNvPicPr>
-          <p:nvPr/>
-        </p:nvPicPr>
-        <p:blipFill rotWithShape="1">
-          <a:blip r:embed="rId2">
-            <a:extLst>
-              <a:ext uri="{28A0092B-C50C-407E-A947-70E740481C1C}">
-                <a14:useLocalDpi xmlns:a14="http://schemas.microsoft.com/office/drawing/2010/main" val="0"/>
-              </a:ext>
-            </a:extLst>
-          </a:blip>
-          <a:srcRect t="6664" b="7888"/>
-          <a:stretch/>
-        </p:blipFill>
-        <p:spPr>
-          <a:xfrm>
-            <a:off x="1369160" y="2132315"/>
-            <a:ext cx="7448584" cy="4344685"/>
-          </a:xfrm>
-          <a:prstGeom prst="rect">
-            <a:avLst/>
-          </a:prstGeom>
-          <a:ln>
-            <a:solidFill>
-              <a:schemeClr val="tx1"/>
-            </a:solidFill>
-          </a:ln>
-        </p:spPr>
-      </p:pic>
-      <p:sp>
-        <p:nvSpPr>
-          <p:cNvPr id="7" name="TextBox 6">
-            <a:extLst>
-              <a:ext uri="{FF2B5EF4-FFF2-40B4-BE49-F238E27FC236}">
-                <a16:creationId xmlns:a16="http://schemas.microsoft.com/office/drawing/2014/main" id="{64BFF6FA-3ED9-7A07-F29C-3E6DABAC44DB}"/>
+                <a16:creationId xmlns:a16="http://schemas.microsoft.com/office/drawing/2014/main" id="{0957CE82-DE23-5C4A-CBC4-602865365D93}"/>
               </a:ext>
             </a:extLst>
           </p:cNvPr>
@@ -11620,21 +11786,21 @@
         </p:nvSpPr>
         <p:spPr>
           <a:xfrm>
-            <a:off x="6576411" y="1245615"/>
-            <a:ext cx="2247900" cy="707886"/>
+            <a:off x="4572000" y="3429000"/>
+            <a:ext cx="1256405" cy="400110"/>
           </a:xfrm>
           <a:prstGeom prst="rect">
             <a:avLst/>
           </a:prstGeom>
           <a:solidFill>
-            <a:schemeClr val="accent6">
+            <a:schemeClr val="accent4">
               <a:lumMod val="60000"/>
               <a:lumOff val="40000"/>
             </a:schemeClr>
           </a:solidFill>
           <a:ln w="19050">
             <a:solidFill>
-              <a:schemeClr val="accent6">
+              <a:schemeClr val="accent4">
                 <a:lumMod val="50000"/>
               </a:schemeClr>
             </a:solidFill>
@@ -11646,26 +11812,20 @@
           </a:bodyPr>
           <a:lstStyle/>
           <a:p>
-            <a:r>
-              <a:rPr lang="zh-CN" altLang="en-US" sz="2000" dirty="0">
-                <a:latin typeface="Microsoft YaHei" panose="020B0503020204020204" pitchFamily="34" charset="-122"/>
-                <a:ea typeface="Microsoft YaHei" panose="020B0503020204020204" pitchFamily="34" charset="-122"/>
-              </a:rPr>
-              <a:t>在网页内寻找拥有此</a:t>
-            </a:r>
+            <a:pPr algn="ctr"/>
             <a:r>
               <a:rPr lang="zh-CN" altLang="en-US" sz="2000" b="1" dirty="0">
                 <a:latin typeface="Microsoft YaHei" panose="020B0503020204020204" pitchFamily="34" charset="-122"/>
                 <a:ea typeface="Microsoft YaHei" panose="020B0503020204020204" pitchFamily="34" charset="-122"/>
               </a:rPr>
-              <a:t>代号</a:t>
-            </a:r>
-            <a:r>
-              <a:rPr lang="zh-CN" altLang="en-US" sz="2000" dirty="0">
-                <a:latin typeface="Microsoft YaHei" panose="020B0503020204020204" pitchFamily="34" charset="-122"/>
-                <a:ea typeface="Microsoft YaHei" panose="020B0503020204020204" pitchFamily="34" charset="-122"/>
-              </a:rPr>
-              <a:t>的元件。</a:t>
+              <a:t>值 </a:t>
+            </a:r>
+            <a:r>
+              <a:rPr lang="en-US" altLang="zh-CN" sz="2000" b="1" dirty="0">
+                <a:latin typeface="Microsoft YaHei" panose="020B0503020204020204" pitchFamily="34" charset="-122"/>
+                <a:ea typeface="Microsoft YaHei" panose="020B0503020204020204" pitchFamily="34" charset="-122"/>
+              </a:rPr>
+              <a:t>value</a:t>
             </a:r>
             <a:endParaRPr lang="en-US" sz="2000" b="1" dirty="0">
               <a:latin typeface="Microsoft YaHei" panose="020B0503020204020204" pitchFamily="34" charset="-122"/>
@@ -11676,23 +11836,22 @@
       </p:sp>
       <p:cxnSp>
         <p:nvCxnSpPr>
-          <p:cNvPr id="8" name="Straight Arrow Connector 7">
+          <p:cNvPr id="24" name="Straight Arrow Connector 23">
             <a:extLst>
               <a:ext uri="{FF2B5EF4-FFF2-40B4-BE49-F238E27FC236}">
-                <a16:creationId xmlns:a16="http://schemas.microsoft.com/office/drawing/2014/main" id="{64665B34-BB18-2070-476A-F4B74C4DB471}"/>
+                <a16:creationId xmlns:a16="http://schemas.microsoft.com/office/drawing/2014/main" id="{1D412243-EDB5-A229-4D01-E35456922A32}"/>
               </a:ext>
             </a:extLst>
           </p:cNvPr>
           <p:cNvCxnSpPr>
             <a:cxnSpLocks/>
-            <a:stCxn id="7" idx="2"/>
           </p:cNvCxnSpPr>
           <p:nvPr/>
         </p:nvCxnSpPr>
         <p:spPr>
           <a:xfrm flipH="1">
-            <a:off x="7586061" y="1953501"/>
-            <a:ext cx="114300" cy="316755"/>
+            <a:off x="4846253" y="3829110"/>
+            <a:ext cx="332008" cy="596095"/>
           </a:xfrm>
           <a:prstGeom prst="straightConnector1">
             <a:avLst/>
@@ -11722,10 +11881,10 @@
       </p:cxnSp>
       <p:sp>
         <p:nvSpPr>
-          <p:cNvPr id="9" name="TextBox 8">
+          <p:cNvPr id="28" name="TextBox 27">
             <a:extLst>
               <a:ext uri="{FF2B5EF4-FFF2-40B4-BE49-F238E27FC236}">
-                <a16:creationId xmlns:a16="http://schemas.microsoft.com/office/drawing/2014/main" id="{1FAA3713-126B-410B-554C-85A9ED709121}"/>
+                <a16:creationId xmlns:a16="http://schemas.microsoft.com/office/drawing/2014/main" id="{836BC421-7F74-2016-AAAC-3C24A92C27AE}"/>
               </a:ext>
             </a:extLst>
           </p:cNvPr>
@@ -11734,8 +11893,8 @@
         </p:nvSpPr>
         <p:spPr>
           <a:xfrm>
-            <a:off x="1369160" y="1245615"/>
-            <a:ext cx="2133600" cy="707886"/>
+            <a:off x="659494" y="4724400"/>
+            <a:ext cx="2240564" cy="1015663"/>
           </a:xfrm>
           <a:prstGeom prst="rect">
             <a:avLst/>
@@ -11765,28 +11924,42 @@
                 <a:latin typeface="Microsoft YaHei" panose="020B0503020204020204" pitchFamily="34" charset="-122"/>
                 <a:ea typeface="Microsoft YaHei" panose="020B0503020204020204" pitchFamily="34" charset="-122"/>
               </a:rPr>
-              <a:t>用 </a:t>
+              <a:t>运行内建的 </a:t>
+            </a:r>
+            <a:r>
+              <a:rPr lang="en-US" altLang="zh-CN" sz="2000" b="1" dirty="0">
+                <a:latin typeface="Microsoft YaHei" panose="020B0503020204020204" pitchFamily="34" charset="-122"/>
+                <a:ea typeface="Microsoft YaHei" panose="020B0503020204020204" pitchFamily="34" charset="-122"/>
+              </a:rPr>
+              <a:t>alert</a:t>
+            </a:r>
+            <a:r>
+              <a:rPr lang="en-US" altLang="zh-CN" sz="2000" dirty="0">
+                <a:latin typeface="Microsoft YaHei" panose="020B0503020204020204" pitchFamily="34" charset="-122"/>
+                <a:ea typeface="Microsoft YaHei" panose="020B0503020204020204" pitchFamily="34" charset="-122"/>
+              </a:rPr>
+              <a:t> </a:t>
             </a:r>
             <a:r>
               <a:rPr lang="zh-CN" altLang="en-US" sz="2000" b="1" dirty="0">
                 <a:latin typeface="Microsoft YaHei" panose="020B0503020204020204" pitchFamily="34" charset="-122"/>
                 <a:ea typeface="Microsoft YaHei" panose="020B0503020204020204" pitchFamily="34" charset="-122"/>
               </a:rPr>
-              <a:t>变量 </a:t>
+              <a:t>函数 </a:t>
             </a:r>
             <a:r>
               <a:rPr lang="en-US" altLang="zh-CN" sz="2000" b="1" dirty="0">
                 <a:latin typeface="Microsoft YaHei" panose="020B0503020204020204" pitchFamily="34" charset="-122"/>
                 <a:ea typeface="Microsoft YaHei" panose="020B0503020204020204" pitchFamily="34" charset="-122"/>
               </a:rPr>
-              <a:t>variable </a:t>
+              <a:t>function</a:t>
             </a:r>
             <a:r>
               <a:rPr lang="zh-CN" altLang="en-US" sz="2000" dirty="0">
                 <a:latin typeface="Microsoft YaHei" panose="020B0503020204020204" pitchFamily="34" charset="-122"/>
                 <a:ea typeface="Microsoft YaHei" panose="020B0503020204020204" pitchFamily="34" charset="-122"/>
               </a:rPr>
-              <a:t>来代表此元件。</a:t>
+              <a:t> 以弹出一个信息框。</a:t>
             </a:r>
             <a:endParaRPr lang="en-US" sz="2000" b="1" dirty="0">
               <a:latin typeface="Microsoft YaHei" panose="020B0503020204020204" pitchFamily="34" charset="-122"/>
@@ -11795,513 +11968,10 @@
           </a:p>
         </p:txBody>
       </p:sp>
-      <p:cxnSp>
-        <p:nvCxnSpPr>
-          <p:cNvPr id="11" name="Straight Arrow Connector 10">
-            <a:extLst>
-              <a:ext uri="{FF2B5EF4-FFF2-40B4-BE49-F238E27FC236}">
-                <a16:creationId xmlns:a16="http://schemas.microsoft.com/office/drawing/2014/main" id="{AE0741F8-7C0A-B1C8-52C2-4566DAAF1C0B}"/>
-              </a:ext>
-            </a:extLst>
-          </p:cNvPr>
-          <p:cNvCxnSpPr>
-            <a:cxnSpLocks/>
-          </p:cNvCxnSpPr>
-          <p:nvPr/>
-        </p:nvCxnSpPr>
-        <p:spPr>
-          <a:xfrm>
-            <a:off x="2971800" y="1953501"/>
-            <a:ext cx="92813" cy="302325"/>
-          </a:xfrm>
-          <a:prstGeom prst="straightConnector1">
-            <a:avLst/>
-          </a:prstGeom>
-          <a:ln w="19050">
-            <a:solidFill>
-              <a:srgbClr val="FF0000"/>
-            </a:solidFill>
-            <a:headEnd type="none" w="med" len="med"/>
-            <a:tailEnd type="arrow" w="med" len="med"/>
-          </a:ln>
-        </p:spPr>
-        <p:style>
-          <a:lnRef idx="1">
-            <a:schemeClr val="accent1"/>
-          </a:lnRef>
-          <a:fillRef idx="0">
-            <a:schemeClr val="accent1"/>
-          </a:fillRef>
-          <a:effectRef idx="0">
-            <a:schemeClr val="accent1"/>
-          </a:effectRef>
-          <a:fontRef idx="minor">
-            <a:schemeClr val="tx1"/>
-          </a:fontRef>
-        </p:style>
-      </p:cxnSp>
-      <p:sp>
-        <p:nvSpPr>
-          <p:cNvPr id="12" name="TextBox 11">
-            <a:extLst>
-              <a:ext uri="{FF2B5EF4-FFF2-40B4-BE49-F238E27FC236}">
-                <a16:creationId xmlns:a16="http://schemas.microsoft.com/office/drawing/2014/main" id="{84020306-4447-84CE-990D-B2D7B5E73903}"/>
-              </a:ext>
-            </a:extLst>
-          </p:cNvPr>
-          <p:cNvSpPr txBox="1"/>
-          <p:nvPr/>
-        </p:nvSpPr>
-        <p:spPr>
-          <a:xfrm>
-            <a:off x="228600" y="2743201"/>
-            <a:ext cx="1782378" cy="707886"/>
-          </a:xfrm>
-          <a:prstGeom prst="rect">
-            <a:avLst/>
-          </a:prstGeom>
-          <a:solidFill>
-            <a:schemeClr val="accent4">
-              <a:lumMod val="60000"/>
-              <a:lumOff val="40000"/>
-            </a:schemeClr>
-          </a:solidFill>
-          <a:ln w="19050">
-            <a:solidFill>
-              <a:schemeClr val="accent4">
-                <a:lumMod val="50000"/>
-              </a:schemeClr>
-            </a:solidFill>
-          </a:ln>
-        </p:spPr>
-        <p:txBody>
-          <a:bodyPr wrap="square" rtlCol="0">
-            <a:spAutoFit/>
-          </a:bodyPr>
-          <a:lstStyle/>
-          <a:p>
-            <a:r>
-              <a:rPr lang="zh-CN" altLang="en-US" sz="2000" dirty="0">
-                <a:latin typeface="Microsoft YaHei" panose="020B0503020204020204" pitchFamily="34" charset="-122"/>
-                <a:ea typeface="Microsoft YaHei" panose="020B0503020204020204" pitchFamily="34" charset="-122"/>
-              </a:rPr>
-              <a:t>设定</a:t>
-            </a:r>
-            <a:r>
-              <a:rPr lang="zh-CN" altLang="en-US" sz="2000" b="1" dirty="0">
-                <a:latin typeface="Microsoft YaHei" panose="020B0503020204020204" pitchFamily="34" charset="-122"/>
-                <a:ea typeface="Microsoft YaHei" panose="020B0503020204020204" pitchFamily="34" charset="-122"/>
-              </a:rPr>
-              <a:t>点击事件 </a:t>
-            </a:r>
-            <a:r>
-              <a:rPr lang="en-US" altLang="zh-CN" sz="2000" b="1" dirty="0">
-                <a:latin typeface="Microsoft YaHei" panose="020B0503020204020204" pitchFamily="34" charset="-122"/>
-                <a:ea typeface="Microsoft YaHei" panose="020B0503020204020204" pitchFamily="34" charset="-122"/>
-              </a:rPr>
-              <a:t>click event</a:t>
-            </a:r>
-            <a:r>
-              <a:rPr lang="zh-CN" altLang="en-US" sz="2000" dirty="0">
-                <a:latin typeface="Microsoft YaHei" panose="020B0503020204020204" pitchFamily="34" charset="-122"/>
-                <a:ea typeface="Microsoft YaHei" panose="020B0503020204020204" pitchFamily="34" charset="-122"/>
-              </a:rPr>
-              <a:t>。</a:t>
-            </a:r>
-            <a:endParaRPr lang="en-US" sz="2000" dirty="0">
-              <a:latin typeface="Microsoft YaHei" panose="020B0503020204020204" pitchFamily="34" charset="-122"/>
-              <a:ea typeface="Microsoft YaHei" panose="020B0503020204020204" pitchFamily="34" charset="-122"/>
-            </a:endParaRPr>
-          </a:p>
-        </p:txBody>
-      </p:sp>
-      <p:cxnSp>
-        <p:nvCxnSpPr>
-          <p:cNvPr id="15" name="Straight Arrow Connector 14">
-            <a:extLst>
-              <a:ext uri="{FF2B5EF4-FFF2-40B4-BE49-F238E27FC236}">
-                <a16:creationId xmlns:a16="http://schemas.microsoft.com/office/drawing/2014/main" id="{F773E773-F3F5-5387-65EE-13D44CBF45F9}"/>
-              </a:ext>
-            </a:extLst>
-          </p:cNvPr>
-          <p:cNvCxnSpPr/>
-          <p:nvPr/>
-        </p:nvCxnSpPr>
-        <p:spPr>
-          <a:xfrm flipH="1" flipV="1">
-            <a:off x="5132772" y="4326011"/>
-            <a:ext cx="554856" cy="253113"/>
-          </a:xfrm>
-          <a:prstGeom prst="straightConnector1">
-            <a:avLst/>
-          </a:prstGeom>
-          <a:ln w="19050">
-            <a:solidFill>
-              <a:srgbClr val="FF0000"/>
-            </a:solidFill>
-            <a:headEnd type="none" w="med" len="med"/>
-            <a:tailEnd type="arrow" w="med" len="med"/>
-          </a:ln>
-        </p:spPr>
-        <p:style>
-          <a:lnRef idx="1">
-            <a:schemeClr val="accent1"/>
-          </a:lnRef>
-          <a:fillRef idx="0">
-            <a:schemeClr val="accent1"/>
-          </a:fillRef>
-          <a:effectRef idx="0">
-            <a:schemeClr val="accent1"/>
-          </a:effectRef>
-          <a:fontRef idx="minor">
-            <a:schemeClr val="tx1"/>
-          </a:fontRef>
-        </p:style>
-      </p:cxnSp>
-      <p:cxnSp>
-        <p:nvCxnSpPr>
-          <p:cNvPr id="17" name="Straight Arrow Connector 16">
-            <a:extLst>
-              <a:ext uri="{FF2B5EF4-FFF2-40B4-BE49-F238E27FC236}">
-                <a16:creationId xmlns:a16="http://schemas.microsoft.com/office/drawing/2014/main" id="{7135CC45-2D28-7540-CF23-F290A06E33E3}"/>
-              </a:ext>
-            </a:extLst>
-          </p:cNvPr>
-          <p:cNvCxnSpPr>
-            <a:cxnSpLocks/>
-          </p:cNvCxnSpPr>
-          <p:nvPr/>
-        </p:nvCxnSpPr>
-        <p:spPr>
-          <a:xfrm>
-            <a:off x="1693478" y="3451087"/>
-            <a:ext cx="516322" cy="358914"/>
-          </a:xfrm>
-          <a:prstGeom prst="straightConnector1">
-            <a:avLst/>
-          </a:prstGeom>
-          <a:ln w="19050">
-            <a:solidFill>
-              <a:srgbClr val="FF0000"/>
-            </a:solidFill>
-            <a:headEnd type="none" w="med" len="med"/>
-            <a:tailEnd type="arrow" w="med" len="med"/>
-          </a:ln>
-        </p:spPr>
-        <p:style>
-          <a:lnRef idx="1">
-            <a:schemeClr val="accent1"/>
-          </a:lnRef>
-          <a:fillRef idx="0">
-            <a:schemeClr val="accent1"/>
-          </a:fillRef>
-          <a:effectRef idx="0">
-            <a:schemeClr val="accent1"/>
-          </a:effectRef>
-          <a:fontRef idx="minor">
-            <a:schemeClr val="tx1"/>
-          </a:fontRef>
-        </p:style>
-      </p:cxnSp>
-      <p:sp>
-        <p:nvSpPr>
-          <p:cNvPr id="18" name="TextBox 17">
-            <a:extLst>
-              <a:ext uri="{FF2B5EF4-FFF2-40B4-BE49-F238E27FC236}">
-                <a16:creationId xmlns:a16="http://schemas.microsoft.com/office/drawing/2014/main" id="{F0EBEAE7-02D6-5576-EE82-6C9BA8B174A2}"/>
-              </a:ext>
-            </a:extLst>
-          </p:cNvPr>
-          <p:cNvSpPr txBox="1"/>
-          <p:nvPr/>
-        </p:nvSpPr>
-        <p:spPr>
-          <a:xfrm>
-            <a:off x="6032500" y="3335770"/>
-            <a:ext cx="2209800" cy="707886"/>
-          </a:xfrm>
-          <a:prstGeom prst="rect">
-            <a:avLst/>
-          </a:prstGeom>
-          <a:solidFill>
-            <a:schemeClr val="accent6">
-              <a:lumMod val="60000"/>
-              <a:lumOff val="40000"/>
-            </a:schemeClr>
-          </a:solidFill>
-          <a:ln w="19050">
-            <a:solidFill>
-              <a:schemeClr val="accent6">
-                <a:lumMod val="50000"/>
-              </a:schemeClr>
-            </a:solidFill>
-          </a:ln>
-        </p:spPr>
-        <p:txBody>
-          <a:bodyPr wrap="square" rtlCol="0">
-            <a:spAutoFit/>
-          </a:bodyPr>
-          <a:lstStyle/>
-          <a:p>
-            <a:r>
-              <a:rPr lang="zh-CN" altLang="en-US" sz="2000" b="1" dirty="0">
-                <a:latin typeface="Microsoft YaHei" panose="020B0503020204020204" pitchFamily="34" charset="-122"/>
-                <a:ea typeface="Microsoft YaHei" panose="020B0503020204020204" pitchFamily="34" charset="-122"/>
-              </a:rPr>
-              <a:t>点击事件</a:t>
-            </a:r>
-            <a:r>
-              <a:rPr lang="zh-CN" altLang="en-US" sz="2000" dirty="0">
-                <a:latin typeface="Microsoft YaHei" panose="020B0503020204020204" pitchFamily="34" charset="-122"/>
-                <a:ea typeface="Microsoft YaHei" panose="020B0503020204020204" pitchFamily="34" charset="-122"/>
-              </a:rPr>
-              <a:t>发生时会被运行的代码。</a:t>
-            </a:r>
-            <a:endParaRPr lang="en-US" sz="2000" b="1" dirty="0">
-              <a:latin typeface="Microsoft YaHei" panose="020B0503020204020204" pitchFamily="34" charset="-122"/>
-              <a:ea typeface="Microsoft YaHei" panose="020B0503020204020204" pitchFamily="34" charset="-122"/>
-            </a:endParaRPr>
-          </a:p>
-        </p:txBody>
-      </p:sp>
-      <p:cxnSp>
-        <p:nvCxnSpPr>
-          <p:cNvPr id="21" name="Straight Arrow Connector 20">
-            <a:extLst>
-              <a:ext uri="{FF2B5EF4-FFF2-40B4-BE49-F238E27FC236}">
-                <a16:creationId xmlns:a16="http://schemas.microsoft.com/office/drawing/2014/main" id="{8D50AD36-6156-DBE1-60C5-7F9C9FDD8FAA}"/>
-              </a:ext>
-            </a:extLst>
-          </p:cNvPr>
-          <p:cNvCxnSpPr>
-            <a:cxnSpLocks/>
-          </p:cNvCxnSpPr>
-          <p:nvPr/>
-        </p:nvCxnSpPr>
-        <p:spPr>
-          <a:xfrm flipH="1">
-            <a:off x="5410200" y="3543807"/>
-            <a:ext cx="622300" cy="266194"/>
-          </a:xfrm>
-          <a:prstGeom prst="straightConnector1">
-            <a:avLst/>
-          </a:prstGeom>
-          <a:ln w="19050">
-            <a:solidFill>
-              <a:srgbClr val="FF0000"/>
-            </a:solidFill>
-            <a:headEnd type="none" w="med" len="med"/>
-            <a:tailEnd type="arrow" w="med" len="med"/>
-          </a:ln>
-        </p:spPr>
-        <p:style>
-          <a:lnRef idx="1">
-            <a:schemeClr val="accent1"/>
-          </a:lnRef>
-          <a:fillRef idx="0">
-            <a:schemeClr val="accent1"/>
-          </a:fillRef>
-          <a:effectRef idx="0">
-            <a:schemeClr val="accent1"/>
-          </a:effectRef>
-          <a:fontRef idx="minor">
-            <a:schemeClr val="tx1"/>
-          </a:fontRef>
-        </p:style>
-      </p:cxnSp>
-      <p:sp>
-        <p:nvSpPr>
-          <p:cNvPr id="23" name="TextBox 22">
-            <a:extLst>
-              <a:ext uri="{FF2B5EF4-FFF2-40B4-BE49-F238E27FC236}">
-                <a16:creationId xmlns:a16="http://schemas.microsoft.com/office/drawing/2014/main" id="{12CB20DC-6C78-261A-36F0-9738CF2C4F59}"/>
-              </a:ext>
-            </a:extLst>
-          </p:cNvPr>
-          <p:cNvSpPr txBox="1"/>
-          <p:nvPr/>
-        </p:nvSpPr>
-        <p:spPr>
-          <a:xfrm>
-            <a:off x="5687628" y="4304657"/>
-            <a:ext cx="2240564" cy="1015663"/>
-          </a:xfrm>
-          <a:prstGeom prst="rect">
-            <a:avLst/>
-          </a:prstGeom>
-          <a:solidFill>
-            <a:schemeClr val="accent1">
-              <a:lumMod val="60000"/>
-              <a:lumOff val="40000"/>
-            </a:schemeClr>
-          </a:solidFill>
-          <a:ln w="19050">
-            <a:solidFill>
-              <a:schemeClr val="accent1">
-                <a:lumMod val="50000"/>
-              </a:schemeClr>
-            </a:solidFill>
-          </a:ln>
-        </p:spPr>
-        <p:txBody>
-          <a:bodyPr wrap="square" rtlCol="0">
-            <a:spAutoFit/>
-          </a:bodyPr>
-          <a:lstStyle/>
-          <a:p>
-            <a:r>
-              <a:rPr lang="zh-CN" altLang="en-US" sz="2000" dirty="0">
-                <a:latin typeface="Microsoft YaHei" panose="020B0503020204020204" pitchFamily="34" charset="-122"/>
-                <a:ea typeface="Microsoft YaHei" panose="020B0503020204020204" pitchFamily="34" charset="-122"/>
-              </a:rPr>
-              <a:t>运行内建的 </a:t>
-            </a:r>
-            <a:r>
-              <a:rPr lang="en-US" altLang="zh-CN" sz="2000" b="1" dirty="0">
-                <a:latin typeface="Microsoft YaHei" panose="020B0503020204020204" pitchFamily="34" charset="-122"/>
-                <a:ea typeface="Microsoft YaHei" panose="020B0503020204020204" pitchFamily="34" charset="-122"/>
-              </a:rPr>
-              <a:t>alert</a:t>
-            </a:r>
-            <a:r>
-              <a:rPr lang="en-US" altLang="zh-CN" sz="2000" dirty="0">
-                <a:latin typeface="Microsoft YaHei" panose="020B0503020204020204" pitchFamily="34" charset="-122"/>
-                <a:ea typeface="Microsoft YaHei" panose="020B0503020204020204" pitchFamily="34" charset="-122"/>
-              </a:rPr>
-              <a:t> </a:t>
-            </a:r>
-            <a:r>
-              <a:rPr lang="zh-CN" altLang="en-US" sz="2000" b="1" dirty="0">
-                <a:latin typeface="Microsoft YaHei" panose="020B0503020204020204" pitchFamily="34" charset="-122"/>
-                <a:ea typeface="Microsoft YaHei" panose="020B0503020204020204" pitchFamily="34" charset="-122"/>
-              </a:rPr>
-              <a:t>函数 </a:t>
-            </a:r>
-            <a:r>
-              <a:rPr lang="en-US" altLang="zh-CN" sz="2000" b="1" dirty="0">
-                <a:latin typeface="Microsoft YaHei" panose="020B0503020204020204" pitchFamily="34" charset="-122"/>
-                <a:ea typeface="Microsoft YaHei" panose="020B0503020204020204" pitchFamily="34" charset="-122"/>
-              </a:rPr>
-              <a:t>function</a:t>
-            </a:r>
-            <a:r>
-              <a:rPr lang="zh-CN" altLang="en-US" sz="2000" dirty="0">
-                <a:latin typeface="Microsoft YaHei" panose="020B0503020204020204" pitchFamily="34" charset="-122"/>
-                <a:ea typeface="Microsoft YaHei" panose="020B0503020204020204" pitchFamily="34" charset="-122"/>
-              </a:rPr>
-              <a:t> 以弹出一个信息框。</a:t>
-            </a:r>
-            <a:endParaRPr lang="en-US" sz="2000" b="1" dirty="0">
-              <a:latin typeface="Microsoft YaHei" panose="020B0503020204020204" pitchFamily="34" charset="-122"/>
-              <a:ea typeface="Microsoft YaHei" panose="020B0503020204020204" pitchFamily="34" charset="-122"/>
-            </a:endParaRPr>
-          </a:p>
-        </p:txBody>
-      </p:sp>
-      <p:sp>
-        <p:nvSpPr>
-          <p:cNvPr id="24" name="TextBox 23">
-            <a:extLst>
-              <a:ext uri="{FF2B5EF4-FFF2-40B4-BE49-F238E27FC236}">
-                <a16:creationId xmlns:a16="http://schemas.microsoft.com/office/drawing/2014/main" id="{0EDBFF8E-26CA-C784-A366-1AA9245CC8F5}"/>
-              </a:ext>
-            </a:extLst>
-          </p:cNvPr>
-          <p:cNvSpPr txBox="1"/>
-          <p:nvPr/>
-        </p:nvSpPr>
-        <p:spPr>
-          <a:xfrm>
-            <a:off x="686502" y="4379069"/>
-            <a:ext cx="1324476" cy="400110"/>
-          </a:xfrm>
-          <a:prstGeom prst="rect">
-            <a:avLst/>
-          </a:prstGeom>
-          <a:solidFill>
-            <a:schemeClr val="accent6">
-              <a:lumMod val="60000"/>
-              <a:lumOff val="40000"/>
-            </a:schemeClr>
-          </a:solidFill>
-          <a:ln w="19050">
-            <a:solidFill>
-              <a:schemeClr val="accent6">
-                <a:lumMod val="50000"/>
-              </a:schemeClr>
-            </a:solidFill>
-          </a:ln>
-        </p:spPr>
-        <p:txBody>
-          <a:bodyPr wrap="square" rtlCol="0">
-            <a:spAutoFit/>
-          </a:bodyPr>
-          <a:lstStyle/>
-          <a:p>
-            <a:r>
-              <a:rPr lang="zh-CN" altLang="en-US" sz="2000" dirty="0">
-                <a:latin typeface="Microsoft YaHei" panose="020B0503020204020204" pitchFamily="34" charset="-122"/>
-                <a:ea typeface="Microsoft YaHei" panose="020B0503020204020204" pitchFamily="34" charset="-122"/>
-              </a:rPr>
-              <a:t>播放音频。</a:t>
-            </a:r>
-            <a:endParaRPr lang="en-US" sz="2000" b="1" dirty="0">
-              <a:latin typeface="Microsoft YaHei" panose="020B0503020204020204" pitchFamily="34" charset="-122"/>
-              <a:ea typeface="Microsoft YaHei" panose="020B0503020204020204" pitchFamily="34" charset="-122"/>
-            </a:endParaRPr>
-          </a:p>
-        </p:txBody>
-      </p:sp>
-      <p:cxnSp>
-        <p:nvCxnSpPr>
-          <p:cNvPr id="25" name="Straight Arrow Connector 24">
-            <a:extLst>
-              <a:ext uri="{FF2B5EF4-FFF2-40B4-BE49-F238E27FC236}">
-                <a16:creationId xmlns:a16="http://schemas.microsoft.com/office/drawing/2014/main" id="{5B053363-6A6E-5421-6F9E-3F2561ED0394}"/>
-              </a:ext>
-            </a:extLst>
-          </p:cNvPr>
-          <p:cNvCxnSpPr>
-            <a:cxnSpLocks/>
-            <a:stCxn id="24" idx="3"/>
-          </p:cNvCxnSpPr>
-          <p:nvPr/>
-        </p:nvCxnSpPr>
-        <p:spPr>
-          <a:xfrm flipV="1">
-            <a:off x="2010978" y="4495801"/>
-            <a:ext cx="753824" cy="83323"/>
-          </a:xfrm>
-          <a:prstGeom prst="straightConnector1">
-            <a:avLst/>
-          </a:prstGeom>
-          <a:ln w="19050">
-            <a:solidFill>
-              <a:srgbClr val="FF0000"/>
-            </a:solidFill>
-            <a:headEnd type="none" w="med" len="med"/>
-            <a:tailEnd type="arrow" w="med" len="med"/>
-          </a:ln>
-        </p:spPr>
-        <p:style>
-          <a:lnRef idx="1">
-            <a:schemeClr val="accent1"/>
-          </a:lnRef>
-          <a:fillRef idx="0">
-            <a:schemeClr val="accent1"/>
-          </a:fillRef>
-          <a:effectRef idx="0">
-            <a:schemeClr val="accent1"/>
-          </a:effectRef>
-          <a:fontRef idx="minor">
-            <a:schemeClr val="tx1"/>
-          </a:fontRef>
-        </p:style>
-      </p:cxnSp>
     </p:spTree>
     <p:extLst>
       <p:ext uri="{BB962C8B-B14F-4D97-AF65-F5344CB8AC3E}">
-        <p14:creationId xmlns:p14="http://schemas.microsoft.com/office/powerpoint/2010/main" val="2860275738"/>
+        <p14:creationId xmlns:p14="http://schemas.microsoft.com/office/powerpoint/2010/main" val="4129628995"/>
       </p:ext>
     </p:extLst>
   </p:cSld>
@@ -12330,86 +12000,94 @@
       </p:grpSpPr>
       <p:sp>
         <p:nvSpPr>
-          <p:cNvPr id="2" name="Title 1"/>
-          <p:cNvSpPr>
-            <a:spLocks noGrp="1"/>
-          </p:cNvSpPr>
-          <p:nvPr>
-            <p:ph type="ctrTitle"/>
-          </p:nvPr>
-        </p:nvSpPr>
-        <p:spPr>
-          <a:xfrm>
-            <a:off x="0" y="2495550"/>
-            <a:ext cx="9153525" cy="1866900"/>
-          </a:xfrm>
+          <p:cNvPr id="4" name="TextBox 3"/>
+          <p:cNvSpPr txBox="1"/>
+          <p:nvPr/>
+        </p:nvSpPr>
+        <p:spPr>
+          <a:xfrm>
+            <a:off x="0" y="0"/>
+            <a:ext cx="9144000" cy="990600"/>
+          </a:xfrm>
+          <a:prstGeom prst="rect">
+            <a:avLst/>
+          </a:prstGeom>
           <a:solidFill>
             <a:srgbClr val="FFCC00"/>
           </a:solidFill>
         </p:spPr>
         <p:txBody>
-          <a:bodyPr>
+          <a:bodyPr wrap="square" rtlCol="0" anchor="ctr" anchorCtr="0">
             <a:noAutofit/>
           </a:bodyPr>
           <a:lstStyle/>
           <a:p>
-            <a:r>
-              <a:rPr lang="en-US" altLang="zh-CN" sz="4800" b="1" dirty="0">
-                <a:latin typeface="Microsoft YaHei" panose="020B0503020204020204" pitchFamily="34" charset="-122"/>
-                <a:ea typeface="Microsoft YaHei" panose="020B0503020204020204" pitchFamily="34" charset="-122"/>
-              </a:rPr>
-              <a:t>JS</a:t>
-            </a:r>
-            <a:r>
-              <a:rPr lang="zh-CN" altLang="en-US" sz="4800" b="1" dirty="0">
-                <a:latin typeface="Microsoft YaHei" panose="020B0503020204020204" pitchFamily="34" charset="-122"/>
-                <a:ea typeface="Microsoft YaHei" panose="020B0503020204020204" pitchFamily="34" charset="-122"/>
-              </a:rPr>
-              <a:t>：实践时间</a:t>
-            </a:r>
-            <a:endParaRPr lang="en-MY" sz="2400" b="1" dirty="0">
-              <a:latin typeface="Microsoft YaHei" panose="020B0503020204020204" pitchFamily="34" charset="-122"/>
-              <a:ea typeface="Microsoft YaHei" panose="020B0503020204020204" pitchFamily="34" charset="-122"/>
-            </a:endParaRPr>
-          </a:p>
-        </p:txBody>
-      </p:sp>
-      <p:sp>
-        <p:nvSpPr>
-          <p:cNvPr id="3" name="Subtitle 2"/>
-          <p:cNvSpPr>
-            <a:spLocks noGrp="1"/>
-          </p:cNvSpPr>
-          <p:nvPr>
-            <p:ph type="subTitle" idx="1"/>
-          </p:nvPr>
-        </p:nvSpPr>
-        <p:spPr>
-          <a:xfrm>
-            <a:off x="0" y="4362450"/>
-            <a:ext cx="9144000" cy="2495550"/>
-          </a:xfrm>
-        </p:spPr>
-        <p:txBody>
-          <a:bodyPr>
-            <a:noAutofit/>
+            <a:pPr marL="1371600"/>
+            <a:r>
+              <a:rPr lang="en-US" altLang="zh-CN" sz="2400" b="1" dirty="0">
+                <a:latin typeface="Microsoft YaHei" panose="020B0503020204020204" pitchFamily="34" charset="-122"/>
+                <a:ea typeface="Microsoft YaHei" panose="020B0503020204020204" pitchFamily="34" charset="-122"/>
+              </a:rPr>
+              <a:t>JavaScript </a:t>
+            </a:r>
+            <a:r>
+              <a:rPr lang="zh-CN" altLang="en-US" sz="2400" b="1" dirty="0">
+                <a:latin typeface="Microsoft YaHei" panose="020B0503020204020204" pitchFamily="34" charset="-122"/>
+                <a:ea typeface="Microsoft YaHei" panose="020B0503020204020204" pitchFamily="34" charset="-122"/>
+              </a:rPr>
+              <a:t>程序语言</a:t>
+            </a:r>
+            <a:endParaRPr lang="en-US" altLang="zh-CN" sz="2400" b="1" dirty="0">
+              <a:latin typeface="Microsoft YaHei" panose="020B0503020204020204" pitchFamily="34" charset="-122"/>
+              <a:ea typeface="Microsoft YaHei" panose="020B0503020204020204" pitchFamily="34" charset="-122"/>
+            </a:endParaRPr>
+          </a:p>
+          <a:p>
+            <a:pPr marL="1371600"/>
+            <a:r>
+              <a:rPr lang="en-US" altLang="zh-CN" sz="2400" b="1" dirty="0">
+                <a:latin typeface="Microsoft YaHei" panose="020B0503020204020204" pitchFamily="34" charset="-122"/>
+                <a:ea typeface="Microsoft YaHei" panose="020B0503020204020204" pitchFamily="34" charset="-122"/>
+              </a:rPr>
+              <a:t>JS: JavaScript</a:t>
+            </a:r>
+            <a:endParaRPr lang="en-US" sz="2400" b="1" dirty="0">
+              <a:latin typeface="Microsoft YaHei" panose="020B0503020204020204" pitchFamily="34" charset="-122"/>
+              <a:ea typeface="Microsoft YaHei" panose="020B0503020204020204" pitchFamily="34" charset="-122"/>
+            </a:endParaRPr>
+          </a:p>
+        </p:txBody>
+      </p:sp>
+      <p:sp>
+        <p:nvSpPr>
+          <p:cNvPr id="13" name="TextBox 12"/>
+          <p:cNvSpPr txBox="1"/>
+          <p:nvPr/>
+        </p:nvSpPr>
+        <p:spPr>
+          <a:xfrm>
+            <a:off x="0" y="-76200"/>
+            <a:ext cx="1638300" cy="1015663"/>
+          </a:xfrm>
+          <a:prstGeom prst="rect">
+            <a:avLst/>
+          </a:prstGeom>
+          <a:noFill/>
+        </p:spPr>
+        <p:txBody>
+          <a:bodyPr wrap="square" rtlCol="0">
+            <a:spAutoFit/>
           </a:bodyPr>
           <a:lstStyle/>
           <a:p>
             <a:r>
-              <a:rPr lang="en-US" b="1" dirty="0">
-                <a:solidFill>
-                  <a:schemeClr val="tx1"/>
-                </a:solidFill>
-                <a:latin typeface="Microsoft YaHei" panose="020B0503020204020204" pitchFamily="34" charset="-122"/>
-                <a:ea typeface="Microsoft YaHei" panose="020B0503020204020204" pitchFamily="34" charset="-122"/>
-              </a:rPr>
-              <a:t>Practical Time</a:t>
-            </a:r>
-            <a:endParaRPr lang="en-MY" b="1" dirty="0">
-              <a:solidFill>
-                <a:schemeClr val="tx1"/>
-              </a:solidFill>
+              <a:rPr lang="en-US" sz="6000" b="1" dirty="0">
+                <a:latin typeface="Microsoft YaHei" panose="020B0503020204020204" pitchFamily="34" charset="-122"/>
+                <a:ea typeface="Microsoft YaHei" panose="020B0503020204020204" pitchFamily="34" charset="-122"/>
+              </a:rPr>
+              <a:t>(C)</a:t>
+            </a:r>
+            <a:endParaRPr lang="en-MY" sz="6000" b="1" dirty="0">
               <a:latin typeface="Microsoft YaHei" panose="020B0503020204020204" pitchFamily="34" charset="-122"/>
               <a:ea typeface="Microsoft YaHei" panose="020B0503020204020204" pitchFamily="34" charset="-122"/>
             </a:endParaRPr>
@@ -12418,168 +12096,1008 @@
       </p:sp>
       <p:pic>
         <p:nvPicPr>
-          <p:cNvPr id="4098" name="Picture 2" descr="http://www.tarc.edu.my/files/focs/slide/7D311104-3130-4D1B-8998-44791A3C348C.jpg"/>
+          <p:cNvPr id="3" name="Picture 2">
+            <a:extLst>
+              <a:ext uri="{FF2B5EF4-FFF2-40B4-BE49-F238E27FC236}">
+                <a16:creationId xmlns:a16="http://schemas.microsoft.com/office/drawing/2014/main" id="{B4198E24-3FF9-A84C-1469-A8198A36A7B6}"/>
+              </a:ext>
+            </a:extLst>
+          </p:cNvPr>
           <p:cNvPicPr>
-            <a:picLocks noChangeAspect="1" noChangeArrowheads="1"/>
+            <a:picLocks noChangeAspect="1"/>
           </p:cNvPicPr>
           <p:nvPr/>
         </p:nvPicPr>
         <p:blipFill>
-          <a:blip r:embed="rId2" cstate="screen">
-            <a:extLst>
-              <a:ext uri="{28A0092B-C50C-407E-A947-70E740481C1C}">
-                <a14:useLocalDpi xmlns:a14="http://schemas.microsoft.com/office/drawing/2010/main"/>
-              </a:ext>
-            </a:extLst>
-          </a:blip>
-          <a:srcRect/>
+          <a:blip r:embed="rId2"/>
           <a:stretch>
             <a:fillRect/>
           </a:stretch>
         </p:blipFill>
-        <p:spPr bwMode="auto">
-          <a:xfrm>
-            <a:off x="3148319" y="158210"/>
-            <a:ext cx="2847362" cy="1899190"/>
-          </a:xfrm>
-          <a:prstGeom prst="rect">
-            <a:avLst/>
-          </a:prstGeom>
-          <a:noFill/>
+        <p:spPr>
+          <a:xfrm>
+            <a:off x="228600" y="1676400"/>
+            <a:ext cx="5723116" cy="2629128"/>
+          </a:xfrm>
+          <a:prstGeom prst="rect">
+            <a:avLst/>
+          </a:prstGeom>
           <a:ln>
             <a:solidFill>
-              <a:schemeClr val="bg1">
+              <a:schemeClr val="tx1"/>
+            </a:solidFill>
+          </a:ln>
+        </p:spPr>
+      </p:pic>
+      <p:sp>
+        <p:nvSpPr>
+          <p:cNvPr id="5" name="TextBox 4">
+            <a:extLst>
+              <a:ext uri="{FF2B5EF4-FFF2-40B4-BE49-F238E27FC236}">
+                <a16:creationId xmlns:a16="http://schemas.microsoft.com/office/drawing/2014/main" id="{17E362B0-F571-B6BD-72B4-91F2E6A3F6B7}"/>
+              </a:ext>
+            </a:extLst>
+          </p:cNvPr>
+          <p:cNvSpPr txBox="1"/>
+          <p:nvPr/>
+        </p:nvSpPr>
+        <p:spPr>
+          <a:xfrm>
+            <a:off x="228600" y="1161520"/>
+            <a:ext cx="960519" cy="400110"/>
+          </a:xfrm>
+          <a:prstGeom prst="rect">
+            <a:avLst/>
+          </a:prstGeom>
+          <a:solidFill>
+            <a:srgbClr val="92D050"/>
+          </a:solidFill>
+          <a:ln w="19050">
+            <a:solidFill>
+              <a:schemeClr val="accent3">
                 <a:lumMod val="50000"/>
               </a:schemeClr>
             </a:solidFill>
           </a:ln>
         </p:spPr>
-      </p:pic>
+        <p:txBody>
+          <a:bodyPr wrap="none" rtlCol="0">
+            <a:spAutoFit/>
+          </a:bodyPr>
+          <a:lstStyle/>
+          <a:p>
+            <a:r>
+              <a:rPr lang="en-MY" altLang="zh-CN" sz="2000" b="1" dirty="0">
+                <a:latin typeface="Microsoft YaHei" panose="020B0503020204020204" pitchFamily="34" charset="-122"/>
+                <a:ea typeface="Microsoft YaHei" panose="020B0503020204020204" pitchFamily="34" charset="-122"/>
+              </a:rPr>
+              <a:t>HTML</a:t>
+            </a:r>
+            <a:endParaRPr lang="en-US" altLang="zh-CN" sz="2000" b="1" dirty="0">
+              <a:latin typeface="Microsoft YaHei" panose="020B0503020204020204" pitchFamily="34" charset="-122"/>
+              <a:ea typeface="Microsoft YaHei" panose="020B0503020204020204" pitchFamily="34" charset="-122"/>
+            </a:endParaRPr>
+          </a:p>
+        </p:txBody>
+      </p:sp>
+      <p:sp>
+        <p:nvSpPr>
+          <p:cNvPr id="10" name="TextBox 9">
+            <a:extLst>
+              <a:ext uri="{FF2B5EF4-FFF2-40B4-BE49-F238E27FC236}">
+                <a16:creationId xmlns:a16="http://schemas.microsoft.com/office/drawing/2014/main" id="{5B825513-DA29-888E-82B6-6ABE3F593473}"/>
+              </a:ext>
+            </a:extLst>
+          </p:cNvPr>
+          <p:cNvSpPr txBox="1"/>
+          <p:nvPr/>
+        </p:nvSpPr>
+        <p:spPr>
+          <a:xfrm>
+            <a:off x="5115058" y="2611973"/>
+            <a:ext cx="1805589" cy="707886"/>
+          </a:xfrm>
+          <a:prstGeom prst="rect">
+            <a:avLst/>
+          </a:prstGeom>
+          <a:solidFill>
+            <a:schemeClr val="accent6">
+              <a:lumMod val="60000"/>
+              <a:lumOff val="40000"/>
+            </a:schemeClr>
+          </a:solidFill>
+          <a:ln w="19050">
+            <a:solidFill>
+              <a:schemeClr val="accent6">
+                <a:lumMod val="50000"/>
+              </a:schemeClr>
+            </a:solidFill>
+          </a:ln>
+        </p:spPr>
+        <p:txBody>
+          <a:bodyPr wrap="square" rtlCol="0">
+            <a:spAutoFit/>
+          </a:bodyPr>
+          <a:lstStyle/>
+          <a:p>
+            <a:r>
+              <a:rPr lang="zh-CN" altLang="en-US" sz="2000" dirty="0">
+                <a:latin typeface="Microsoft YaHei" panose="020B0503020204020204" pitchFamily="34" charset="-122"/>
+                <a:ea typeface="Microsoft YaHei" panose="020B0503020204020204" pitchFamily="34" charset="-122"/>
+              </a:rPr>
+              <a:t>在 </a:t>
+            </a:r>
+            <a:r>
+              <a:rPr lang="en-MY" altLang="zh-CN" sz="2000" b="1" dirty="0">
+                <a:latin typeface="Microsoft YaHei" panose="020B0503020204020204" pitchFamily="34" charset="-122"/>
+                <a:ea typeface="Microsoft YaHei" panose="020B0503020204020204" pitchFamily="34" charset="-122"/>
+              </a:rPr>
+              <a:t>HTML</a:t>
+            </a:r>
+            <a:r>
+              <a:rPr lang="en-MY" altLang="zh-CN" sz="2000" dirty="0">
+                <a:latin typeface="Microsoft YaHei" panose="020B0503020204020204" pitchFamily="34" charset="-122"/>
+                <a:ea typeface="Microsoft YaHei" panose="020B0503020204020204" pitchFamily="34" charset="-122"/>
+              </a:rPr>
+              <a:t> </a:t>
+            </a:r>
+            <a:r>
+              <a:rPr lang="zh-CN" altLang="en-US" sz="2000" dirty="0">
+                <a:latin typeface="Microsoft YaHei" panose="020B0503020204020204" pitchFamily="34" charset="-122"/>
+                <a:ea typeface="Microsoft YaHei" panose="020B0503020204020204" pitchFamily="34" charset="-122"/>
+              </a:rPr>
+              <a:t>给</a:t>
+            </a:r>
+            <a:endParaRPr lang="en-MY" altLang="zh-CN" sz="2000" dirty="0">
+              <a:latin typeface="Microsoft YaHei" panose="020B0503020204020204" pitchFamily="34" charset="-122"/>
+              <a:ea typeface="Microsoft YaHei" panose="020B0503020204020204" pitchFamily="34" charset="-122"/>
+            </a:endParaRPr>
+          </a:p>
+          <a:p>
+            <a:r>
+              <a:rPr lang="zh-CN" altLang="en-US" sz="2000" dirty="0">
+                <a:latin typeface="Microsoft YaHei" panose="020B0503020204020204" pitchFamily="34" charset="-122"/>
+                <a:ea typeface="Microsoft YaHei" panose="020B0503020204020204" pitchFamily="34" charset="-122"/>
+              </a:rPr>
+              <a:t>元件设定</a:t>
+            </a:r>
+            <a:r>
+              <a:rPr lang="zh-CN" altLang="en-US" sz="2000" b="1" dirty="0">
+                <a:latin typeface="Microsoft YaHei" panose="020B0503020204020204" pitchFamily="34" charset="-122"/>
+                <a:ea typeface="Microsoft YaHei" panose="020B0503020204020204" pitchFamily="34" charset="-122"/>
+              </a:rPr>
+              <a:t>代号</a:t>
+            </a:r>
+            <a:r>
+              <a:rPr lang="zh-CN" altLang="en-US" sz="2000" dirty="0">
+                <a:latin typeface="Microsoft YaHei" panose="020B0503020204020204" pitchFamily="34" charset="-122"/>
+                <a:ea typeface="Microsoft YaHei" panose="020B0503020204020204" pitchFamily="34" charset="-122"/>
+              </a:rPr>
+              <a:t>。</a:t>
+            </a:r>
+            <a:endParaRPr lang="en-US" sz="2000" b="1" dirty="0">
+              <a:latin typeface="Microsoft YaHei" panose="020B0503020204020204" pitchFamily="34" charset="-122"/>
+              <a:ea typeface="Microsoft YaHei" panose="020B0503020204020204" pitchFamily="34" charset="-122"/>
+            </a:endParaRPr>
+          </a:p>
+        </p:txBody>
+      </p:sp>
+      <p:cxnSp>
+        <p:nvCxnSpPr>
+          <p:cNvPr id="14" name="Straight Arrow Connector 13">
+            <a:extLst>
+              <a:ext uri="{FF2B5EF4-FFF2-40B4-BE49-F238E27FC236}">
+                <a16:creationId xmlns:a16="http://schemas.microsoft.com/office/drawing/2014/main" id="{1579BAC5-E6A9-133D-C2A1-2BFC32309D40}"/>
+              </a:ext>
+            </a:extLst>
+          </p:cNvPr>
+          <p:cNvCxnSpPr>
+            <a:cxnSpLocks/>
+            <a:stCxn id="10" idx="1"/>
+          </p:cNvCxnSpPr>
+          <p:nvPr/>
+        </p:nvCxnSpPr>
+        <p:spPr>
+          <a:xfrm flipH="1" flipV="1">
+            <a:off x="4232033" y="2504504"/>
+            <a:ext cx="883025" cy="461412"/>
+          </a:xfrm>
+          <a:prstGeom prst="straightConnector1">
+            <a:avLst/>
+          </a:prstGeom>
+          <a:ln w="19050">
+            <a:solidFill>
+              <a:srgbClr val="FF0000"/>
+            </a:solidFill>
+            <a:headEnd type="none" w="med" len="med"/>
+            <a:tailEnd type="arrow" w="med" len="med"/>
+          </a:ln>
+        </p:spPr>
+        <p:style>
+          <a:lnRef idx="1">
+            <a:schemeClr val="accent1"/>
+          </a:lnRef>
+          <a:fillRef idx="0">
+            <a:schemeClr val="accent1"/>
+          </a:fillRef>
+          <a:effectRef idx="0">
+            <a:schemeClr val="accent1"/>
+          </a:effectRef>
+          <a:fontRef idx="minor">
+            <a:schemeClr val="tx1"/>
+          </a:fontRef>
+        </p:style>
+      </p:cxnSp>
+      <p:cxnSp>
+        <p:nvCxnSpPr>
+          <p:cNvPr id="20" name="Straight Arrow Connector 19">
+            <a:extLst>
+              <a:ext uri="{FF2B5EF4-FFF2-40B4-BE49-F238E27FC236}">
+                <a16:creationId xmlns:a16="http://schemas.microsoft.com/office/drawing/2014/main" id="{4BDB61FD-031B-B602-A333-93CBC0948155}"/>
+              </a:ext>
+            </a:extLst>
+          </p:cNvPr>
+          <p:cNvCxnSpPr>
+            <a:cxnSpLocks/>
+            <a:stCxn id="10" idx="1"/>
+          </p:cNvCxnSpPr>
+          <p:nvPr/>
+        </p:nvCxnSpPr>
+        <p:spPr>
+          <a:xfrm flipH="1">
+            <a:off x="4510764" y="2965916"/>
+            <a:ext cx="604294" cy="488556"/>
+          </a:xfrm>
+          <a:prstGeom prst="straightConnector1">
+            <a:avLst/>
+          </a:prstGeom>
+          <a:ln w="19050">
+            <a:solidFill>
+              <a:srgbClr val="FF0000"/>
+            </a:solidFill>
+            <a:headEnd type="none" w="med" len="med"/>
+            <a:tailEnd type="arrow" w="med" len="med"/>
+          </a:ln>
+        </p:spPr>
+        <p:style>
+          <a:lnRef idx="1">
+            <a:schemeClr val="accent1"/>
+          </a:lnRef>
+          <a:fillRef idx="0">
+            <a:schemeClr val="accent1"/>
+          </a:fillRef>
+          <a:effectRef idx="0">
+            <a:schemeClr val="accent1"/>
+          </a:effectRef>
+          <a:fontRef idx="minor">
+            <a:schemeClr val="tx1"/>
+          </a:fontRef>
+        </p:style>
+      </p:cxnSp>
+      <p:sp>
+        <p:nvSpPr>
+          <p:cNvPr id="26" name="Rectangle 25">
+            <a:extLst>
+              <a:ext uri="{FF2B5EF4-FFF2-40B4-BE49-F238E27FC236}">
+                <a16:creationId xmlns:a16="http://schemas.microsoft.com/office/drawing/2014/main" id="{F8C273B0-1D12-E9BB-B8D5-2F8AC94C2145}"/>
+              </a:ext>
+            </a:extLst>
+          </p:cNvPr>
+          <p:cNvSpPr/>
+          <p:nvPr/>
+        </p:nvSpPr>
+        <p:spPr>
+          <a:xfrm>
+            <a:off x="2984396" y="1797097"/>
+            <a:ext cx="1237979" cy="707883"/>
+          </a:xfrm>
+          <a:prstGeom prst="rect">
+            <a:avLst/>
+          </a:prstGeom>
+          <a:noFill/>
+          <a:ln>
+            <a:solidFill>
+              <a:srgbClr val="FF0000"/>
+            </a:solidFill>
+          </a:ln>
+        </p:spPr>
+        <p:style>
+          <a:lnRef idx="2">
+            <a:schemeClr val="accent1">
+              <a:shade val="15000"/>
+            </a:schemeClr>
+          </a:lnRef>
+          <a:fillRef idx="1">
+            <a:schemeClr val="accent1"/>
+          </a:fillRef>
+          <a:effectRef idx="0">
+            <a:schemeClr val="accent1"/>
+          </a:effectRef>
+          <a:fontRef idx="minor">
+            <a:schemeClr val="lt1"/>
+          </a:fontRef>
+        </p:style>
+        <p:txBody>
+          <a:bodyPr rtlCol="0" anchor="ctr"/>
+          <a:lstStyle/>
+          <a:p>
+            <a:pPr algn="ctr"/>
+            <a:endParaRPr lang="en-MY"/>
+          </a:p>
+        </p:txBody>
+      </p:sp>
+      <p:sp>
+        <p:nvSpPr>
+          <p:cNvPr id="27" name="Rectangle 26">
+            <a:extLst>
+              <a:ext uri="{FF2B5EF4-FFF2-40B4-BE49-F238E27FC236}">
+                <a16:creationId xmlns:a16="http://schemas.microsoft.com/office/drawing/2014/main" id="{57757CD9-743A-25AF-447F-5AAD07EB0B3D}"/>
+              </a:ext>
+            </a:extLst>
+          </p:cNvPr>
+          <p:cNvSpPr/>
+          <p:nvPr/>
+        </p:nvSpPr>
+        <p:spPr>
+          <a:xfrm>
+            <a:off x="3257100" y="3446930"/>
+            <a:ext cx="1237979" cy="707883"/>
+          </a:xfrm>
+          <a:prstGeom prst="rect">
+            <a:avLst/>
+          </a:prstGeom>
+          <a:noFill/>
+          <a:ln>
+            <a:solidFill>
+              <a:srgbClr val="FF0000"/>
+            </a:solidFill>
+          </a:ln>
+        </p:spPr>
+        <p:style>
+          <a:lnRef idx="2">
+            <a:schemeClr val="accent1">
+              <a:shade val="15000"/>
+            </a:schemeClr>
+          </a:lnRef>
+          <a:fillRef idx="1">
+            <a:schemeClr val="accent1"/>
+          </a:fillRef>
+          <a:effectRef idx="0">
+            <a:schemeClr val="accent1"/>
+          </a:effectRef>
+          <a:fontRef idx="minor">
+            <a:schemeClr val="lt1"/>
+          </a:fontRef>
+        </p:style>
+        <p:txBody>
+          <a:bodyPr rtlCol="0" anchor="ctr"/>
+          <a:lstStyle/>
+          <a:p>
+            <a:pPr algn="ctr"/>
+            <a:endParaRPr lang="en-MY"/>
+          </a:p>
+        </p:txBody>
+      </p:sp>
       <p:pic>
         <p:nvPicPr>
-          <p:cNvPr id="4100" name="Picture 4" descr="http://www.tarc.edu.my/files/focs/slide/2B99BAE5-4543-4FE2-8AAA-94C875CB6AD8.jpg"/>
+          <p:cNvPr id="32" name="Picture 31">
+            <a:extLst>
+              <a:ext uri="{FF2B5EF4-FFF2-40B4-BE49-F238E27FC236}">
+                <a16:creationId xmlns:a16="http://schemas.microsoft.com/office/drawing/2014/main" id="{D5818907-3F9E-374C-E6BF-CB9CCFE3111F}"/>
+              </a:ext>
+            </a:extLst>
+          </p:cNvPr>
           <p:cNvPicPr>
-            <a:picLocks noChangeAspect="1" noChangeArrowheads="1"/>
+            <a:picLocks noChangeAspect="1"/>
           </p:cNvPicPr>
           <p:nvPr/>
         </p:nvPicPr>
         <p:blipFill>
-          <a:blip r:embed="rId3" cstate="screen">
-            <a:extLst>
-              <a:ext uri="{28A0092B-C50C-407E-A947-70E740481C1C}">
-                <a14:useLocalDpi xmlns:a14="http://schemas.microsoft.com/office/drawing/2010/main"/>
-              </a:ext>
-            </a:extLst>
-          </a:blip>
-          <a:srcRect/>
+          <a:blip r:embed="rId3"/>
           <a:stretch>
             <a:fillRect/>
           </a:stretch>
         </p:blipFill>
-        <p:spPr bwMode="auto">
-          <a:xfrm>
-            <a:off x="6172200" y="158210"/>
-            <a:ext cx="2847362" cy="1899190"/>
-          </a:xfrm>
-          <a:prstGeom prst="rect">
-            <a:avLst/>
-          </a:prstGeom>
-          <a:noFill/>
+        <p:spPr>
+          <a:xfrm>
+            <a:off x="2409324" y="5234960"/>
+            <a:ext cx="4884843" cy="1447925"/>
+          </a:xfrm>
+          <a:prstGeom prst="rect">
+            <a:avLst/>
+          </a:prstGeom>
           <a:ln>
             <a:solidFill>
-              <a:schemeClr val="bg1">
+              <a:schemeClr val="tx1"/>
+            </a:solidFill>
+          </a:ln>
+        </p:spPr>
+      </p:pic>
+      <p:sp>
+        <p:nvSpPr>
+          <p:cNvPr id="33" name="TextBox 32">
+            <a:extLst>
+              <a:ext uri="{FF2B5EF4-FFF2-40B4-BE49-F238E27FC236}">
+                <a16:creationId xmlns:a16="http://schemas.microsoft.com/office/drawing/2014/main" id="{39A8E558-0776-0E4F-4050-233ED2983CFB}"/>
+              </a:ext>
+            </a:extLst>
+          </p:cNvPr>
+          <p:cNvSpPr txBox="1"/>
+          <p:nvPr/>
+        </p:nvSpPr>
+        <p:spPr>
+          <a:xfrm>
+            <a:off x="2409324" y="4724400"/>
+            <a:ext cx="458780" cy="400110"/>
+          </a:xfrm>
+          <a:prstGeom prst="rect">
+            <a:avLst/>
+          </a:prstGeom>
+          <a:solidFill>
+            <a:srgbClr val="92D050"/>
+          </a:solidFill>
+          <a:ln w="19050">
+            <a:solidFill>
+              <a:schemeClr val="accent3">
                 <a:lumMod val="50000"/>
               </a:schemeClr>
             </a:solidFill>
           </a:ln>
         </p:spPr>
-      </p:pic>
-      <p:pic>
-        <p:nvPicPr>
-          <p:cNvPr id="9" name="Picture 2" descr="Image result for Premier Digital Tech University"/>
-          <p:cNvPicPr>
-            <a:picLocks noChangeAspect="1" noChangeArrowheads="1"/>
-          </p:cNvPicPr>
-          <p:nvPr/>
-        </p:nvPicPr>
-        <p:blipFill>
-          <a:blip r:embed="rId4" cstate="screen">
+        <p:txBody>
+          <a:bodyPr wrap="none" rtlCol="0">
+            <a:spAutoFit/>
+          </a:bodyPr>
+          <a:lstStyle/>
+          <a:p>
+            <a:r>
+              <a:rPr lang="en-MY" altLang="zh-CN" sz="2000" b="1" dirty="0">
+                <a:latin typeface="Microsoft YaHei" panose="020B0503020204020204" pitchFamily="34" charset="-122"/>
+                <a:ea typeface="Microsoft YaHei" panose="020B0503020204020204" pitchFamily="34" charset="-122"/>
+              </a:rPr>
+              <a:t>JS</a:t>
+            </a:r>
+            <a:endParaRPr lang="en-US" altLang="zh-CN" sz="2000" b="1" dirty="0">
+              <a:latin typeface="Microsoft YaHei" panose="020B0503020204020204" pitchFamily="34" charset="-122"/>
+              <a:ea typeface="Microsoft YaHei" panose="020B0503020204020204" pitchFamily="34" charset="-122"/>
+            </a:endParaRPr>
+          </a:p>
+        </p:txBody>
+      </p:sp>
+      <p:sp>
+        <p:nvSpPr>
+          <p:cNvPr id="34" name="TextBox 33">
             <a:extLst>
-              <a:ext uri="{28A0092B-C50C-407E-A947-70E740481C1C}">
-                <a14:useLocalDpi xmlns:a14="http://schemas.microsoft.com/office/drawing/2010/main"/>
+              <a:ext uri="{FF2B5EF4-FFF2-40B4-BE49-F238E27FC236}">
+                <a16:creationId xmlns:a16="http://schemas.microsoft.com/office/drawing/2014/main" id="{0141256B-E332-3EF9-63D3-033CB863F0FF}"/>
               </a:ext>
             </a:extLst>
-          </a:blip>
-          <a:srcRect/>
-          <a:stretch>
-            <a:fillRect/>
-          </a:stretch>
-        </p:blipFill>
-        <p:spPr bwMode="auto">
-          <a:xfrm>
-            <a:off x="228601" y="1488621"/>
-            <a:ext cx="1828799" cy="568779"/>
-          </a:xfrm>
-          <a:prstGeom prst="rect">
-            <a:avLst/>
-          </a:prstGeom>
-          <a:noFill/>
-          <a:extLst>
-            <a:ext uri="{909E8E84-426E-40DD-AFC4-6F175D3DCCD1}">
-              <a14:hiddenFill xmlns:a14="http://schemas.microsoft.com/office/drawing/2010/main">
-                <a:solidFill>
-                  <a:srgbClr val="FFFFFF"/>
-                </a:solidFill>
-              </a14:hiddenFill>
-            </a:ext>
-          </a:extLst>
-        </p:spPr>
-      </p:pic>
-      <p:pic>
-        <p:nvPicPr>
-          <p:cNvPr id="1028" name="Picture 4" descr="Image result for tarc logo"/>
-          <p:cNvPicPr>
-            <a:picLocks noChangeAspect="1" noChangeArrowheads="1"/>
-          </p:cNvPicPr>
-          <p:nvPr/>
-        </p:nvPicPr>
-        <p:blipFill>
-          <a:blip r:embed="rId5">
+          </p:cNvPr>
+          <p:cNvSpPr txBox="1"/>
+          <p:nvPr/>
+        </p:nvSpPr>
+        <p:spPr>
+          <a:xfrm>
+            <a:off x="3018924" y="4412997"/>
+            <a:ext cx="1782378" cy="707886"/>
+          </a:xfrm>
+          <a:prstGeom prst="rect">
+            <a:avLst/>
+          </a:prstGeom>
+          <a:solidFill>
+            <a:schemeClr val="accent4">
+              <a:lumMod val="60000"/>
+              <a:lumOff val="40000"/>
+            </a:schemeClr>
+          </a:solidFill>
+          <a:ln w="19050">
+            <a:solidFill>
+              <a:schemeClr val="accent4">
+                <a:lumMod val="50000"/>
+              </a:schemeClr>
+            </a:solidFill>
+          </a:ln>
+        </p:spPr>
+        <p:txBody>
+          <a:bodyPr wrap="square" rtlCol="0">
+            <a:spAutoFit/>
+          </a:bodyPr>
+          <a:lstStyle/>
+          <a:p>
+            <a:r>
+              <a:rPr lang="zh-CN" altLang="en-US" sz="2000" dirty="0">
+                <a:latin typeface="Microsoft YaHei" panose="020B0503020204020204" pitchFamily="34" charset="-122"/>
+                <a:ea typeface="Microsoft YaHei" panose="020B0503020204020204" pitchFamily="34" charset="-122"/>
+              </a:rPr>
+              <a:t>设定</a:t>
+            </a:r>
+            <a:r>
+              <a:rPr lang="zh-CN" altLang="en-US" sz="2000" b="1" dirty="0">
+                <a:latin typeface="Microsoft YaHei" panose="020B0503020204020204" pitchFamily="34" charset="-122"/>
+                <a:ea typeface="Microsoft YaHei" panose="020B0503020204020204" pitchFamily="34" charset="-122"/>
+              </a:rPr>
+              <a:t>点击事件 </a:t>
+            </a:r>
+            <a:r>
+              <a:rPr lang="en-US" altLang="zh-CN" sz="2000" b="1" dirty="0">
+                <a:latin typeface="Microsoft YaHei" panose="020B0503020204020204" pitchFamily="34" charset="-122"/>
+                <a:ea typeface="Microsoft YaHei" panose="020B0503020204020204" pitchFamily="34" charset="-122"/>
+              </a:rPr>
+              <a:t>click event</a:t>
+            </a:r>
+            <a:r>
+              <a:rPr lang="zh-CN" altLang="en-US" sz="2000" dirty="0">
+                <a:latin typeface="Microsoft YaHei" panose="020B0503020204020204" pitchFamily="34" charset="-122"/>
+                <a:ea typeface="Microsoft YaHei" panose="020B0503020204020204" pitchFamily="34" charset="-122"/>
+              </a:rPr>
+              <a:t>。</a:t>
+            </a:r>
+            <a:endParaRPr lang="en-US" sz="2000" dirty="0">
+              <a:latin typeface="Microsoft YaHei" panose="020B0503020204020204" pitchFamily="34" charset="-122"/>
+              <a:ea typeface="Microsoft YaHei" panose="020B0503020204020204" pitchFamily="34" charset="-122"/>
+            </a:endParaRPr>
+          </a:p>
+        </p:txBody>
+      </p:sp>
+      <p:cxnSp>
+        <p:nvCxnSpPr>
+          <p:cNvPr id="35" name="Straight Arrow Connector 34">
             <a:extLst>
-              <a:ext uri="{28A0092B-C50C-407E-A947-70E740481C1C}">
-                <a14:useLocalDpi xmlns:a14="http://schemas.microsoft.com/office/drawing/2010/main"/>
+              <a:ext uri="{FF2B5EF4-FFF2-40B4-BE49-F238E27FC236}">
+                <a16:creationId xmlns:a16="http://schemas.microsoft.com/office/drawing/2014/main" id="{33254379-3992-65E1-009C-D1EC2DD85F71}"/>
               </a:ext>
             </a:extLst>
-          </a:blip>
-          <a:srcRect/>
-          <a:stretch>
-            <a:fillRect/>
-          </a:stretch>
-        </p:blipFill>
-        <p:spPr bwMode="auto">
-          <a:xfrm>
-            <a:off x="161926" y="152400"/>
-            <a:ext cx="2809874" cy="1208247"/>
+          </p:cNvPr>
+          <p:cNvCxnSpPr>
+            <a:cxnSpLocks/>
+          </p:cNvCxnSpPr>
+          <p:nvPr/>
+        </p:nvCxnSpPr>
+        <p:spPr>
+          <a:xfrm flipH="1">
+            <a:off x="3857124" y="5130670"/>
+            <a:ext cx="78015" cy="355730"/>
+          </a:xfrm>
+          <a:prstGeom prst="straightConnector1">
+            <a:avLst/>
+          </a:prstGeom>
+          <a:ln w="19050">
+            <a:solidFill>
+              <a:srgbClr val="FF0000"/>
+            </a:solidFill>
+            <a:headEnd type="none" w="med" len="med"/>
+            <a:tailEnd type="arrow" w="med" len="med"/>
+          </a:ln>
+        </p:spPr>
+        <p:style>
+          <a:lnRef idx="1">
+            <a:schemeClr val="accent1"/>
+          </a:lnRef>
+          <a:fillRef idx="0">
+            <a:schemeClr val="accent1"/>
+          </a:fillRef>
+          <a:effectRef idx="0">
+            <a:schemeClr val="accent1"/>
+          </a:effectRef>
+          <a:fontRef idx="minor">
+            <a:schemeClr val="tx1"/>
+          </a:fontRef>
+        </p:style>
+      </p:cxnSp>
+      <p:sp>
+        <p:nvSpPr>
+          <p:cNvPr id="39" name="Rectangle 38">
+            <a:extLst>
+              <a:ext uri="{FF2B5EF4-FFF2-40B4-BE49-F238E27FC236}">
+                <a16:creationId xmlns:a16="http://schemas.microsoft.com/office/drawing/2014/main" id="{A52CD6FA-BA6A-1294-C3FE-379DE1641304}"/>
+              </a:ext>
+            </a:extLst>
+          </p:cNvPr>
+          <p:cNvSpPr/>
+          <p:nvPr/>
+        </p:nvSpPr>
+        <p:spPr>
+          <a:xfrm>
+            <a:off x="4536187" y="5383774"/>
+            <a:ext cx="2673737" cy="499129"/>
           </a:xfrm>
           <a:prstGeom prst="rect">
             <a:avLst/>
           </a:prstGeom>
           <a:noFill/>
-          <a:extLst>
-            <a:ext uri="{909E8E84-426E-40DD-AFC4-6F175D3DCCD1}">
-              <a14:hiddenFill xmlns:a14="http://schemas.microsoft.com/office/drawing/2010/main">
-                <a:solidFill>
-                  <a:srgbClr val="FFFFFF"/>
-                </a:solidFill>
-              </a14:hiddenFill>
-            </a:ext>
-          </a:extLst>
-        </p:spPr>
-      </p:pic>
+          <a:ln>
+            <a:solidFill>
+              <a:srgbClr val="FF0000"/>
+            </a:solidFill>
+          </a:ln>
+        </p:spPr>
+        <p:style>
+          <a:lnRef idx="2">
+            <a:schemeClr val="accent1">
+              <a:shade val="15000"/>
+            </a:schemeClr>
+          </a:lnRef>
+          <a:fillRef idx="1">
+            <a:schemeClr val="accent1"/>
+          </a:fillRef>
+          <a:effectRef idx="0">
+            <a:schemeClr val="accent1"/>
+          </a:effectRef>
+          <a:fontRef idx="minor">
+            <a:schemeClr val="lt1"/>
+          </a:fontRef>
+        </p:style>
+        <p:txBody>
+          <a:bodyPr rtlCol="0" anchor="ctr"/>
+          <a:lstStyle/>
+          <a:p>
+            <a:pPr algn="ctr"/>
+            <a:endParaRPr lang="en-MY"/>
+          </a:p>
+        </p:txBody>
+      </p:sp>
+      <p:sp>
+        <p:nvSpPr>
+          <p:cNvPr id="40" name="TextBox 39">
+            <a:extLst>
+              <a:ext uri="{FF2B5EF4-FFF2-40B4-BE49-F238E27FC236}">
+                <a16:creationId xmlns:a16="http://schemas.microsoft.com/office/drawing/2014/main" id="{DB500493-2601-2D1A-8779-8570C079F72D}"/>
+              </a:ext>
+            </a:extLst>
+          </p:cNvPr>
+          <p:cNvSpPr txBox="1"/>
+          <p:nvPr/>
+        </p:nvSpPr>
+        <p:spPr>
+          <a:xfrm>
+            <a:off x="6105024" y="4018307"/>
+            <a:ext cx="2209800" cy="707886"/>
+          </a:xfrm>
+          <a:prstGeom prst="rect">
+            <a:avLst/>
+          </a:prstGeom>
+          <a:solidFill>
+            <a:schemeClr val="accent6">
+              <a:lumMod val="60000"/>
+              <a:lumOff val="40000"/>
+            </a:schemeClr>
+          </a:solidFill>
+          <a:ln w="19050">
+            <a:solidFill>
+              <a:schemeClr val="accent6">
+                <a:lumMod val="50000"/>
+              </a:schemeClr>
+            </a:solidFill>
+          </a:ln>
+        </p:spPr>
+        <p:txBody>
+          <a:bodyPr wrap="square" rtlCol="0">
+            <a:spAutoFit/>
+          </a:bodyPr>
+          <a:lstStyle/>
+          <a:p>
+            <a:r>
+              <a:rPr lang="zh-CN" altLang="en-US" sz="2000" b="1" dirty="0">
+                <a:latin typeface="Microsoft YaHei" panose="020B0503020204020204" pitchFamily="34" charset="-122"/>
+                <a:ea typeface="Microsoft YaHei" panose="020B0503020204020204" pitchFamily="34" charset="-122"/>
+              </a:rPr>
+              <a:t>点击事件</a:t>
+            </a:r>
+            <a:r>
+              <a:rPr lang="zh-CN" altLang="en-US" sz="2000" dirty="0">
+                <a:latin typeface="Microsoft YaHei" panose="020B0503020204020204" pitchFamily="34" charset="-122"/>
+                <a:ea typeface="Microsoft YaHei" panose="020B0503020204020204" pitchFamily="34" charset="-122"/>
+              </a:rPr>
+              <a:t>发生时会被运行的代码。</a:t>
+            </a:r>
+            <a:endParaRPr lang="en-US" sz="2000" b="1" dirty="0">
+              <a:latin typeface="Microsoft YaHei" panose="020B0503020204020204" pitchFamily="34" charset="-122"/>
+              <a:ea typeface="Microsoft YaHei" panose="020B0503020204020204" pitchFamily="34" charset="-122"/>
+            </a:endParaRPr>
+          </a:p>
+        </p:txBody>
+      </p:sp>
+      <p:cxnSp>
+        <p:nvCxnSpPr>
+          <p:cNvPr id="41" name="Straight Arrow Connector 40">
+            <a:extLst>
+              <a:ext uri="{FF2B5EF4-FFF2-40B4-BE49-F238E27FC236}">
+                <a16:creationId xmlns:a16="http://schemas.microsoft.com/office/drawing/2014/main" id="{981A0829-B52A-AB6F-973A-DB8754613B78}"/>
+              </a:ext>
+            </a:extLst>
+          </p:cNvPr>
+          <p:cNvCxnSpPr>
+            <a:cxnSpLocks/>
+          </p:cNvCxnSpPr>
+          <p:nvPr/>
+        </p:nvCxnSpPr>
+        <p:spPr>
+          <a:xfrm flipH="1">
+            <a:off x="6138118" y="4724400"/>
+            <a:ext cx="415082" cy="666374"/>
+          </a:xfrm>
+          <a:prstGeom prst="straightConnector1">
+            <a:avLst/>
+          </a:prstGeom>
+          <a:ln w="19050">
+            <a:solidFill>
+              <a:srgbClr val="FF0000"/>
+            </a:solidFill>
+            <a:headEnd type="none" w="med" len="med"/>
+            <a:tailEnd type="arrow" w="med" len="med"/>
+          </a:ln>
+        </p:spPr>
+        <p:style>
+          <a:lnRef idx="1">
+            <a:schemeClr val="accent1"/>
+          </a:lnRef>
+          <a:fillRef idx="0">
+            <a:schemeClr val="accent1"/>
+          </a:fillRef>
+          <a:effectRef idx="0">
+            <a:schemeClr val="accent1"/>
+          </a:effectRef>
+          <a:fontRef idx="minor">
+            <a:schemeClr val="tx1"/>
+          </a:fontRef>
+        </p:style>
+      </p:cxnSp>
+      <p:sp>
+        <p:nvSpPr>
+          <p:cNvPr id="43" name="TextBox 42">
+            <a:extLst>
+              <a:ext uri="{FF2B5EF4-FFF2-40B4-BE49-F238E27FC236}">
+                <a16:creationId xmlns:a16="http://schemas.microsoft.com/office/drawing/2014/main" id="{2D3037F3-D2DB-397D-565E-61AA4C414F03}"/>
+              </a:ext>
+            </a:extLst>
+          </p:cNvPr>
+          <p:cNvSpPr txBox="1"/>
+          <p:nvPr/>
+        </p:nvSpPr>
+        <p:spPr>
+          <a:xfrm>
+            <a:off x="7514724" y="6006332"/>
+            <a:ext cx="1324476" cy="400110"/>
+          </a:xfrm>
+          <a:prstGeom prst="rect">
+            <a:avLst/>
+          </a:prstGeom>
+          <a:solidFill>
+            <a:schemeClr val="accent6">
+              <a:lumMod val="60000"/>
+              <a:lumOff val="40000"/>
+            </a:schemeClr>
+          </a:solidFill>
+          <a:ln w="19050">
+            <a:solidFill>
+              <a:schemeClr val="accent6">
+                <a:lumMod val="50000"/>
+              </a:schemeClr>
+            </a:solidFill>
+          </a:ln>
+        </p:spPr>
+        <p:txBody>
+          <a:bodyPr wrap="square" rtlCol="0">
+            <a:spAutoFit/>
+          </a:bodyPr>
+          <a:lstStyle/>
+          <a:p>
+            <a:r>
+              <a:rPr lang="zh-CN" altLang="en-US" sz="2000" dirty="0">
+                <a:latin typeface="Microsoft YaHei" panose="020B0503020204020204" pitchFamily="34" charset="-122"/>
+                <a:ea typeface="Microsoft YaHei" panose="020B0503020204020204" pitchFamily="34" charset="-122"/>
+              </a:rPr>
+              <a:t>播放音频。</a:t>
+            </a:r>
+            <a:endParaRPr lang="en-US" sz="2000" b="1" dirty="0">
+              <a:latin typeface="Microsoft YaHei" panose="020B0503020204020204" pitchFamily="34" charset="-122"/>
+              <a:ea typeface="Microsoft YaHei" panose="020B0503020204020204" pitchFamily="34" charset="-122"/>
+            </a:endParaRPr>
+          </a:p>
+        </p:txBody>
+      </p:sp>
+      <p:cxnSp>
+        <p:nvCxnSpPr>
+          <p:cNvPr id="44" name="Straight Arrow Connector 43">
+            <a:extLst>
+              <a:ext uri="{FF2B5EF4-FFF2-40B4-BE49-F238E27FC236}">
+                <a16:creationId xmlns:a16="http://schemas.microsoft.com/office/drawing/2014/main" id="{F4479C1E-FA49-4365-617C-0E81C56A79F1}"/>
+              </a:ext>
+            </a:extLst>
+          </p:cNvPr>
+          <p:cNvCxnSpPr>
+            <a:cxnSpLocks/>
+          </p:cNvCxnSpPr>
+          <p:nvPr/>
+        </p:nvCxnSpPr>
+        <p:spPr>
+          <a:xfrm flipH="1" flipV="1">
+            <a:off x="6798934" y="5756768"/>
+            <a:ext cx="715790" cy="499128"/>
+          </a:xfrm>
+          <a:prstGeom prst="straightConnector1">
+            <a:avLst/>
+          </a:prstGeom>
+          <a:ln w="19050">
+            <a:solidFill>
+              <a:srgbClr val="FF0000"/>
+            </a:solidFill>
+            <a:headEnd type="none" w="med" len="med"/>
+            <a:tailEnd type="arrow" w="med" len="med"/>
+          </a:ln>
+        </p:spPr>
+        <p:style>
+          <a:lnRef idx="1">
+            <a:schemeClr val="accent1"/>
+          </a:lnRef>
+          <a:fillRef idx="0">
+            <a:schemeClr val="accent1"/>
+          </a:fillRef>
+          <a:effectRef idx="0">
+            <a:schemeClr val="accent1"/>
+          </a:effectRef>
+          <a:fontRef idx="minor">
+            <a:schemeClr val="tx1"/>
+          </a:fontRef>
+        </p:style>
+      </p:cxnSp>
+      <p:sp>
+        <p:nvSpPr>
+          <p:cNvPr id="51" name="TextBox 50">
+            <a:extLst>
+              <a:ext uri="{FF2B5EF4-FFF2-40B4-BE49-F238E27FC236}">
+                <a16:creationId xmlns:a16="http://schemas.microsoft.com/office/drawing/2014/main" id="{9112B6D6-3C70-17C3-C36B-1763A66E19F0}"/>
+              </a:ext>
+            </a:extLst>
+          </p:cNvPr>
+          <p:cNvSpPr txBox="1"/>
+          <p:nvPr/>
+        </p:nvSpPr>
+        <p:spPr>
+          <a:xfrm>
+            <a:off x="544665" y="5758867"/>
+            <a:ext cx="1524000" cy="400110"/>
+          </a:xfrm>
+          <a:prstGeom prst="rect">
+            <a:avLst/>
+          </a:prstGeom>
+          <a:solidFill>
+            <a:schemeClr val="accent1">
+              <a:lumMod val="60000"/>
+              <a:lumOff val="40000"/>
+            </a:schemeClr>
+          </a:solidFill>
+          <a:ln w="19050">
+            <a:solidFill>
+              <a:schemeClr val="accent1">
+                <a:lumMod val="50000"/>
+              </a:schemeClr>
+            </a:solidFill>
+          </a:ln>
+        </p:spPr>
+        <p:txBody>
+          <a:bodyPr wrap="square" rtlCol="0">
+            <a:spAutoFit/>
+          </a:bodyPr>
+          <a:lstStyle/>
+          <a:p>
+            <a:r>
+              <a:rPr lang="zh-CN" altLang="en-US" sz="2000" dirty="0">
+                <a:latin typeface="Microsoft YaHei" panose="020B0503020204020204" pitchFamily="34" charset="-122"/>
+                <a:ea typeface="Microsoft YaHei" panose="020B0503020204020204" pitchFamily="34" charset="-122"/>
+              </a:rPr>
+              <a:t>元件的</a:t>
+            </a:r>
+            <a:r>
+              <a:rPr lang="zh-CN" altLang="en-US" sz="2000" b="1" dirty="0">
+                <a:latin typeface="Microsoft YaHei" panose="020B0503020204020204" pitchFamily="34" charset="-122"/>
+                <a:ea typeface="Microsoft YaHei" panose="020B0503020204020204" pitchFamily="34" charset="-122"/>
+              </a:rPr>
+              <a:t>代号</a:t>
+            </a:r>
+            <a:endParaRPr lang="en-US" sz="2000" b="1" dirty="0">
+              <a:latin typeface="Microsoft YaHei" panose="020B0503020204020204" pitchFamily="34" charset="-122"/>
+              <a:ea typeface="Microsoft YaHei" panose="020B0503020204020204" pitchFamily="34" charset="-122"/>
+            </a:endParaRPr>
+          </a:p>
+        </p:txBody>
+      </p:sp>
+      <p:cxnSp>
+        <p:nvCxnSpPr>
+          <p:cNvPr id="52" name="Straight Arrow Connector 51">
+            <a:extLst>
+              <a:ext uri="{FF2B5EF4-FFF2-40B4-BE49-F238E27FC236}">
+                <a16:creationId xmlns:a16="http://schemas.microsoft.com/office/drawing/2014/main" id="{4F941DDC-41E3-785D-7A0D-AFA2CE6FA6ED}"/>
+              </a:ext>
+            </a:extLst>
+          </p:cNvPr>
+          <p:cNvCxnSpPr>
+            <a:cxnSpLocks/>
+            <a:stCxn id="51" idx="3"/>
+          </p:cNvCxnSpPr>
+          <p:nvPr/>
+        </p:nvCxnSpPr>
+        <p:spPr>
+          <a:xfrm flipV="1">
+            <a:off x="2068665" y="5756768"/>
+            <a:ext cx="570049" cy="202154"/>
+          </a:xfrm>
+          <a:prstGeom prst="straightConnector1">
+            <a:avLst/>
+          </a:prstGeom>
+          <a:ln w="19050">
+            <a:solidFill>
+              <a:srgbClr val="FF0000"/>
+            </a:solidFill>
+            <a:headEnd type="none" w="med" len="med"/>
+            <a:tailEnd type="arrow" w="med" len="med"/>
+          </a:ln>
+        </p:spPr>
+        <p:style>
+          <a:lnRef idx="1">
+            <a:schemeClr val="accent1"/>
+          </a:lnRef>
+          <a:fillRef idx="0">
+            <a:schemeClr val="accent1"/>
+          </a:fillRef>
+          <a:effectRef idx="0">
+            <a:schemeClr val="accent1"/>
+          </a:effectRef>
+          <a:fontRef idx="minor">
+            <a:schemeClr val="tx1"/>
+          </a:fontRef>
+        </p:style>
+      </p:cxnSp>
+      <p:cxnSp>
+        <p:nvCxnSpPr>
+          <p:cNvPr id="55" name="Straight Arrow Connector 54">
+            <a:extLst>
+              <a:ext uri="{FF2B5EF4-FFF2-40B4-BE49-F238E27FC236}">
+                <a16:creationId xmlns:a16="http://schemas.microsoft.com/office/drawing/2014/main" id="{ADF507E2-77C6-71EF-E588-CED498F13746}"/>
+              </a:ext>
+            </a:extLst>
+          </p:cNvPr>
+          <p:cNvCxnSpPr>
+            <a:cxnSpLocks/>
+            <a:stCxn id="51" idx="3"/>
+          </p:cNvCxnSpPr>
+          <p:nvPr/>
+        </p:nvCxnSpPr>
+        <p:spPr>
+          <a:xfrm>
+            <a:off x="2068665" y="5958922"/>
+            <a:ext cx="570049" cy="296974"/>
+          </a:xfrm>
+          <a:prstGeom prst="straightConnector1">
+            <a:avLst/>
+          </a:prstGeom>
+          <a:ln w="19050">
+            <a:solidFill>
+              <a:srgbClr val="FF0000"/>
+            </a:solidFill>
+            <a:headEnd type="none" w="med" len="med"/>
+            <a:tailEnd type="arrow" w="med" len="med"/>
+          </a:ln>
+        </p:spPr>
+        <p:style>
+          <a:lnRef idx="1">
+            <a:schemeClr val="accent1"/>
+          </a:lnRef>
+          <a:fillRef idx="0">
+            <a:schemeClr val="accent1"/>
+          </a:fillRef>
+          <a:effectRef idx="0">
+            <a:schemeClr val="accent1"/>
+          </a:effectRef>
+          <a:fontRef idx="minor">
+            <a:schemeClr val="tx1"/>
+          </a:fontRef>
+        </p:style>
+      </p:cxnSp>
     </p:spTree>
     <p:extLst>
       <p:ext uri="{BB962C8B-B14F-4D97-AF65-F5344CB8AC3E}">
-        <p14:creationId xmlns:p14="http://schemas.microsoft.com/office/powerpoint/2010/main" val="4219471184"/>
+        <p14:creationId xmlns:p14="http://schemas.microsoft.com/office/powerpoint/2010/main" val="2930223869"/>
       </p:ext>
     </p:extLst>
   </p:cSld>
@@ -12608,442 +13126,176 @@
       </p:grpSpPr>
       <p:sp>
         <p:nvSpPr>
-          <p:cNvPr id="26" name="TextBox 25"/>
-          <p:cNvSpPr txBox="1"/>
-          <p:nvPr/>
-        </p:nvSpPr>
-        <p:spPr>
-          <a:xfrm>
-            <a:off x="152400" y="1143000"/>
-            <a:ext cx="8839200" cy="5016758"/>
-          </a:xfrm>
-          <a:prstGeom prst="rect">
-            <a:avLst/>
-          </a:prstGeom>
-          <a:noFill/>
-        </p:spPr>
-        <p:txBody>
-          <a:bodyPr wrap="square" rtlCol="0">
-            <a:spAutoFit/>
-          </a:bodyPr>
-          <a:lstStyle/>
-          <a:p>
-            <a:pPr marL="231775" indent="-231775">
-              <a:buFont typeface="Arial" pitchFamily="34" charset="0"/>
-              <a:buChar char="•"/>
-            </a:pPr>
-            <a:r>
-              <a:rPr lang="zh-CN" altLang="en-US" sz="2000" dirty="0">
-                <a:latin typeface="Microsoft YaHei" panose="020B0503020204020204" pitchFamily="34" charset="-122"/>
-                <a:ea typeface="Microsoft YaHei" panose="020B0503020204020204" pitchFamily="34" charset="-122"/>
-              </a:rPr>
-              <a:t>点击以下网页链接（英语）：</a:t>
-            </a:r>
-            <a:endParaRPr lang="en-US" altLang="zh-CN" sz="2000" dirty="0">
-              <a:latin typeface="Microsoft YaHei" panose="020B0503020204020204" pitchFamily="34" charset="-122"/>
-              <a:ea typeface="Microsoft YaHei" panose="020B0503020204020204" pitchFamily="34" charset="-122"/>
-            </a:endParaRPr>
-          </a:p>
-          <a:p>
-            <a:pPr marL="688975" lvl="1" indent="-231775">
-              <a:buFont typeface="Arial" pitchFamily="34" charset="0"/>
-              <a:buChar char="•"/>
-            </a:pPr>
-            <a:r>
-              <a:rPr lang="en-US" altLang="zh-CN" sz="2000" dirty="0">
-                <a:latin typeface="Microsoft YaHei" panose="020B0503020204020204" pitchFamily="34" charset="-122"/>
-                <a:ea typeface="Microsoft YaHei" panose="020B0503020204020204" pitchFamily="34" charset="-122"/>
-                <a:hlinkClick r:id="rId2"/>
-              </a:rPr>
-              <a:t>https://www.w3schools.com</a:t>
-            </a:r>
-            <a:endParaRPr lang="en-US" altLang="zh-CN" sz="2000" dirty="0">
-              <a:latin typeface="Microsoft YaHei" panose="020B0503020204020204" pitchFamily="34" charset="-122"/>
-              <a:ea typeface="Microsoft YaHei" panose="020B0503020204020204" pitchFamily="34" charset="-122"/>
-            </a:endParaRPr>
-          </a:p>
-          <a:p>
-            <a:pPr marL="688975" lvl="1" indent="-231775">
-              <a:buFont typeface="Arial" pitchFamily="34" charset="0"/>
-              <a:buChar char="•"/>
-            </a:pPr>
-            <a:endParaRPr lang="en-US" altLang="zh-CN" sz="2000" dirty="0">
-              <a:latin typeface="Microsoft YaHei" panose="020B0503020204020204" pitchFamily="34" charset="-122"/>
-              <a:ea typeface="Microsoft YaHei" panose="020B0503020204020204" pitchFamily="34" charset="-122"/>
-              <a:hlinkClick r:id="rId3"/>
-            </a:endParaRPr>
-          </a:p>
-          <a:p>
-            <a:pPr marL="688975" lvl="1" indent="-231775">
-              <a:buFont typeface="Arial" pitchFamily="34" charset="0"/>
-              <a:buChar char="•"/>
-            </a:pPr>
-            <a:endParaRPr lang="en-US" altLang="zh-CN" sz="2000" dirty="0">
-              <a:latin typeface="Microsoft YaHei" panose="020B0503020204020204" pitchFamily="34" charset="-122"/>
-              <a:ea typeface="Microsoft YaHei" panose="020B0503020204020204" pitchFamily="34" charset="-122"/>
-              <a:hlinkClick r:id="rId3"/>
-            </a:endParaRPr>
-          </a:p>
-          <a:p>
-            <a:pPr marL="688975" lvl="1" indent="-231775">
-              <a:buFont typeface="Arial" pitchFamily="34" charset="0"/>
-              <a:buChar char="•"/>
-            </a:pPr>
-            <a:endParaRPr lang="en-US" altLang="zh-CN" sz="2000" dirty="0">
-              <a:latin typeface="Microsoft YaHei" panose="020B0503020204020204" pitchFamily="34" charset="-122"/>
-              <a:ea typeface="Microsoft YaHei" panose="020B0503020204020204" pitchFamily="34" charset="-122"/>
-              <a:hlinkClick r:id="rId3"/>
-            </a:endParaRPr>
-          </a:p>
-          <a:p>
-            <a:pPr marL="688975" lvl="1" indent="-231775">
-              <a:buFont typeface="Arial" pitchFamily="34" charset="0"/>
-              <a:buChar char="•"/>
-            </a:pPr>
-            <a:endParaRPr lang="en-US" altLang="zh-CN" sz="2000" dirty="0">
-              <a:latin typeface="Microsoft YaHei" panose="020B0503020204020204" pitchFamily="34" charset="-122"/>
-              <a:ea typeface="Microsoft YaHei" panose="020B0503020204020204" pitchFamily="34" charset="-122"/>
-              <a:hlinkClick r:id="rId3"/>
-            </a:endParaRPr>
-          </a:p>
-          <a:p>
-            <a:pPr marL="688975" lvl="1" indent="-231775">
-              <a:buFont typeface="Arial" pitchFamily="34" charset="0"/>
-              <a:buChar char="•"/>
-            </a:pPr>
-            <a:endParaRPr lang="en-US" altLang="zh-CN" sz="2000" dirty="0">
-              <a:latin typeface="Microsoft YaHei" panose="020B0503020204020204" pitchFamily="34" charset="-122"/>
-              <a:ea typeface="Microsoft YaHei" panose="020B0503020204020204" pitchFamily="34" charset="-122"/>
-              <a:hlinkClick r:id="rId3"/>
-            </a:endParaRPr>
-          </a:p>
-          <a:p>
-            <a:pPr marL="688975" lvl="1" indent="-231775">
-              <a:buFont typeface="Arial" pitchFamily="34" charset="0"/>
-              <a:buChar char="•"/>
-            </a:pPr>
-            <a:endParaRPr lang="en-US" altLang="zh-CN" sz="2000" dirty="0">
-              <a:latin typeface="Microsoft YaHei" panose="020B0503020204020204" pitchFamily="34" charset="-122"/>
-              <a:ea typeface="Microsoft YaHei" panose="020B0503020204020204" pitchFamily="34" charset="-122"/>
-              <a:hlinkClick r:id="rId3"/>
-            </a:endParaRPr>
-          </a:p>
-          <a:p>
-            <a:pPr marL="231775" indent="-231775">
-              <a:buFont typeface="Arial" pitchFamily="34" charset="0"/>
-              <a:buChar char="•"/>
-            </a:pPr>
-            <a:endParaRPr lang="en-US" altLang="zh-CN" sz="2000" dirty="0">
-              <a:latin typeface="Microsoft YaHei" panose="020B0503020204020204" pitchFamily="34" charset="-122"/>
-              <a:ea typeface="Microsoft YaHei" panose="020B0503020204020204" pitchFamily="34" charset="-122"/>
-              <a:hlinkClick r:id="rId3"/>
-            </a:endParaRPr>
-          </a:p>
-          <a:p>
-            <a:pPr marL="231775" indent="-231775">
-              <a:buFont typeface="Arial" pitchFamily="34" charset="0"/>
-              <a:buChar char="•"/>
-            </a:pPr>
-            <a:endParaRPr lang="en-US" altLang="zh-CN" sz="2000" dirty="0">
-              <a:latin typeface="Microsoft YaHei" panose="020B0503020204020204" pitchFamily="34" charset="-122"/>
-              <a:ea typeface="Microsoft YaHei" panose="020B0503020204020204" pitchFamily="34" charset="-122"/>
-              <a:hlinkClick r:id="rId3"/>
-            </a:endParaRPr>
-          </a:p>
-          <a:p>
-            <a:pPr marL="231775" indent="-231775">
-              <a:buFont typeface="Arial" pitchFamily="34" charset="0"/>
-              <a:buChar char="•"/>
-            </a:pPr>
-            <a:endParaRPr lang="en-US" altLang="zh-CN" sz="2000" dirty="0">
-              <a:latin typeface="Microsoft YaHei" panose="020B0503020204020204" pitchFamily="34" charset="-122"/>
-              <a:ea typeface="Microsoft YaHei" panose="020B0503020204020204" pitchFamily="34" charset="-122"/>
-              <a:hlinkClick r:id="rId3"/>
-            </a:endParaRPr>
-          </a:p>
-          <a:p>
-            <a:pPr marL="231775" indent="-231775">
-              <a:buFont typeface="Arial" pitchFamily="34" charset="0"/>
-              <a:buChar char="•"/>
-            </a:pPr>
-            <a:endParaRPr lang="en-US" altLang="zh-CN" sz="2000" dirty="0">
-              <a:latin typeface="Microsoft YaHei" panose="020B0503020204020204" pitchFamily="34" charset="-122"/>
-              <a:ea typeface="Microsoft YaHei" panose="020B0503020204020204" pitchFamily="34" charset="-122"/>
-              <a:hlinkClick r:id="rId3"/>
-            </a:endParaRPr>
-          </a:p>
-          <a:p>
-            <a:pPr marL="231775" indent="-231775">
-              <a:buFont typeface="Arial" pitchFamily="34" charset="0"/>
-              <a:buChar char="•"/>
-            </a:pPr>
-            <a:endParaRPr lang="en-US" altLang="zh-CN" sz="2000" dirty="0">
-              <a:latin typeface="Microsoft YaHei" panose="020B0503020204020204" pitchFamily="34" charset="-122"/>
-              <a:ea typeface="Microsoft YaHei" panose="020B0503020204020204" pitchFamily="34" charset="-122"/>
-              <a:hlinkClick r:id="rId3"/>
-            </a:endParaRPr>
-          </a:p>
-          <a:p>
-            <a:pPr marL="231775" indent="-231775">
-              <a:buFont typeface="Arial" pitchFamily="34" charset="0"/>
-              <a:buChar char="•"/>
-            </a:pPr>
-            <a:r>
-              <a:rPr lang="zh-CN" altLang="en-US" sz="2000" dirty="0">
-                <a:latin typeface="Microsoft YaHei" panose="020B0503020204020204" pitchFamily="34" charset="-122"/>
-                <a:ea typeface="Microsoft YaHei" panose="020B0503020204020204" pitchFamily="34" charset="-122"/>
-              </a:rPr>
-              <a:t>拉曼大学学院相关科系（英语）：</a:t>
-            </a:r>
-            <a:endParaRPr lang="en-US" altLang="zh-CN" sz="2000" dirty="0">
-              <a:latin typeface="Microsoft YaHei" panose="020B0503020204020204" pitchFamily="34" charset="-122"/>
-              <a:ea typeface="Microsoft YaHei" panose="020B0503020204020204" pitchFamily="34" charset="-122"/>
-            </a:endParaRPr>
-          </a:p>
-          <a:p>
-            <a:pPr marL="688975" lvl="1" indent="-231775">
-              <a:buFont typeface="Arial" pitchFamily="34" charset="0"/>
-              <a:buChar char="•"/>
-            </a:pPr>
-            <a:r>
-              <a:rPr lang="zh-CN" altLang="en-US" sz="2000" dirty="0">
-                <a:latin typeface="Microsoft YaHei" panose="020B0503020204020204" pitchFamily="34" charset="-122"/>
-                <a:ea typeface="Microsoft YaHei" panose="020B0503020204020204" pitchFamily="34" charset="-122"/>
-                <a:hlinkClick r:id="rId4"/>
-              </a:rPr>
-              <a:t>电脑与资讯科技学院</a:t>
-            </a:r>
-            <a:endParaRPr lang="en-US" altLang="zh-CN" sz="2000" dirty="0">
-              <a:latin typeface="Microsoft YaHei" panose="020B0503020204020204" pitchFamily="34" charset="-122"/>
-              <a:ea typeface="Microsoft YaHei" panose="020B0503020204020204" pitchFamily="34" charset="-122"/>
-            </a:endParaRPr>
-          </a:p>
-          <a:p>
-            <a:pPr marL="688975" lvl="1" indent="-231775">
-              <a:buFont typeface="Arial" pitchFamily="34" charset="0"/>
-              <a:buChar char="•"/>
-            </a:pPr>
-            <a:r>
-              <a:rPr lang="zh-CN" altLang="en-US" sz="2000" dirty="0">
-                <a:latin typeface="Microsoft YaHei" panose="020B0503020204020204" pitchFamily="34" charset="-122"/>
-                <a:ea typeface="Microsoft YaHei" panose="020B0503020204020204" pitchFamily="34" charset="-122"/>
-                <a:hlinkClick r:id="rId5"/>
-              </a:rPr>
-              <a:t>互联网科技</a:t>
-            </a:r>
-            <a:endParaRPr lang="en-US" altLang="zh-CN" sz="2000" dirty="0">
-              <a:latin typeface="Microsoft YaHei" panose="020B0503020204020204" pitchFamily="34" charset="-122"/>
-              <a:ea typeface="Microsoft YaHei" panose="020B0503020204020204" pitchFamily="34" charset="-122"/>
-            </a:endParaRPr>
-          </a:p>
-        </p:txBody>
-      </p:sp>
-      <p:sp>
-        <p:nvSpPr>
-          <p:cNvPr id="4" name="TextBox 3"/>
-          <p:cNvSpPr txBox="1"/>
-          <p:nvPr/>
-        </p:nvSpPr>
-        <p:spPr>
-          <a:xfrm>
-            <a:off x="0" y="0"/>
-            <a:ext cx="9144000" cy="990600"/>
-          </a:xfrm>
-          <a:prstGeom prst="rect">
-            <a:avLst/>
-          </a:prstGeom>
+          <p:cNvPr id="2" name="Title 1"/>
+          <p:cNvSpPr>
+            <a:spLocks noGrp="1"/>
+          </p:cNvSpPr>
+          <p:nvPr>
+            <p:ph type="ctrTitle"/>
+          </p:nvPr>
+        </p:nvSpPr>
+        <p:spPr>
+          <a:xfrm>
+            <a:off x="0" y="2495550"/>
+            <a:ext cx="9153525" cy="1866900"/>
+          </a:xfrm>
           <a:solidFill>
             <a:srgbClr val="FFCC00"/>
           </a:solidFill>
         </p:spPr>
         <p:txBody>
-          <a:bodyPr wrap="square" rtlCol="0" anchor="ctr" anchorCtr="0">
+          <a:bodyPr>
             <a:noAutofit/>
           </a:bodyPr>
           <a:lstStyle/>
           <a:p>
-            <a:pPr marL="117475"/>
-            <a:r>
-              <a:rPr lang="zh-CN" altLang="en-US" sz="2400" b="1" dirty="0">
-                <a:latin typeface="Microsoft YaHei" panose="020B0503020204020204" pitchFamily="34" charset="-122"/>
-                <a:ea typeface="Microsoft YaHei" panose="020B0503020204020204" pitchFamily="34" charset="-122"/>
-              </a:rPr>
-              <a:t>在线参考</a:t>
-            </a:r>
-            <a:endParaRPr lang="en-US" altLang="zh-CN" sz="2400" b="1" dirty="0">
-              <a:latin typeface="Microsoft YaHei" panose="020B0503020204020204" pitchFamily="34" charset="-122"/>
-              <a:ea typeface="Microsoft YaHei" panose="020B0503020204020204" pitchFamily="34" charset="-122"/>
-            </a:endParaRPr>
-          </a:p>
-          <a:p>
-            <a:pPr marL="117475"/>
-            <a:r>
-              <a:rPr lang="en-US" altLang="zh-CN" sz="2400" b="1" dirty="0">
-                <a:latin typeface="Microsoft YaHei" panose="020B0503020204020204" pitchFamily="34" charset="-122"/>
-                <a:ea typeface="Microsoft YaHei" panose="020B0503020204020204" pitchFamily="34" charset="-122"/>
-              </a:rPr>
-              <a:t>Online Reference</a:t>
-            </a:r>
-            <a:endParaRPr lang="en-US" sz="2400" b="1" dirty="0">
-              <a:latin typeface="Microsoft YaHei" panose="020B0503020204020204" pitchFamily="34" charset="-122"/>
-              <a:ea typeface="Microsoft YaHei" panose="020B0503020204020204" pitchFamily="34" charset="-122"/>
-            </a:endParaRPr>
-          </a:p>
-        </p:txBody>
-      </p:sp>
-      <p:sp>
-        <p:nvSpPr>
-          <p:cNvPr id="10" name="TextBox 9"/>
-          <p:cNvSpPr txBox="1"/>
-          <p:nvPr/>
-        </p:nvSpPr>
-        <p:spPr>
-          <a:xfrm>
-            <a:off x="1150545" y="1981200"/>
-            <a:ext cx="2126055" cy="461665"/>
-          </a:xfrm>
-          <a:prstGeom prst="rect">
-            <a:avLst/>
-          </a:prstGeom>
-          <a:solidFill>
-            <a:schemeClr val="accent1">
-              <a:lumMod val="60000"/>
-              <a:lumOff val="40000"/>
-            </a:schemeClr>
-          </a:solidFill>
-          <a:ln w="19050">
+            <a:r>
+              <a:rPr lang="en-US" altLang="zh-CN" sz="4800" b="1" dirty="0">
+                <a:latin typeface="Microsoft YaHei" panose="020B0503020204020204" pitchFamily="34" charset="-122"/>
+                <a:ea typeface="Microsoft YaHei" panose="020B0503020204020204" pitchFamily="34" charset="-122"/>
+              </a:rPr>
+              <a:t>JS</a:t>
+            </a:r>
+            <a:r>
+              <a:rPr lang="zh-CN" altLang="en-US" sz="4800" b="1" dirty="0">
+                <a:latin typeface="Microsoft YaHei" panose="020B0503020204020204" pitchFamily="34" charset="-122"/>
+                <a:ea typeface="Microsoft YaHei" panose="020B0503020204020204" pitchFamily="34" charset="-122"/>
+              </a:rPr>
+              <a:t>：实践时间</a:t>
+            </a:r>
+            <a:endParaRPr lang="en-MY" sz="2400" b="1" dirty="0">
+              <a:latin typeface="Microsoft YaHei" panose="020B0503020204020204" pitchFamily="34" charset="-122"/>
+              <a:ea typeface="Microsoft YaHei" panose="020B0503020204020204" pitchFamily="34" charset="-122"/>
+            </a:endParaRPr>
+          </a:p>
+        </p:txBody>
+      </p:sp>
+      <p:sp>
+        <p:nvSpPr>
+          <p:cNvPr id="3" name="Subtitle 2"/>
+          <p:cNvSpPr>
+            <a:spLocks noGrp="1"/>
+          </p:cNvSpPr>
+          <p:nvPr>
+            <p:ph type="subTitle" idx="1"/>
+          </p:nvPr>
+        </p:nvSpPr>
+        <p:spPr>
+          <a:xfrm>
+            <a:off x="0" y="4362450"/>
+            <a:ext cx="9144000" cy="2495550"/>
+          </a:xfrm>
+        </p:spPr>
+        <p:txBody>
+          <a:bodyPr>
+            <a:noAutofit/>
+          </a:bodyPr>
+          <a:lstStyle/>
+          <a:p>
+            <a:r>
+              <a:rPr lang="en-US" b="1" dirty="0">
+                <a:solidFill>
+                  <a:schemeClr val="tx1"/>
+                </a:solidFill>
+                <a:latin typeface="Microsoft YaHei" panose="020B0503020204020204" pitchFamily="34" charset="-122"/>
+                <a:ea typeface="Microsoft YaHei" panose="020B0503020204020204" pitchFamily="34" charset="-122"/>
+              </a:rPr>
+              <a:t>Practical Time</a:t>
+            </a:r>
+            <a:endParaRPr lang="en-MY" b="1" dirty="0">
+              <a:solidFill>
+                <a:schemeClr val="tx1"/>
+              </a:solidFill>
+              <a:latin typeface="Microsoft YaHei" panose="020B0503020204020204" pitchFamily="34" charset="-122"/>
+              <a:ea typeface="Microsoft YaHei" panose="020B0503020204020204" pitchFamily="34" charset="-122"/>
+            </a:endParaRPr>
+          </a:p>
+        </p:txBody>
+      </p:sp>
+      <p:pic>
+        <p:nvPicPr>
+          <p:cNvPr id="4098" name="Picture 2" descr="http://www.tarc.edu.my/files/focs/slide/7D311104-3130-4D1B-8998-44791A3C348C.jpg"/>
+          <p:cNvPicPr>
+            <a:picLocks noChangeAspect="1" noChangeArrowheads="1"/>
+          </p:cNvPicPr>
+          <p:nvPr/>
+        </p:nvPicPr>
+        <p:blipFill>
+          <a:blip r:embed="rId2" cstate="screen">
+            <a:extLst>
+              <a:ext uri="{28A0092B-C50C-407E-A947-70E740481C1C}">
+                <a14:useLocalDpi xmlns:a14="http://schemas.microsoft.com/office/drawing/2010/main"/>
+              </a:ext>
+            </a:extLst>
+          </a:blip>
+          <a:srcRect/>
+          <a:stretch>
+            <a:fillRect/>
+          </a:stretch>
+        </p:blipFill>
+        <p:spPr bwMode="auto">
+          <a:xfrm>
+            <a:off x="3148319" y="158210"/>
+            <a:ext cx="2847362" cy="1899190"/>
+          </a:xfrm>
+          <a:prstGeom prst="rect">
+            <a:avLst/>
+          </a:prstGeom>
+          <a:noFill/>
+          <a:ln>
             <a:solidFill>
-              <a:schemeClr val="accent1">
+              <a:schemeClr val="bg1">
                 <a:lumMod val="50000"/>
               </a:schemeClr>
             </a:solidFill>
           </a:ln>
         </p:spPr>
-        <p:txBody>
-          <a:bodyPr wrap="square" rtlCol="0">
-            <a:spAutoFit/>
-          </a:bodyPr>
-          <a:lstStyle/>
-          <a:p>
-            <a:pPr algn="ctr"/>
-            <a:r>
-              <a:rPr lang="en-US" altLang="zh-CN" sz="2400" b="1" dirty="0">
-                <a:latin typeface="Microsoft YaHei" panose="020B0503020204020204" pitchFamily="34" charset="-122"/>
-                <a:ea typeface="Microsoft YaHei" panose="020B0503020204020204" pitchFamily="34" charset="-122"/>
-              </a:rPr>
-              <a:t>HTML</a:t>
-            </a:r>
-            <a:endParaRPr lang="en-US" sz="2400" b="1" dirty="0">
-              <a:latin typeface="Microsoft YaHei" panose="020B0503020204020204" pitchFamily="34" charset="-122"/>
-              <a:ea typeface="Microsoft YaHei" panose="020B0503020204020204" pitchFamily="34" charset="-122"/>
-            </a:endParaRPr>
-          </a:p>
-        </p:txBody>
-      </p:sp>
-      <p:sp>
-        <p:nvSpPr>
-          <p:cNvPr id="11" name="TextBox 10"/>
-          <p:cNvSpPr txBox="1"/>
-          <p:nvPr/>
-        </p:nvSpPr>
-        <p:spPr>
-          <a:xfrm>
-            <a:off x="1150544" y="2583845"/>
-            <a:ext cx="2126055" cy="461665"/>
-          </a:xfrm>
-          <a:prstGeom prst="rect">
-            <a:avLst/>
-          </a:prstGeom>
-          <a:solidFill>
-            <a:schemeClr val="accent6">
-              <a:lumMod val="60000"/>
-              <a:lumOff val="40000"/>
-            </a:schemeClr>
-          </a:solidFill>
-          <a:ln w="19050">
+      </p:pic>
+      <p:pic>
+        <p:nvPicPr>
+          <p:cNvPr id="4100" name="Picture 4" descr="http://www.tarc.edu.my/files/focs/slide/2B99BAE5-4543-4FE2-8AAA-94C875CB6AD8.jpg"/>
+          <p:cNvPicPr>
+            <a:picLocks noChangeAspect="1" noChangeArrowheads="1"/>
+          </p:cNvPicPr>
+          <p:nvPr/>
+        </p:nvPicPr>
+        <p:blipFill>
+          <a:blip r:embed="rId3" cstate="screen">
+            <a:extLst>
+              <a:ext uri="{28A0092B-C50C-407E-A947-70E740481C1C}">
+                <a14:useLocalDpi xmlns:a14="http://schemas.microsoft.com/office/drawing/2010/main"/>
+              </a:ext>
+            </a:extLst>
+          </a:blip>
+          <a:srcRect/>
+          <a:stretch>
+            <a:fillRect/>
+          </a:stretch>
+        </p:blipFill>
+        <p:spPr bwMode="auto">
+          <a:xfrm>
+            <a:off x="6172200" y="158210"/>
+            <a:ext cx="2847362" cy="1899190"/>
+          </a:xfrm>
+          <a:prstGeom prst="rect">
+            <a:avLst/>
+          </a:prstGeom>
+          <a:noFill/>
+          <a:ln>
             <a:solidFill>
-              <a:schemeClr val="accent6">
+              <a:schemeClr val="bg1">
                 <a:lumMod val="50000"/>
               </a:schemeClr>
             </a:solidFill>
           </a:ln>
         </p:spPr>
-        <p:txBody>
-          <a:bodyPr wrap="square" rtlCol="0">
-            <a:spAutoFit/>
-          </a:bodyPr>
-          <a:lstStyle/>
-          <a:p>
-            <a:pPr algn="ctr"/>
-            <a:r>
-              <a:rPr lang="en-US" altLang="zh-CN" sz="2400" b="1" dirty="0">
-                <a:latin typeface="Microsoft YaHei" panose="020B0503020204020204" pitchFamily="34" charset="-122"/>
-                <a:ea typeface="Microsoft YaHei" panose="020B0503020204020204" pitchFamily="34" charset="-122"/>
-              </a:rPr>
-              <a:t>CSS</a:t>
-            </a:r>
-            <a:endParaRPr lang="en-US" sz="2400" b="1" dirty="0">
-              <a:latin typeface="Microsoft YaHei" panose="020B0503020204020204" pitchFamily="34" charset="-122"/>
-              <a:ea typeface="Microsoft YaHei" panose="020B0503020204020204" pitchFamily="34" charset="-122"/>
-            </a:endParaRPr>
-          </a:p>
-        </p:txBody>
-      </p:sp>
-      <p:sp>
-        <p:nvSpPr>
-          <p:cNvPr id="12" name="TextBox 11"/>
-          <p:cNvSpPr txBox="1"/>
-          <p:nvPr/>
-        </p:nvSpPr>
-        <p:spPr>
-          <a:xfrm>
-            <a:off x="1150545" y="3193445"/>
-            <a:ext cx="2126055" cy="461665"/>
-          </a:xfrm>
-          <a:prstGeom prst="rect">
-            <a:avLst/>
-          </a:prstGeom>
-          <a:solidFill>
-            <a:schemeClr val="accent4">
-              <a:lumMod val="60000"/>
-              <a:lumOff val="40000"/>
-            </a:schemeClr>
-          </a:solidFill>
-          <a:ln w="19050">
-            <a:solidFill>
-              <a:schemeClr val="accent4">
-                <a:lumMod val="50000"/>
-              </a:schemeClr>
-            </a:solidFill>
-          </a:ln>
-        </p:spPr>
-        <p:txBody>
-          <a:bodyPr wrap="square" rtlCol="0">
-            <a:spAutoFit/>
-          </a:bodyPr>
-          <a:lstStyle/>
-          <a:p>
-            <a:pPr algn="ctr"/>
-            <a:r>
-              <a:rPr lang="en-US" altLang="zh-CN" sz="2400" b="1" dirty="0">
-                <a:latin typeface="Microsoft YaHei" panose="020B0503020204020204" pitchFamily="34" charset="-122"/>
-                <a:ea typeface="Microsoft YaHei" panose="020B0503020204020204" pitchFamily="34" charset="-122"/>
-              </a:rPr>
-              <a:t>JS</a:t>
-            </a:r>
-            <a:endParaRPr lang="en-US" sz="2400" b="1" dirty="0">
-              <a:latin typeface="Microsoft YaHei" panose="020B0503020204020204" pitchFamily="34" charset="-122"/>
-              <a:ea typeface="Microsoft YaHei" panose="020B0503020204020204" pitchFamily="34" charset="-122"/>
-            </a:endParaRPr>
-          </a:p>
-        </p:txBody>
-      </p:sp>
+      </p:pic>
       <p:pic>
         <p:nvPicPr>
-          <p:cNvPr id="3" name="Picture 2">
+          <p:cNvPr id="6" name="Picture 5">
             <a:extLst>
               <a:ext uri="{FF2B5EF4-FFF2-40B4-BE49-F238E27FC236}">
-                <a16:creationId xmlns:a16="http://schemas.microsoft.com/office/drawing/2014/main" id="{8C5C5477-6309-0EE4-1A58-940126D20ABD}"/>
+                <a16:creationId xmlns:a16="http://schemas.microsoft.com/office/drawing/2014/main" id="{74C27F45-5AB6-EA6C-2A6B-094A18F52C67}"/>
               </a:ext>
             </a:extLst>
           </p:cNvPr>
@@ -13053,7 +13305,7 @@
           <p:nvPr/>
         </p:nvPicPr>
         <p:blipFill>
-          <a:blip r:embed="rId6" cstate="print">
+          <a:blip r:embed="rId4">
             <a:extLst>
               <a:ext uri="{28A0092B-C50C-407E-A947-70E740481C1C}">
                 <a14:useLocalDpi xmlns:a14="http://schemas.microsoft.com/office/drawing/2010/main" val="0"/>
@@ -13066,77 +13318,54 @@
         </p:blipFill>
         <p:spPr>
           <a:xfrm>
-            <a:off x="3429000" y="1980769"/>
-            <a:ext cx="4800600" cy="2700338"/>
-          </a:xfrm>
-          <a:prstGeom prst="rect">
-            <a:avLst/>
-          </a:prstGeom>
-          <a:ln>
-            <a:solidFill>
-              <a:schemeClr val="tx1"/>
-            </a:solidFill>
-          </a:ln>
+            <a:off x="76200" y="76200"/>
+            <a:ext cx="2971800" cy="888579"/>
+          </a:xfrm>
+          <a:prstGeom prst="rect">
+            <a:avLst/>
+          </a:prstGeom>
         </p:spPr>
       </p:pic>
-      <p:sp>
-        <p:nvSpPr>
-          <p:cNvPr id="7" name="TextBox 6">
+      <p:pic>
+        <p:nvPicPr>
+          <p:cNvPr id="7" name="Picture 6">
             <a:extLst>
               <a:ext uri="{FF2B5EF4-FFF2-40B4-BE49-F238E27FC236}">
-                <a16:creationId xmlns:a16="http://schemas.microsoft.com/office/drawing/2014/main" id="{15ECFC17-6742-1453-DE5C-75820DA85EF4}"/>
+                <a16:creationId xmlns:a16="http://schemas.microsoft.com/office/drawing/2014/main" id="{5B6EFDB0-653B-1E60-38F9-3B2EF2FC53FA}"/>
               </a:ext>
             </a:extLst>
           </p:cNvPr>
-          <p:cNvSpPr txBox="1"/>
-          <p:nvPr/>
-        </p:nvSpPr>
-        <p:spPr>
-          <a:xfrm>
-            <a:off x="1150544" y="3806387"/>
-            <a:ext cx="2126055" cy="461665"/>
-          </a:xfrm>
-          <a:prstGeom prst="rect">
-            <a:avLst/>
-          </a:prstGeom>
-          <a:solidFill>
-            <a:schemeClr val="bg1">
-              <a:lumMod val="95000"/>
-            </a:schemeClr>
-          </a:solidFill>
-          <a:ln w="19050">
-            <a:solidFill>
-              <a:schemeClr val="bg1">
-                <a:lumMod val="50000"/>
-              </a:schemeClr>
-            </a:solidFill>
-          </a:ln>
-        </p:spPr>
-        <p:txBody>
-          <a:bodyPr wrap="square" rtlCol="0">
-            <a:spAutoFit/>
-          </a:bodyPr>
-          <a:lstStyle/>
-          <a:p>
-            <a:pPr algn="ctr"/>
-            <a:r>
-              <a:rPr lang="en-US" altLang="zh-CN" sz="2400" b="1" dirty="0">
-                <a:latin typeface="Microsoft YaHei" panose="020B0503020204020204" pitchFamily="34" charset="-122"/>
-                <a:ea typeface="Microsoft YaHei" panose="020B0503020204020204" pitchFamily="34" charset="-122"/>
-              </a:rPr>
-              <a:t>Others…</a:t>
-            </a:r>
-            <a:endParaRPr lang="en-US" sz="2400" b="1" dirty="0">
-              <a:latin typeface="Microsoft YaHei" panose="020B0503020204020204" pitchFamily="34" charset="-122"/>
-              <a:ea typeface="Microsoft YaHei" panose="020B0503020204020204" pitchFamily="34" charset="-122"/>
-            </a:endParaRPr>
-          </a:p>
-        </p:txBody>
-      </p:sp>
+          <p:cNvPicPr>
+            <a:picLocks noChangeAspect="1"/>
+          </p:cNvPicPr>
+          <p:nvPr/>
+        </p:nvPicPr>
+        <p:blipFill>
+          <a:blip r:embed="rId5">
+            <a:extLst>
+              <a:ext uri="{28A0092B-C50C-407E-A947-70E740481C1C}">
+                <a14:useLocalDpi xmlns:a14="http://schemas.microsoft.com/office/drawing/2010/main" val="0"/>
+              </a:ext>
+            </a:extLst>
+          </a:blip>
+          <a:stretch>
+            <a:fillRect/>
+          </a:stretch>
+        </p:blipFill>
+        <p:spPr>
+          <a:xfrm>
+            <a:off x="331565" y="1220637"/>
+            <a:ext cx="2461069" cy="836763"/>
+          </a:xfrm>
+          <a:prstGeom prst="rect">
+            <a:avLst/>
+          </a:prstGeom>
+        </p:spPr>
+      </p:pic>
     </p:spTree>
     <p:extLst>
       <p:ext uri="{BB962C8B-B14F-4D97-AF65-F5344CB8AC3E}">
-        <p14:creationId xmlns:p14="http://schemas.microsoft.com/office/powerpoint/2010/main" val="3593731377"/>
+        <p14:creationId xmlns:p14="http://schemas.microsoft.com/office/powerpoint/2010/main" val="4219471184"/>
       </p:ext>
     </p:extLst>
   </p:cSld>
@@ -13165,86 +13394,51 @@
       </p:grpSpPr>
       <p:sp>
         <p:nvSpPr>
-          <p:cNvPr id="2" name="Title 1"/>
-          <p:cNvSpPr>
-            <a:spLocks noGrp="1"/>
-          </p:cNvSpPr>
-          <p:nvPr>
-            <p:ph type="ctrTitle"/>
-          </p:nvPr>
-        </p:nvSpPr>
-        <p:spPr>
-          <a:xfrm>
-            <a:off x="0" y="2495550"/>
-            <a:ext cx="9153525" cy="1866900"/>
-          </a:xfrm>
+          <p:cNvPr id="4" name="TextBox 3"/>
+          <p:cNvSpPr txBox="1"/>
+          <p:nvPr/>
+        </p:nvSpPr>
+        <p:spPr>
+          <a:xfrm>
+            <a:off x="0" y="0"/>
+            <a:ext cx="9144000" cy="990600"/>
+          </a:xfrm>
+          <a:prstGeom prst="rect">
+            <a:avLst/>
+          </a:prstGeom>
           <a:solidFill>
             <a:srgbClr val="FFCC00"/>
           </a:solidFill>
         </p:spPr>
         <p:txBody>
-          <a:bodyPr>
+          <a:bodyPr wrap="square" rtlCol="0" anchor="ctr" anchorCtr="0">
             <a:noAutofit/>
           </a:bodyPr>
           <a:lstStyle/>
           <a:p>
-            <a:r>
-              <a:rPr lang="en-MY" altLang="zh-CN" sz="4800" b="1" dirty="0">
-                <a:latin typeface="Microsoft YaHei" panose="020B0503020204020204" pitchFamily="34" charset="-122"/>
-                <a:ea typeface="Microsoft YaHei" panose="020B0503020204020204" pitchFamily="34" charset="-122"/>
-              </a:rPr>
-              <a:t>Thank You / </a:t>
-            </a:r>
-            <a:r>
-              <a:rPr lang="zh-CN" altLang="en-US" sz="4800" b="1" dirty="0">
-                <a:latin typeface="Microsoft YaHei" panose="020B0503020204020204" pitchFamily="34" charset="-122"/>
-                <a:ea typeface="Microsoft YaHei" panose="020B0503020204020204" pitchFamily="34" charset="-122"/>
-              </a:rPr>
-              <a:t>谢谢</a:t>
-            </a:r>
-            <a:endParaRPr lang="en-MY" sz="2400" b="1" dirty="0">
-              <a:latin typeface="Microsoft YaHei" panose="020B0503020204020204" pitchFamily="34" charset="-122"/>
-              <a:ea typeface="Microsoft YaHei" panose="020B0503020204020204" pitchFamily="34" charset="-122"/>
-            </a:endParaRPr>
-          </a:p>
-        </p:txBody>
-      </p:sp>
-      <p:sp>
-        <p:nvSpPr>
-          <p:cNvPr id="3" name="Subtitle 2"/>
-          <p:cNvSpPr>
-            <a:spLocks noGrp="1"/>
-          </p:cNvSpPr>
-          <p:nvPr>
-            <p:ph type="subTitle" idx="1"/>
-          </p:nvPr>
-        </p:nvSpPr>
-        <p:spPr>
-          <a:xfrm>
-            <a:off x="0" y="4362450"/>
-            <a:ext cx="9144000" cy="2495550"/>
-          </a:xfrm>
-        </p:spPr>
-        <p:txBody>
-          <a:bodyPr>
-            <a:noAutofit/>
-          </a:bodyPr>
-          <a:lstStyle/>
-          <a:p>
-            <a:r>
-              <a:rPr lang="en-US" b="1" dirty="0">
-                <a:solidFill>
-                  <a:schemeClr val="tx1"/>
-                </a:solidFill>
-                <a:latin typeface="Microsoft YaHei" panose="020B0503020204020204" pitchFamily="34" charset="-122"/>
-                <a:ea typeface="Microsoft YaHei" panose="020B0503020204020204" pitchFamily="34" charset="-122"/>
-              </a:rPr>
-              <a:t>The End</a:t>
-            </a:r>
-            <a:endParaRPr lang="en-MY" b="1" dirty="0">
-              <a:solidFill>
-                <a:schemeClr val="tx1"/>
-              </a:solidFill>
+            <a:pPr marL="117475"/>
+            <a:r>
+              <a:rPr lang="zh-CN" altLang="en-US" sz="2400" b="1" dirty="0">
+                <a:latin typeface="Microsoft YaHei" panose="020B0503020204020204" pitchFamily="34" charset="-122"/>
+                <a:ea typeface="Microsoft YaHei" panose="020B0503020204020204" pitchFamily="34" charset="-122"/>
+              </a:rPr>
+              <a:t>成品</a:t>
+            </a:r>
+            <a:endParaRPr lang="en-MY" altLang="zh-CN" sz="2400" b="1" dirty="0">
+              <a:latin typeface="Microsoft YaHei" panose="020B0503020204020204" pitchFamily="34" charset="-122"/>
+              <a:ea typeface="Microsoft YaHei" panose="020B0503020204020204" pitchFamily="34" charset="-122"/>
+            </a:endParaRPr>
+          </a:p>
+          <a:p>
+            <a:pPr marL="117475"/>
+            <a:r>
+              <a:rPr lang="en-MY" sz="2400" b="1" dirty="0">
+                <a:latin typeface="Microsoft YaHei" panose="020B0503020204020204" pitchFamily="34" charset="-122"/>
+                <a:ea typeface="Microsoft YaHei" panose="020B0503020204020204" pitchFamily="34" charset="-122"/>
+              </a:rPr>
+              <a:t>Result</a:t>
+            </a:r>
+            <a:endParaRPr lang="en-US" sz="2400" b="1" dirty="0">
               <a:latin typeface="Microsoft YaHei" panose="020B0503020204020204" pitchFamily="34" charset="-122"/>
               <a:ea typeface="Microsoft YaHei" panose="020B0503020204020204" pitchFamily="34" charset="-122"/>
             </a:endParaRPr>
@@ -13253,68 +13447,197 @@
       </p:sp>
       <p:pic>
         <p:nvPicPr>
-          <p:cNvPr id="4098" name="Picture 2" descr="http://www.tarc.edu.my/files/focs/slide/7D311104-3130-4D1B-8998-44791A3C348C.jpg"/>
+          <p:cNvPr id="2" name="Picture 1">
+            <a:extLst>
+              <a:ext uri="{FF2B5EF4-FFF2-40B4-BE49-F238E27FC236}">
+                <a16:creationId xmlns:a16="http://schemas.microsoft.com/office/drawing/2014/main" id="{5F0DF572-4154-1669-71EF-48D16D7A781F}"/>
+              </a:ext>
+            </a:extLst>
+          </p:cNvPr>
           <p:cNvPicPr>
-            <a:picLocks noChangeAspect="1" noChangeArrowheads="1"/>
+            <a:picLocks noChangeAspect="1"/>
           </p:cNvPicPr>
           <p:nvPr/>
         </p:nvPicPr>
         <p:blipFill>
-          <a:blip r:embed="rId2" cstate="screen">
-            <a:extLst>
-              <a:ext uri="{28A0092B-C50C-407E-A947-70E740481C1C}">
-                <a14:useLocalDpi xmlns:a14="http://schemas.microsoft.com/office/drawing/2010/main"/>
-              </a:ext>
-            </a:extLst>
-          </a:blip>
-          <a:srcRect/>
+          <a:blip r:embed="rId2"/>
           <a:stretch>
             <a:fillRect/>
           </a:stretch>
         </p:blipFill>
-        <p:spPr bwMode="auto">
-          <a:xfrm>
-            <a:off x="3148319" y="158210"/>
-            <a:ext cx="2847362" cy="1899190"/>
-          </a:xfrm>
-          <a:prstGeom prst="rect">
-            <a:avLst/>
-          </a:prstGeom>
-          <a:noFill/>
+        <p:spPr>
+          <a:xfrm>
+            <a:off x="2468890" y="722141"/>
+            <a:ext cx="6657181" cy="5413718"/>
+          </a:xfrm>
+          <a:prstGeom prst="rect">
+            <a:avLst/>
+          </a:prstGeom>
           <a:ln>
             <a:solidFill>
-              <a:schemeClr val="bg1">
+              <a:schemeClr val="tx1"/>
+            </a:solidFill>
+          </a:ln>
+        </p:spPr>
+      </p:pic>
+      <p:sp>
+        <p:nvSpPr>
+          <p:cNvPr id="5" name="TextBox 4">
+            <a:extLst>
+              <a:ext uri="{FF2B5EF4-FFF2-40B4-BE49-F238E27FC236}">
+                <a16:creationId xmlns:a16="http://schemas.microsoft.com/office/drawing/2014/main" id="{C98FFA9D-F958-6E55-29BD-2FE33E82ACB3}"/>
+              </a:ext>
+            </a:extLst>
+          </p:cNvPr>
+          <p:cNvSpPr txBox="1"/>
+          <p:nvPr/>
+        </p:nvSpPr>
+        <p:spPr>
+          <a:xfrm>
+            <a:off x="1295400" y="1143000"/>
+            <a:ext cx="960519" cy="400110"/>
+          </a:xfrm>
+          <a:prstGeom prst="rect">
+            <a:avLst/>
+          </a:prstGeom>
+          <a:solidFill>
+            <a:srgbClr val="92D050"/>
+          </a:solidFill>
+          <a:ln w="19050">
+            <a:solidFill>
+              <a:schemeClr val="accent3">
                 <a:lumMod val="50000"/>
               </a:schemeClr>
             </a:solidFill>
           </a:ln>
         </p:spPr>
-      </p:pic>
+        <p:txBody>
+          <a:bodyPr wrap="none" rtlCol="0">
+            <a:spAutoFit/>
+          </a:bodyPr>
+          <a:lstStyle/>
+          <a:p>
+            <a:r>
+              <a:rPr lang="en-MY" altLang="zh-CN" sz="2000" b="1" dirty="0">
+                <a:latin typeface="Microsoft YaHei" panose="020B0503020204020204" pitchFamily="34" charset="-122"/>
+                <a:ea typeface="Microsoft YaHei" panose="020B0503020204020204" pitchFamily="34" charset="-122"/>
+              </a:rPr>
+              <a:t>HTML</a:t>
+            </a:r>
+            <a:endParaRPr lang="en-US" altLang="zh-CN" sz="2000" b="1" dirty="0">
+              <a:latin typeface="Microsoft YaHei" panose="020B0503020204020204" pitchFamily="34" charset="-122"/>
+              <a:ea typeface="Microsoft YaHei" panose="020B0503020204020204" pitchFamily="34" charset="-122"/>
+            </a:endParaRPr>
+          </a:p>
+        </p:txBody>
+      </p:sp>
+    </p:spTree>
+    <p:extLst>
+      <p:ext uri="{BB962C8B-B14F-4D97-AF65-F5344CB8AC3E}">
+        <p14:creationId xmlns:p14="http://schemas.microsoft.com/office/powerpoint/2010/main" val="3539124356"/>
+      </p:ext>
+    </p:extLst>
+  </p:cSld>
+  <p:clrMapOvr>
+    <a:masterClrMapping/>
+  </p:clrMapOvr>
+</p:sld>
+</file>
+
+<file path=ppt/slides/slide28.xml><?xml version="1.0" encoding="utf-8"?>
+<p:sld xmlns:a="http://schemas.openxmlformats.org/drawingml/2006/main" xmlns:r="http://schemas.openxmlformats.org/officeDocument/2006/relationships" xmlns:p="http://schemas.openxmlformats.org/presentationml/2006/main">
+  <p:cSld>
+    <p:spTree>
+      <p:nvGrpSpPr>
+        <p:cNvPr id="1" name=""/>
+        <p:cNvGrpSpPr/>
+        <p:nvPr/>
+      </p:nvGrpSpPr>
+      <p:grpSpPr>
+        <a:xfrm>
+          <a:off x="0" y="0"/>
+          <a:ext cx="0" cy="0"/>
+          <a:chOff x="0" y="0"/>
+          <a:chExt cx="0" cy="0"/>
+        </a:xfrm>
+      </p:grpSpPr>
+      <p:sp>
+        <p:nvSpPr>
+          <p:cNvPr id="4" name="TextBox 3"/>
+          <p:cNvSpPr txBox="1"/>
+          <p:nvPr/>
+        </p:nvSpPr>
+        <p:spPr>
+          <a:xfrm>
+            <a:off x="0" y="0"/>
+            <a:ext cx="9144000" cy="990600"/>
+          </a:xfrm>
+          <a:prstGeom prst="rect">
+            <a:avLst/>
+          </a:prstGeom>
+          <a:solidFill>
+            <a:srgbClr val="FFCC00"/>
+          </a:solidFill>
+        </p:spPr>
+        <p:txBody>
+          <a:bodyPr wrap="square" rtlCol="0" anchor="ctr" anchorCtr="0">
+            <a:noAutofit/>
+          </a:bodyPr>
+          <a:lstStyle/>
+          <a:p>
+            <a:pPr marL="117475"/>
+            <a:r>
+              <a:rPr lang="zh-CN" altLang="en-US" sz="2400" b="1" dirty="0">
+                <a:latin typeface="Microsoft YaHei" panose="020B0503020204020204" pitchFamily="34" charset="-122"/>
+                <a:ea typeface="Microsoft YaHei" panose="020B0503020204020204" pitchFamily="34" charset="-122"/>
+              </a:rPr>
+              <a:t>成品</a:t>
+            </a:r>
+            <a:endParaRPr lang="en-MY" altLang="zh-CN" sz="2400" b="1" dirty="0">
+              <a:latin typeface="Microsoft YaHei" panose="020B0503020204020204" pitchFamily="34" charset="-122"/>
+              <a:ea typeface="Microsoft YaHei" panose="020B0503020204020204" pitchFamily="34" charset="-122"/>
+            </a:endParaRPr>
+          </a:p>
+          <a:p>
+            <a:pPr marL="117475"/>
+            <a:r>
+              <a:rPr lang="en-MY" sz="2400" b="1" dirty="0">
+                <a:latin typeface="Microsoft YaHei" panose="020B0503020204020204" pitchFamily="34" charset="-122"/>
+                <a:ea typeface="Microsoft YaHei" panose="020B0503020204020204" pitchFamily="34" charset="-122"/>
+              </a:rPr>
+              <a:t>Result</a:t>
+            </a:r>
+            <a:endParaRPr lang="en-US" sz="2400" b="1" dirty="0">
+              <a:latin typeface="Microsoft YaHei" panose="020B0503020204020204" pitchFamily="34" charset="-122"/>
+              <a:ea typeface="Microsoft YaHei" panose="020B0503020204020204" pitchFamily="34" charset="-122"/>
+            </a:endParaRPr>
+          </a:p>
+        </p:txBody>
+      </p:sp>
       <p:pic>
         <p:nvPicPr>
-          <p:cNvPr id="4100" name="Picture 4" descr="http://www.tarc.edu.my/files/focs/slide/2B99BAE5-4543-4FE2-8AAA-94C875CB6AD8.jpg"/>
+          <p:cNvPr id="5" name="Picture 4">
+            <a:extLst>
+              <a:ext uri="{FF2B5EF4-FFF2-40B4-BE49-F238E27FC236}">
+                <a16:creationId xmlns:a16="http://schemas.microsoft.com/office/drawing/2014/main" id="{A1B5DF79-D3F2-6E71-CEDC-9BA6B62C7469}"/>
+              </a:ext>
+            </a:extLst>
+          </p:cNvPr>
           <p:cNvPicPr>
-            <a:picLocks noChangeAspect="1" noChangeArrowheads="1"/>
+            <a:picLocks noChangeAspect="1"/>
           </p:cNvPicPr>
           <p:nvPr/>
         </p:nvPicPr>
         <p:blipFill>
-          <a:blip r:embed="rId3" cstate="screen">
-            <a:extLst>
-              <a:ext uri="{28A0092B-C50C-407E-A947-70E740481C1C}">
-                <a14:useLocalDpi xmlns:a14="http://schemas.microsoft.com/office/drawing/2010/main"/>
-              </a:ext>
-            </a:extLst>
-          </a:blip>
-          <a:srcRect/>
+          <a:blip r:embed="rId2"/>
           <a:stretch>
             <a:fillRect/>
           </a:stretch>
         </p:blipFill>
-        <p:spPr bwMode="auto">
-          <a:xfrm>
-            <a:off x="6172200" y="158210"/>
-            <a:ext cx="2847362" cy="1899190"/>
+        <p:spPr>
+          <a:xfrm>
+            <a:off x="4740709" y="0"/>
+            <a:ext cx="4403292" cy="6858000"/>
           </a:xfrm>
           <a:prstGeom prst="rect">
             <a:avLst/>
@@ -13322,99 +13645,270 @@
           <a:noFill/>
           <a:ln>
             <a:solidFill>
-              <a:schemeClr val="bg1">
+              <a:schemeClr val="tx1"/>
+            </a:solidFill>
+          </a:ln>
+        </p:spPr>
+      </p:pic>
+      <p:sp>
+        <p:nvSpPr>
+          <p:cNvPr id="6" name="TextBox 5">
+            <a:extLst>
+              <a:ext uri="{FF2B5EF4-FFF2-40B4-BE49-F238E27FC236}">
+                <a16:creationId xmlns:a16="http://schemas.microsoft.com/office/drawing/2014/main" id="{7FC6694D-B8E6-DA05-E773-CA7E2B1B015B}"/>
+              </a:ext>
+            </a:extLst>
+          </p:cNvPr>
+          <p:cNvSpPr txBox="1"/>
+          <p:nvPr/>
+        </p:nvSpPr>
+        <p:spPr>
+          <a:xfrm>
+            <a:off x="3892986" y="1143000"/>
+            <a:ext cx="665567" cy="400110"/>
+          </a:xfrm>
+          <a:prstGeom prst="rect">
+            <a:avLst/>
+          </a:prstGeom>
+          <a:solidFill>
+            <a:srgbClr val="92D050"/>
+          </a:solidFill>
+          <a:ln w="19050">
+            <a:solidFill>
+              <a:schemeClr val="accent3">
                 <a:lumMod val="50000"/>
               </a:schemeClr>
             </a:solidFill>
           </a:ln>
         </p:spPr>
-      </p:pic>
+        <p:txBody>
+          <a:bodyPr wrap="none" rtlCol="0">
+            <a:spAutoFit/>
+          </a:bodyPr>
+          <a:lstStyle/>
+          <a:p>
+            <a:r>
+              <a:rPr lang="en-MY" altLang="zh-CN" sz="2000" b="1" dirty="0">
+                <a:latin typeface="Microsoft YaHei" panose="020B0503020204020204" pitchFamily="34" charset="-122"/>
+                <a:ea typeface="Microsoft YaHei" panose="020B0503020204020204" pitchFamily="34" charset="-122"/>
+              </a:rPr>
+              <a:t>CSS</a:t>
+            </a:r>
+            <a:endParaRPr lang="en-US" altLang="zh-CN" sz="2000" b="1" dirty="0">
+              <a:latin typeface="Microsoft YaHei" panose="020B0503020204020204" pitchFamily="34" charset="-122"/>
+              <a:ea typeface="Microsoft YaHei" panose="020B0503020204020204" pitchFamily="34" charset="-122"/>
+            </a:endParaRPr>
+          </a:p>
+        </p:txBody>
+      </p:sp>
+    </p:spTree>
+    <p:extLst>
+      <p:ext uri="{BB962C8B-B14F-4D97-AF65-F5344CB8AC3E}">
+        <p14:creationId xmlns:p14="http://schemas.microsoft.com/office/powerpoint/2010/main" val="3252767836"/>
+      </p:ext>
+    </p:extLst>
+  </p:cSld>
+  <p:clrMapOvr>
+    <a:masterClrMapping/>
+  </p:clrMapOvr>
+</p:sld>
+</file>
+
+<file path=ppt/slides/slide29.xml><?xml version="1.0" encoding="utf-8"?>
+<p:sld xmlns:a="http://schemas.openxmlformats.org/drawingml/2006/main" xmlns:r="http://schemas.openxmlformats.org/officeDocument/2006/relationships" xmlns:p="http://schemas.openxmlformats.org/presentationml/2006/main">
+  <p:cSld>
+    <p:spTree>
+      <p:nvGrpSpPr>
+        <p:cNvPr id="1" name=""/>
+        <p:cNvGrpSpPr/>
+        <p:nvPr/>
+      </p:nvGrpSpPr>
+      <p:grpSpPr>
+        <a:xfrm>
+          <a:off x="0" y="0"/>
+          <a:ext cx="0" cy="0"/>
+          <a:chOff x="0" y="0"/>
+          <a:chExt cx="0" cy="0"/>
+        </a:xfrm>
+      </p:grpSpPr>
+      <p:sp>
+        <p:nvSpPr>
+          <p:cNvPr id="4" name="TextBox 3"/>
+          <p:cNvSpPr txBox="1"/>
+          <p:nvPr/>
+        </p:nvSpPr>
+        <p:spPr>
+          <a:xfrm>
+            <a:off x="0" y="0"/>
+            <a:ext cx="9144000" cy="990600"/>
+          </a:xfrm>
+          <a:prstGeom prst="rect">
+            <a:avLst/>
+          </a:prstGeom>
+          <a:solidFill>
+            <a:srgbClr val="FFCC00"/>
+          </a:solidFill>
+        </p:spPr>
+        <p:txBody>
+          <a:bodyPr wrap="square" rtlCol="0" anchor="ctr" anchorCtr="0">
+            <a:noAutofit/>
+          </a:bodyPr>
+          <a:lstStyle/>
+          <a:p>
+            <a:pPr marL="117475"/>
+            <a:r>
+              <a:rPr lang="zh-CN" altLang="en-US" sz="2400" b="1" dirty="0">
+                <a:latin typeface="Microsoft YaHei" panose="020B0503020204020204" pitchFamily="34" charset="-122"/>
+                <a:ea typeface="Microsoft YaHei" panose="020B0503020204020204" pitchFamily="34" charset="-122"/>
+              </a:rPr>
+              <a:t>成品</a:t>
+            </a:r>
+            <a:endParaRPr lang="en-MY" altLang="zh-CN" sz="2400" b="1" dirty="0">
+              <a:latin typeface="Microsoft YaHei" panose="020B0503020204020204" pitchFamily="34" charset="-122"/>
+              <a:ea typeface="Microsoft YaHei" panose="020B0503020204020204" pitchFamily="34" charset="-122"/>
+            </a:endParaRPr>
+          </a:p>
+          <a:p>
+            <a:pPr marL="117475"/>
+            <a:r>
+              <a:rPr lang="en-MY" sz="2400" b="1" dirty="0">
+                <a:latin typeface="Microsoft YaHei" panose="020B0503020204020204" pitchFamily="34" charset="-122"/>
+                <a:ea typeface="Microsoft YaHei" panose="020B0503020204020204" pitchFamily="34" charset="-122"/>
+              </a:rPr>
+              <a:t>Result</a:t>
+            </a:r>
+            <a:endParaRPr lang="en-US" sz="2400" b="1" dirty="0">
+              <a:latin typeface="Microsoft YaHei" panose="020B0503020204020204" pitchFamily="34" charset="-122"/>
+              <a:ea typeface="Microsoft YaHei" panose="020B0503020204020204" pitchFamily="34" charset="-122"/>
+            </a:endParaRPr>
+          </a:p>
+        </p:txBody>
+      </p:sp>
       <p:pic>
         <p:nvPicPr>
-          <p:cNvPr id="9" name="Picture 2" descr="Image result for Premier Digital Tech University"/>
+          <p:cNvPr id="3" name="Picture 2">
+            <a:extLst>
+              <a:ext uri="{FF2B5EF4-FFF2-40B4-BE49-F238E27FC236}">
+                <a16:creationId xmlns:a16="http://schemas.microsoft.com/office/drawing/2014/main" id="{E9501EA4-3010-59DB-F447-830D5D257859}"/>
+              </a:ext>
+            </a:extLst>
+          </p:cNvPr>
           <p:cNvPicPr>
-            <a:picLocks noChangeAspect="1" noChangeArrowheads="1"/>
+            <a:picLocks noChangeAspect="1"/>
           </p:cNvPicPr>
           <p:nvPr/>
         </p:nvPicPr>
         <p:blipFill>
-          <a:blip r:embed="rId4" cstate="screen">
-            <a:extLst>
-              <a:ext uri="{28A0092B-C50C-407E-A947-70E740481C1C}">
-                <a14:useLocalDpi xmlns:a14="http://schemas.microsoft.com/office/drawing/2010/main"/>
-              </a:ext>
-            </a:extLst>
-          </a:blip>
-          <a:srcRect/>
+          <a:blip r:embed="rId2"/>
           <a:stretch>
             <a:fillRect/>
           </a:stretch>
         </p:blipFill>
-        <p:spPr bwMode="auto">
-          <a:xfrm>
-            <a:off x="228601" y="1488621"/>
-            <a:ext cx="1828799" cy="568779"/>
-          </a:xfrm>
-          <a:prstGeom prst="rect">
-            <a:avLst/>
-          </a:prstGeom>
-          <a:noFill/>
-          <a:extLst>
-            <a:ext uri="{909E8E84-426E-40DD-AFC4-6F175D3DCCD1}">
-              <a14:hiddenFill xmlns:a14="http://schemas.microsoft.com/office/drawing/2010/main">
-                <a:solidFill>
-                  <a:srgbClr val="FFFFFF"/>
-                </a:solidFill>
-              </a14:hiddenFill>
-            </a:ext>
-          </a:extLst>
+        <p:spPr>
+          <a:xfrm>
+            <a:off x="5109089" y="685800"/>
+            <a:ext cx="4034911" cy="972777"/>
+          </a:xfrm>
+          <a:prstGeom prst="rect">
+            <a:avLst/>
+          </a:prstGeom>
+          <a:ln>
+            <a:solidFill>
+              <a:schemeClr val="tx1"/>
+            </a:solidFill>
+          </a:ln>
         </p:spPr>
       </p:pic>
+      <p:sp>
+        <p:nvSpPr>
+          <p:cNvPr id="6" name="TextBox 5">
+            <a:extLst>
+              <a:ext uri="{FF2B5EF4-FFF2-40B4-BE49-F238E27FC236}">
+                <a16:creationId xmlns:a16="http://schemas.microsoft.com/office/drawing/2014/main" id="{C0307D16-FAFB-2028-27B1-0C89A34A0F7F}"/>
+              </a:ext>
+            </a:extLst>
+          </p:cNvPr>
+          <p:cNvSpPr txBox="1"/>
+          <p:nvPr/>
+        </p:nvSpPr>
+        <p:spPr>
+          <a:xfrm>
+            <a:off x="4494220" y="1124533"/>
+            <a:ext cx="458780" cy="400110"/>
+          </a:xfrm>
+          <a:prstGeom prst="rect">
+            <a:avLst/>
+          </a:prstGeom>
+          <a:solidFill>
+            <a:srgbClr val="92D050"/>
+          </a:solidFill>
+          <a:ln w="19050">
+            <a:solidFill>
+              <a:schemeClr val="accent3">
+                <a:lumMod val="50000"/>
+              </a:schemeClr>
+            </a:solidFill>
+          </a:ln>
+        </p:spPr>
+        <p:txBody>
+          <a:bodyPr wrap="none" rtlCol="0">
+            <a:spAutoFit/>
+          </a:bodyPr>
+          <a:lstStyle/>
+          <a:p>
+            <a:r>
+              <a:rPr lang="en-MY" altLang="zh-CN" sz="2000" b="1" dirty="0">
+                <a:latin typeface="Microsoft YaHei" panose="020B0503020204020204" pitchFamily="34" charset="-122"/>
+                <a:ea typeface="Microsoft YaHei" panose="020B0503020204020204" pitchFamily="34" charset="-122"/>
+              </a:rPr>
+              <a:t>JS</a:t>
+            </a:r>
+            <a:endParaRPr lang="en-US" altLang="zh-CN" sz="2000" b="1" dirty="0">
+              <a:latin typeface="Microsoft YaHei" panose="020B0503020204020204" pitchFamily="34" charset="-122"/>
+              <a:ea typeface="Microsoft YaHei" panose="020B0503020204020204" pitchFamily="34" charset="-122"/>
+            </a:endParaRPr>
+          </a:p>
+        </p:txBody>
+      </p:sp>
       <p:pic>
         <p:nvPicPr>
-          <p:cNvPr id="1028" name="Picture 4" descr="Image result for tarc logo"/>
+          <p:cNvPr id="8" name="Picture 7">
+            <a:extLst>
+              <a:ext uri="{FF2B5EF4-FFF2-40B4-BE49-F238E27FC236}">
+                <a16:creationId xmlns:a16="http://schemas.microsoft.com/office/drawing/2014/main" id="{90700E3F-8E4B-1C78-BC7C-BA09150F4846}"/>
+              </a:ext>
+            </a:extLst>
+          </p:cNvPr>
           <p:cNvPicPr>
-            <a:picLocks noChangeAspect="1" noChangeArrowheads="1"/>
+            <a:picLocks noChangeAspect="1"/>
           </p:cNvPicPr>
           <p:nvPr/>
         </p:nvPicPr>
         <p:blipFill>
-          <a:blip r:embed="rId5">
-            <a:extLst>
-              <a:ext uri="{28A0092B-C50C-407E-A947-70E740481C1C}">
-                <a14:useLocalDpi xmlns:a14="http://schemas.microsoft.com/office/drawing/2010/main"/>
-              </a:ext>
-            </a:extLst>
-          </a:blip>
-          <a:srcRect/>
+          <a:blip r:embed="rId3"/>
           <a:stretch>
             <a:fillRect/>
           </a:stretch>
         </p:blipFill>
-        <p:spPr bwMode="auto">
-          <a:xfrm>
-            <a:off x="161926" y="152400"/>
-            <a:ext cx="2809874" cy="1208247"/>
-          </a:xfrm>
-          <a:prstGeom prst="rect">
-            <a:avLst/>
-          </a:prstGeom>
-          <a:noFill/>
-          <a:extLst>
-            <a:ext uri="{909E8E84-426E-40DD-AFC4-6F175D3DCCD1}">
-              <a14:hiddenFill xmlns:a14="http://schemas.microsoft.com/office/drawing/2010/main">
-                <a:solidFill>
-                  <a:srgbClr val="FFFFFF"/>
-                </a:solidFill>
-              </a14:hiddenFill>
-            </a:ext>
-          </a:extLst>
+        <p:spPr>
+          <a:xfrm>
+            <a:off x="645951" y="1828800"/>
+            <a:ext cx="7696538" cy="4878768"/>
+          </a:xfrm>
+          <a:prstGeom prst="rect">
+            <a:avLst/>
+          </a:prstGeom>
+          <a:ln>
+            <a:solidFill>
+              <a:schemeClr val="tx1"/>
+            </a:solidFill>
+          </a:ln>
         </p:spPr>
       </p:pic>
     </p:spTree>
     <p:extLst>
       <p:ext uri="{BB962C8B-B14F-4D97-AF65-F5344CB8AC3E}">
-        <p14:creationId xmlns:p14="http://schemas.microsoft.com/office/powerpoint/2010/main" val="1542092185"/>
+        <p14:creationId xmlns:p14="http://schemas.microsoft.com/office/powerpoint/2010/main" val="1137995615"/>
       </p:ext>
     </p:extLst>
   </p:cSld>
@@ -13524,7 +14018,7 @@
                 <a:latin typeface="Microsoft YaHei" panose="020B0503020204020204" pitchFamily="34" charset="-122"/>
                 <a:ea typeface="Microsoft YaHei" panose="020B0503020204020204" pitchFamily="34" charset="-122"/>
               </a:rPr>
-              <a:t>Java (Servlet, JSP)</a:t>
+              <a:t>Java</a:t>
             </a:r>
           </a:p>
           <a:p>
@@ -13537,7 +14031,7 @@
                 <a:latin typeface="Microsoft YaHei" panose="020B0503020204020204" pitchFamily="34" charset="-122"/>
                 <a:ea typeface="Microsoft YaHei" panose="020B0503020204020204" pitchFamily="34" charset="-122"/>
               </a:rPr>
-              <a:t>ASP.NET</a:t>
+              <a:t>ASP.NET (C#)</a:t>
             </a:r>
             <a:endParaRPr lang="en-MY" sz="2000" dirty="0">
               <a:latin typeface="Microsoft YaHei" panose="020B0503020204020204" pitchFamily="34" charset="-122"/>
@@ -14386,6 +14880,898 @@
     <p:extLst>
       <p:ext uri="{BB962C8B-B14F-4D97-AF65-F5344CB8AC3E}">
         <p14:creationId xmlns:p14="http://schemas.microsoft.com/office/powerpoint/2010/main" val="3338480334"/>
+      </p:ext>
+    </p:extLst>
+  </p:cSld>
+  <p:clrMapOvr>
+    <a:masterClrMapping/>
+  </p:clrMapOvr>
+</p:sld>
+</file>
+
+<file path=ppt/slides/slide30.xml><?xml version="1.0" encoding="utf-8"?>
+<p:sld xmlns:a="http://schemas.openxmlformats.org/drawingml/2006/main" xmlns:r="http://schemas.openxmlformats.org/officeDocument/2006/relationships" xmlns:p="http://schemas.openxmlformats.org/presentationml/2006/main">
+  <p:cSld>
+    <p:spTree>
+      <p:nvGrpSpPr>
+        <p:cNvPr id="1" name=""/>
+        <p:cNvGrpSpPr/>
+        <p:nvPr/>
+      </p:nvGrpSpPr>
+      <p:grpSpPr>
+        <a:xfrm>
+          <a:off x="0" y="0"/>
+          <a:ext cx="0" cy="0"/>
+          <a:chOff x="0" y="0"/>
+          <a:chExt cx="0" cy="0"/>
+        </a:xfrm>
+      </p:grpSpPr>
+      <p:sp>
+        <p:nvSpPr>
+          <p:cNvPr id="26" name="TextBox 25"/>
+          <p:cNvSpPr txBox="1"/>
+          <p:nvPr/>
+        </p:nvSpPr>
+        <p:spPr>
+          <a:xfrm>
+            <a:off x="152400" y="1143000"/>
+            <a:ext cx="8839200" cy="5632311"/>
+          </a:xfrm>
+          <a:prstGeom prst="rect">
+            <a:avLst/>
+          </a:prstGeom>
+          <a:noFill/>
+        </p:spPr>
+        <p:txBody>
+          <a:bodyPr wrap="square" rtlCol="0">
+            <a:spAutoFit/>
+          </a:bodyPr>
+          <a:lstStyle/>
+          <a:p>
+            <a:pPr marL="231775" indent="-231775">
+              <a:buFont typeface="Arial" pitchFamily="34" charset="0"/>
+              <a:buChar char="•"/>
+            </a:pPr>
+            <a:r>
+              <a:rPr lang="zh-CN" altLang="en-US" sz="2000" dirty="0">
+                <a:latin typeface="Microsoft YaHei" panose="020B0503020204020204" pitchFamily="34" charset="-122"/>
+                <a:ea typeface="Microsoft YaHei" panose="020B0503020204020204" pitchFamily="34" charset="-122"/>
+              </a:rPr>
+              <a:t>点击以下网页链接（英语）：</a:t>
+            </a:r>
+            <a:endParaRPr lang="en-US" altLang="zh-CN" sz="2000" dirty="0">
+              <a:latin typeface="Microsoft YaHei" panose="020B0503020204020204" pitchFamily="34" charset="-122"/>
+              <a:ea typeface="Microsoft YaHei" panose="020B0503020204020204" pitchFamily="34" charset="-122"/>
+            </a:endParaRPr>
+          </a:p>
+          <a:p>
+            <a:pPr marL="688975" lvl="1" indent="-231775">
+              <a:buFont typeface="Arial" pitchFamily="34" charset="0"/>
+              <a:buChar char="•"/>
+            </a:pPr>
+            <a:r>
+              <a:rPr lang="en-US" altLang="zh-CN" sz="2000" dirty="0">
+                <a:latin typeface="Microsoft YaHei" panose="020B0503020204020204" pitchFamily="34" charset="-122"/>
+                <a:ea typeface="Microsoft YaHei" panose="020B0503020204020204" pitchFamily="34" charset="-122"/>
+                <a:hlinkClick r:id="rId2"/>
+              </a:rPr>
+              <a:t>https://www.w3schools.com</a:t>
+            </a:r>
+            <a:endParaRPr lang="en-US" altLang="zh-CN" sz="2000" dirty="0">
+              <a:latin typeface="Microsoft YaHei" panose="020B0503020204020204" pitchFamily="34" charset="-122"/>
+              <a:ea typeface="Microsoft YaHei" panose="020B0503020204020204" pitchFamily="34" charset="-122"/>
+            </a:endParaRPr>
+          </a:p>
+          <a:p>
+            <a:pPr marL="688975" lvl="1" indent="-231775">
+              <a:buFont typeface="Arial" pitchFamily="34" charset="0"/>
+              <a:buChar char="•"/>
+            </a:pPr>
+            <a:endParaRPr lang="en-US" altLang="zh-CN" sz="2000" dirty="0">
+              <a:latin typeface="Microsoft YaHei" panose="020B0503020204020204" pitchFamily="34" charset="-122"/>
+              <a:ea typeface="Microsoft YaHei" panose="020B0503020204020204" pitchFamily="34" charset="-122"/>
+              <a:hlinkClick r:id="rId3"/>
+            </a:endParaRPr>
+          </a:p>
+          <a:p>
+            <a:pPr marL="688975" lvl="1" indent="-231775">
+              <a:buFont typeface="Arial" pitchFamily="34" charset="0"/>
+              <a:buChar char="•"/>
+            </a:pPr>
+            <a:endParaRPr lang="en-US" altLang="zh-CN" sz="2000" dirty="0">
+              <a:latin typeface="Microsoft YaHei" panose="020B0503020204020204" pitchFamily="34" charset="-122"/>
+              <a:ea typeface="Microsoft YaHei" panose="020B0503020204020204" pitchFamily="34" charset="-122"/>
+              <a:hlinkClick r:id="rId3"/>
+            </a:endParaRPr>
+          </a:p>
+          <a:p>
+            <a:pPr marL="688975" lvl="1" indent="-231775">
+              <a:buFont typeface="Arial" pitchFamily="34" charset="0"/>
+              <a:buChar char="•"/>
+            </a:pPr>
+            <a:endParaRPr lang="en-US" altLang="zh-CN" sz="2000" dirty="0">
+              <a:latin typeface="Microsoft YaHei" panose="020B0503020204020204" pitchFamily="34" charset="-122"/>
+              <a:ea typeface="Microsoft YaHei" panose="020B0503020204020204" pitchFamily="34" charset="-122"/>
+              <a:hlinkClick r:id="rId3"/>
+            </a:endParaRPr>
+          </a:p>
+          <a:p>
+            <a:pPr marL="688975" lvl="1" indent="-231775">
+              <a:buFont typeface="Arial" pitchFamily="34" charset="0"/>
+              <a:buChar char="•"/>
+            </a:pPr>
+            <a:endParaRPr lang="en-US" altLang="zh-CN" sz="2000" dirty="0">
+              <a:latin typeface="Microsoft YaHei" panose="020B0503020204020204" pitchFamily="34" charset="-122"/>
+              <a:ea typeface="Microsoft YaHei" panose="020B0503020204020204" pitchFamily="34" charset="-122"/>
+              <a:hlinkClick r:id="rId3"/>
+            </a:endParaRPr>
+          </a:p>
+          <a:p>
+            <a:pPr marL="688975" lvl="1" indent="-231775">
+              <a:buFont typeface="Arial" pitchFamily="34" charset="0"/>
+              <a:buChar char="•"/>
+            </a:pPr>
+            <a:endParaRPr lang="en-US" altLang="zh-CN" sz="2000" dirty="0">
+              <a:latin typeface="Microsoft YaHei" panose="020B0503020204020204" pitchFamily="34" charset="-122"/>
+              <a:ea typeface="Microsoft YaHei" panose="020B0503020204020204" pitchFamily="34" charset="-122"/>
+              <a:hlinkClick r:id="rId3"/>
+            </a:endParaRPr>
+          </a:p>
+          <a:p>
+            <a:pPr marL="688975" lvl="1" indent="-231775">
+              <a:buFont typeface="Arial" pitchFamily="34" charset="0"/>
+              <a:buChar char="•"/>
+            </a:pPr>
+            <a:endParaRPr lang="en-US" altLang="zh-CN" sz="2000" dirty="0">
+              <a:latin typeface="Microsoft YaHei" panose="020B0503020204020204" pitchFamily="34" charset="-122"/>
+              <a:ea typeface="Microsoft YaHei" panose="020B0503020204020204" pitchFamily="34" charset="-122"/>
+              <a:hlinkClick r:id="rId3"/>
+            </a:endParaRPr>
+          </a:p>
+          <a:p>
+            <a:pPr marL="231775" indent="-231775">
+              <a:buFont typeface="Arial" pitchFamily="34" charset="0"/>
+              <a:buChar char="•"/>
+            </a:pPr>
+            <a:endParaRPr lang="en-US" altLang="zh-CN" sz="2000" dirty="0">
+              <a:latin typeface="Microsoft YaHei" panose="020B0503020204020204" pitchFamily="34" charset="-122"/>
+              <a:ea typeface="Microsoft YaHei" panose="020B0503020204020204" pitchFamily="34" charset="-122"/>
+              <a:hlinkClick r:id="rId3"/>
+            </a:endParaRPr>
+          </a:p>
+          <a:p>
+            <a:pPr marL="231775" indent="-231775">
+              <a:buFont typeface="Arial" pitchFamily="34" charset="0"/>
+              <a:buChar char="•"/>
+            </a:pPr>
+            <a:endParaRPr lang="en-US" altLang="zh-CN" sz="2000" dirty="0">
+              <a:latin typeface="Microsoft YaHei" panose="020B0503020204020204" pitchFamily="34" charset="-122"/>
+              <a:ea typeface="Microsoft YaHei" panose="020B0503020204020204" pitchFamily="34" charset="-122"/>
+              <a:hlinkClick r:id="rId3"/>
+            </a:endParaRPr>
+          </a:p>
+          <a:p>
+            <a:pPr marL="231775" indent="-231775">
+              <a:buFont typeface="Arial" pitchFamily="34" charset="0"/>
+              <a:buChar char="•"/>
+            </a:pPr>
+            <a:endParaRPr lang="en-US" altLang="zh-CN" sz="2000" dirty="0">
+              <a:latin typeface="Microsoft YaHei" panose="020B0503020204020204" pitchFamily="34" charset="-122"/>
+              <a:ea typeface="Microsoft YaHei" panose="020B0503020204020204" pitchFamily="34" charset="-122"/>
+              <a:hlinkClick r:id="rId3"/>
+            </a:endParaRPr>
+          </a:p>
+          <a:p>
+            <a:pPr marL="231775" indent="-231775">
+              <a:buFont typeface="Arial" pitchFamily="34" charset="0"/>
+              <a:buChar char="•"/>
+            </a:pPr>
+            <a:endParaRPr lang="en-US" altLang="zh-CN" sz="2000" dirty="0">
+              <a:latin typeface="Microsoft YaHei" panose="020B0503020204020204" pitchFamily="34" charset="-122"/>
+              <a:ea typeface="Microsoft YaHei" panose="020B0503020204020204" pitchFamily="34" charset="-122"/>
+              <a:hlinkClick r:id="rId3"/>
+            </a:endParaRPr>
+          </a:p>
+          <a:p>
+            <a:pPr marL="231775" indent="-231775">
+              <a:buFont typeface="Arial" pitchFamily="34" charset="0"/>
+              <a:buChar char="•"/>
+            </a:pPr>
+            <a:r>
+              <a:rPr lang="zh-CN" altLang="en-US" sz="2000" dirty="0">
+                <a:latin typeface="Microsoft YaHei" panose="020B0503020204020204" pitchFamily="34" charset="-122"/>
+                <a:ea typeface="Microsoft YaHei" panose="020B0503020204020204" pitchFamily="34" charset="-122"/>
+              </a:rPr>
+              <a:t>拉曼理工大学相关科系（英语）：</a:t>
+            </a:r>
+          </a:p>
+          <a:p>
+            <a:pPr marL="688975" lvl="1" indent="-231775">
+              <a:buFont typeface="Arial" pitchFamily="34" charset="0"/>
+              <a:buChar char="•"/>
+            </a:pPr>
+            <a:r>
+              <a:rPr lang="en-MY" altLang="zh-CN" sz="2000" dirty="0">
+                <a:latin typeface="Microsoft YaHei" panose="020B0503020204020204" pitchFamily="34" charset="-122"/>
+                <a:ea typeface="Microsoft YaHei" panose="020B0503020204020204" pitchFamily="34" charset="-122"/>
+                <a:hlinkClick r:id="rId4"/>
+              </a:rPr>
+              <a:t>Faculty of Computing and Information Technology</a:t>
+            </a:r>
+            <a:endParaRPr lang="en-US" altLang="zh-CN" sz="2000" dirty="0">
+              <a:latin typeface="Microsoft YaHei" panose="020B0503020204020204" pitchFamily="34" charset="-122"/>
+              <a:ea typeface="Microsoft YaHei" panose="020B0503020204020204" pitchFamily="34" charset="-122"/>
+            </a:endParaRPr>
+          </a:p>
+          <a:p>
+            <a:pPr marL="688975" lvl="1" indent="-231775">
+              <a:buFont typeface="Arial" pitchFamily="34" charset="0"/>
+              <a:buChar char="•"/>
+            </a:pPr>
+            <a:r>
+              <a:rPr lang="en-MY" altLang="zh-CN" sz="2000" dirty="0">
+                <a:latin typeface="Microsoft YaHei" panose="020B0503020204020204" pitchFamily="34" charset="-122"/>
+                <a:ea typeface="Microsoft YaHei" panose="020B0503020204020204" pitchFamily="34" charset="-122"/>
+                <a:hlinkClick r:id="rId5"/>
+              </a:rPr>
+              <a:t>Diploma in Computer Science</a:t>
+            </a:r>
+            <a:r>
+              <a:rPr lang="zh-CN" altLang="en-US" sz="2000" dirty="0">
+                <a:latin typeface="Microsoft YaHei" panose="020B0503020204020204" pitchFamily="34" charset="-122"/>
+                <a:ea typeface="Microsoft YaHei" panose="020B0503020204020204" pitchFamily="34" charset="-122"/>
+              </a:rPr>
+              <a:t>（电脑科学）</a:t>
+            </a:r>
+            <a:endParaRPr lang="en-MY" altLang="zh-CN" sz="2000" dirty="0">
+              <a:latin typeface="Microsoft YaHei" panose="020B0503020204020204" pitchFamily="34" charset="-122"/>
+              <a:ea typeface="Microsoft YaHei" panose="020B0503020204020204" pitchFamily="34" charset="-122"/>
+            </a:endParaRPr>
+          </a:p>
+          <a:p>
+            <a:pPr marL="688975" lvl="1" indent="-231775">
+              <a:buFont typeface="Arial" pitchFamily="34" charset="0"/>
+              <a:buChar char="•"/>
+            </a:pPr>
+            <a:r>
+              <a:rPr lang="en-MY" altLang="zh-CN" sz="2000" dirty="0">
+                <a:latin typeface="Microsoft YaHei" panose="020B0503020204020204" pitchFamily="34" charset="-122"/>
+                <a:ea typeface="Microsoft YaHei" panose="020B0503020204020204" pitchFamily="34" charset="-122"/>
+                <a:hlinkClick r:id="rId6"/>
+              </a:rPr>
+              <a:t>Diploma in Information Systems</a:t>
+            </a:r>
+            <a:r>
+              <a:rPr lang="zh-CN" altLang="en-US" sz="2000" dirty="0">
+                <a:latin typeface="Microsoft YaHei" panose="020B0503020204020204" pitchFamily="34" charset="-122"/>
+                <a:ea typeface="Microsoft YaHei" panose="020B0503020204020204" pitchFamily="34" charset="-122"/>
+              </a:rPr>
+              <a:t>（信息系统）</a:t>
+            </a:r>
+            <a:endParaRPr lang="en-MY" altLang="zh-CN" sz="2000" dirty="0">
+              <a:latin typeface="Microsoft YaHei" panose="020B0503020204020204" pitchFamily="34" charset="-122"/>
+              <a:ea typeface="Microsoft YaHei" panose="020B0503020204020204" pitchFamily="34" charset="-122"/>
+            </a:endParaRPr>
+          </a:p>
+          <a:p>
+            <a:pPr marL="688975" lvl="1" indent="-231775">
+              <a:buFont typeface="Arial" pitchFamily="34" charset="0"/>
+              <a:buChar char="•"/>
+            </a:pPr>
+            <a:r>
+              <a:rPr lang="en-MY" altLang="zh-CN" sz="2000" dirty="0">
+                <a:latin typeface="Microsoft YaHei" panose="020B0503020204020204" pitchFamily="34" charset="-122"/>
+                <a:ea typeface="Microsoft YaHei" panose="020B0503020204020204" pitchFamily="34" charset="-122"/>
+                <a:hlinkClick r:id="rId7"/>
+              </a:rPr>
+              <a:t>Diploma in Information Technology</a:t>
+            </a:r>
+            <a:r>
+              <a:rPr lang="zh-CN" altLang="en-US" sz="2000" dirty="0">
+                <a:latin typeface="Microsoft YaHei" panose="020B0503020204020204" pitchFamily="34" charset="-122"/>
+                <a:ea typeface="Microsoft YaHei" panose="020B0503020204020204" pitchFamily="34" charset="-122"/>
+              </a:rPr>
+              <a:t>（信息技术）</a:t>
+            </a:r>
+            <a:endParaRPr lang="en-MY" altLang="zh-CN" sz="2000" dirty="0">
+              <a:latin typeface="Microsoft YaHei" panose="020B0503020204020204" pitchFamily="34" charset="-122"/>
+              <a:ea typeface="Microsoft YaHei" panose="020B0503020204020204" pitchFamily="34" charset="-122"/>
+            </a:endParaRPr>
+          </a:p>
+          <a:p>
+            <a:pPr marL="688975" lvl="1" indent="-231775">
+              <a:buFont typeface="Arial" pitchFamily="34" charset="0"/>
+              <a:buChar char="•"/>
+            </a:pPr>
+            <a:r>
+              <a:rPr lang="en-US" altLang="zh-CN" sz="2000" dirty="0">
+                <a:latin typeface="Microsoft YaHei" panose="020B0503020204020204" pitchFamily="34" charset="-122"/>
+                <a:ea typeface="Microsoft YaHei" panose="020B0503020204020204" pitchFamily="34" charset="-122"/>
+                <a:hlinkClick r:id="rId8"/>
+              </a:rPr>
+              <a:t>Diploma in Software Engineering</a:t>
+            </a:r>
+            <a:r>
+              <a:rPr lang="zh-CN" altLang="en-US" sz="2000" dirty="0">
+                <a:latin typeface="Microsoft YaHei" panose="020B0503020204020204" pitchFamily="34" charset="-122"/>
+                <a:ea typeface="Microsoft YaHei" panose="020B0503020204020204" pitchFamily="34" charset="-122"/>
+              </a:rPr>
+              <a:t>（软件工程）</a:t>
+            </a:r>
+            <a:endParaRPr lang="en-US" altLang="zh-CN" sz="2000" dirty="0">
+              <a:latin typeface="Microsoft YaHei" panose="020B0503020204020204" pitchFamily="34" charset="-122"/>
+              <a:ea typeface="Microsoft YaHei" panose="020B0503020204020204" pitchFamily="34" charset="-122"/>
+            </a:endParaRPr>
+          </a:p>
+        </p:txBody>
+      </p:sp>
+      <p:sp>
+        <p:nvSpPr>
+          <p:cNvPr id="4" name="TextBox 3"/>
+          <p:cNvSpPr txBox="1"/>
+          <p:nvPr/>
+        </p:nvSpPr>
+        <p:spPr>
+          <a:xfrm>
+            <a:off x="0" y="0"/>
+            <a:ext cx="9144000" cy="990600"/>
+          </a:xfrm>
+          <a:prstGeom prst="rect">
+            <a:avLst/>
+          </a:prstGeom>
+          <a:solidFill>
+            <a:srgbClr val="FFCC00"/>
+          </a:solidFill>
+        </p:spPr>
+        <p:txBody>
+          <a:bodyPr wrap="square" rtlCol="0" anchor="ctr" anchorCtr="0">
+            <a:noAutofit/>
+          </a:bodyPr>
+          <a:lstStyle/>
+          <a:p>
+            <a:pPr marL="117475"/>
+            <a:r>
+              <a:rPr lang="zh-CN" altLang="en-US" sz="2400" b="1" dirty="0">
+                <a:latin typeface="Microsoft YaHei" panose="020B0503020204020204" pitchFamily="34" charset="-122"/>
+                <a:ea typeface="Microsoft YaHei" panose="020B0503020204020204" pitchFamily="34" charset="-122"/>
+              </a:rPr>
+              <a:t>在线参考</a:t>
+            </a:r>
+            <a:endParaRPr lang="en-US" altLang="zh-CN" sz="2400" b="1" dirty="0">
+              <a:latin typeface="Microsoft YaHei" panose="020B0503020204020204" pitchFamily="34" charset="-122"/>
+              <a:ea typeface="Microsoft YaHei" panose="020B0503020204020204" pitchFamily="34" charset="-122"/>
+            </a:endParaRPr>
+          </a:p>
+          <a:p>
+            <a:pPr marL="117475"/>
+            <a:r>
+              <a:rPr lang="en-US" altLang="zh-CN" sz="2400" b="1" dirty="0">
+                <a:latin typeface="Microsoft YaHei" panose="020B0503020204020204" pitchFamily="34" charset="-122"/>
+                <a:ea typeface="Microsoft YaHei" panose="020B0503020204020204" pitchFamily="34" charset="-122"/>
+              </a:rPr>
+              <a:t>Online Reference</a:t>
+            </a:r>
+            <a:endParaRPr lang="en-US" sz="2400" b="1" dirty="0">
+              <a:latin typeface="Microsoft YaHei" panose="020B0503020204020204" pitchFamily="34" charset="-122"/>
+              <a:ea typeface="Microsoft YaHei" panose="020B0503020204020204" pitchFamily="34" charset="-122"/>
+            </a:endParaRPr>
+          </a:p>
+        </p:txBody>
+      </p:sp>
+      <p:sp>
+        <p:nvSpPr>
+          <p:cNvPr id="10" name="TextBox 9"/>
+          <p:cNvSpPr txBox="1"/>
+          <p:nvPr/>
+        </p:nvSpPr>
+        <p:spPr>
+          <a:xfrm>
+            <a:off x="1150545" y="1981200"/>
+            <a:ext cx="2126055" cy="461665"/>
+          </a:xfrm>
+          <a:prstGeom prst="rect">
+            <a:avLst/>
+          </a:prstGeom>
+          <a:solidFill>
+            <a:schemeClr val="accent1">
+              <a:lumMod val="60000"/>
+              <a:lumOff val="40000"/>
+            </a:schemeClr>
+          </a:solidFill>
+          <a:ln w="19050">
+            <a:solidFill>
+              <a:schemeClr val="accent1">
+                <a:lumMod val="50000"/>
+              </a:schemeClr>
+            </a:solidFill>
+          </a:ln>
+        </p:spPr>
+        <p:txBody>
+          <a:bodyPr wrap="square" rtlCol="0">
+            <a:spAutoFit/>
+          </a:bodyPr>
+          <a:lstStyle/>
+          <a:p>
+            <a:pPr algn="ctr"/>
+            <a:r>
+              <a:rPr lang="en-US" altLang="zh-CN" sz="2400" b="1" dirty="0">
+                <a:latin typeface="Microsoft YaHei" panose="020B0503020204020204" pitchFamily="34" charset="-122"/>
+                <a:ea typeface="Microsoft YaHei" panose="020B0503020204020204" pitchFamily="34" charset="-122"/>
+              </a:rPr>
+              <a:t>HTML</a:t>
+            </a:r>
+            <a:endParaRPr lang="en-US" sz="2400" b="1" dirty="0">
+              <a:latin typeface="Microsoft YaHei" panose="020B0503020204020204" pitchFamily="34" charset="-122"/>
+              <a:ea typeface="Microsoft YaHei" panose="020B0503020204020204" pitchFamily="34" charset="-122"/>
+            </a:endParaRPr>
+          </a:p>
+        </p:txBody>
+      </p:sp>
+      <p:sp>
+        <p:nvSpPr>
+          <p:cNvPr id="11" name="TextBox 10"/>
+          <p:cNvSpPr txBox="1"/>
+          <p:nvPr/>
+        </p:nvSpPr>
+        <p:spPr>
+          <a:xfrm>
+            <a:off x="1150544" y="2583845"/>
+            <a:ext cx="2126055" cy="461665"/>
+          </a:xfrm>
+          <a:prstGeom prst="rect">
+            <a:avLst/>
+          </a:prstGeom>
+          <a:solidFill>
+            <a:schemeClr val="accent6">
+              <a:lumMod val="60000"/>
+              <a:lumOff val="40000"/>
+            </a:schemeClr>
+          </a:solidFill>
+          <a:ln w="19050">
+            <a:solidFill>
+              <a:schemeClr val="accent6">
+                <a:lumMod val="50000"/>
+              </a:schemeClr>
+            </a:solidFill>
+          </a:ln>
+        </p:spPr>
+        <p:txBody>
+          <a:bodyPr wrap="square" rtlCol="0">
+            <a:spAutoFit/>
+          </a:bodyPr>
+          <a:lstStyle/>
+          <a:p>
+            <a:pPr algn="ctr"/>
+            <a:r>
+              <a:rPr lang="en-US" altLang="zh-CN" sz="2400" b="1" dirty="0">
+                <a:latin typeface="Microsoft YaHei" panose="020B0503020204020204" pitchFamily="34" charset="-122"/>
+                <a:ea typeface="Microsoft YaHei" panose="020B0503020204020204" pitchFamily="34" charset="-122"/>
+              </a:rPr>
+              <a:t>CSS</a:t>
+            </a:r>
+            <a:endParaRPr lang="en-US" sz="2400" b="1" dirty="0">
+              <a:latin typeface="Microsoft YaHei" panose="020B0503020204020204" pitchFamily="34" charset="-122"/>
+              <a:ea typeface="Microsoft YaHei" panose="020B0503020204020204" pitchFamily="34" charset="-122"/>
+            </a:endParaRPr>
+          </a:p>
+        </p:txBody>
+      </p:sp>
+      <p:sp>
+        <p:nvSpPr>
+          <p:cNvPr id="12" name="TextBox 11"/>
+          <p:cNvSpPr txBox="1"/>
+          <p:nvPr/>
+        </p:nvSpPr>
+        <p:spPr>
+          <a:xfrm>
+            <a:off x="1150545" y="3193445"/>
+            <a:ext cx="2126055" cy="461665"/>
+          </a:xfrm>
+          <a:prstGeom prst="rect">
+            <a:avLst/>
+          </a:prstGeom>
+          <a:solidFill>
+            <a:schemeClr val="accent4">
+              <a:lumMod val="60000"/>
+              <a:lumOff val="40000"/>
+            </a:schemeClr>
+          </a:solidFill>
+          <a:ln w="19050">
+            <a:solidFill>
+              <a:schemeClr val="accent4">
+                <a:lumMod val="50000"/>
+              </a:schemeClr>
+            </a:solidFill>
+          </a:ln>
+        </p:spPr>
+        <p:txBody>
+          <a:bodyPr wrap="square" rtlCol="0">
+            <a:spAutoFit/>
+          </a:bodyPr>
+          <a:lstStyle/>
+          <a:p>
+            <a:pPr algn="ctr"/>
+            <a:r>
+              <a:rPr lang="en-US" altLang="zh-CN" sz="2400" b="1" dirty="0">
+                <a:latin typeface="Microsoft YaHei" panose="020B0503020204020204" pitchFamily="34" charset="-122"/>
+                <a:ea typeface="Microsoft YaHei" panose="020B0503020204020204" pitchFamily="34" charset="-122"/>
+              </a:rPr>
+              <a:t>JS</a:t>
+            </a:r>
+            <a:endParaRPr lang="en-US" sz="2400" b="1" dirty="0">
+              <a:latin typeface="Microsoft YaHei" panose="020B0503020204020204" pitchFamily="34" charset="-122"/>
+              <a:ea typeface="Microsoft YaHei" panose="020B0503020204020204" pitchFamily="34" charset="-122"/>
+            </a:endParaRPr>
+          </a:p>
+        </p:txBody>
+      </p:sp>
+      <p:pic>
+        <p:nvPicPr>
+          <p:cNvPr id="3" name="Picture 2">
+            <a:extLst>
+              <a:ext uri="{FF2B5EF4-FFF2-40B4-BE49-F238E27FC236}">
+                <a16:creationId xmlns:a16="http://schemas.microsoft.com/office/drawing/2014/main" id="{8C5C5477-6309-0EE4-1A58-940126D20ABD}"/>
+              </a:ext>
+            </a:extLst>
+          </p:cNvPr>
+          <p:cNvPicPr>
+            <a:picLocks noChangeAspect="1"/>
+          </p:cNvPicPr>
+          <p:nvPr/>
+        </p:nvPicPr>
+        <p:blipFill>
+          <a:blip r:embed="rId9" cstate="print">
+            <a:extLst>
+              <a:ext uri="{28A0092B-C50C-407E-A947-70E740481C1C}">
+                <a14:useLocalDpi xmlns:a14="http://schemas.microsoft.com/office/drawing/2010/main" val="0"/>
+              </a:ext>
+            </a:extLst>
+          </a:blip>
+          <a:stretch>
+            <a:fillRect/>
+          </a:stretch>
+        </p:blipFill>
+        <p:spPr>
+          <a:xfrm>
+            <a:off x="3429000" y="1980769"/>
+            <a:ext cx="4800600" cy="2700338"/>
+          </a:xfrm>
+          <a:prstGeom prst="rect">
+            <a:avLst/>
+          </a:prstGeom>
+          <a:ln>
+            <a:solidFill>
+              <a:schemeClr val="tx1"/>
+            </a:solidFill>
+          </a:ln>
+        </p:spPr>
+      </p:pic>
+      <p:sp>
+        <p:nvSpPr>
+          <p:cNvPr id="7" name="TextBox 6">
+            <a:extLst>
+              <a:ext uri="{FF2B5EF4-FFF2-40B4-BE49-F238E27FC236}">
+                <a16:creationId xmlns:a16="http://schemas.microsoft.com/office/drawing/2014/main" id="{15ECFC17-6742-1453-DE5C-75820DA85EF4}"/>
+              </a:ext>
+            </a:extLst>
+          </p:cNvPr>
+          <p:cNvSpPr txBox="1"/>
+          <p:nvPr/>
+        </p:nvSpPr>
+        <p:spPr>
+          <a:xfrm>
+            <a:off x="1150544" y="3806387"/>
+            <a:ext cx="2126055" cy="461665"/>
+          </a:xfrm>
+          <a:prstGeom prst="rect">
+            <a:avLst/>
+          </a:prstGeom>
+          <a:solidFill>
+            <a:schemeClr val="bg1">
+              <a:lumMod val="95000"/>
+            </a:schemeClr>
+          </a:solidFill>
+          <a:ln w="19050">
+            <a:solidFill>
+              <a:schemeClr val="bg1">
+                <a:lumMod val="50000"/>
+              </a:schemeClr>
+            </a:solidFill>
+          </a:ln>
+        </p:spPr>
+        <p:txBody>
+          <a:bodyPr wrap="square" rtlCol="0">
+            <a:spAutoFit/>
+          </a:bodyPr>
+          <a:lstStyle/>
+          <a:p>
+            <a:pPr algn="ctr"/>
+            <a:r>
+              <a:rPr lang="en-US" altLang="zh-CN" sz="2400" b="1" dirty="0">
+                <a:latin typeface="Microsoft YaHei" panose="020B0503020204020204" pitchFamily="34" charset="-122"/>
+                <a:ea typeface="Microsoft YaHei" panose="020B0503020204020204" pitchFamily="34" charset="-122"/>
+              </a:rPr>
+              <a:t>Others…</a:t>
+            </a:r>
+            <a:endParaRPr lang="en-US" sz="2400" b="1" dirty="0">
+              <a:latin typeface="Microsoft YaHei" panose="020B0503020204020204" pitchFamily="34" charset="-122"/>
+              <a:ea typeface="Microsoft YaHei" panose="020B0503020204020204" pitchFamily="34" charset="-122"/>
+            </a:endParaRPr>
+          </a:p>
+        </p:txBody>
+      </p:sp>
+    </p:spTree>
+    <p:extLst>
+      <p:ext uri="{BB962C8B-B14F-4D97-AF65-F5344CB8AC3E}">
+        <p14:creationId xmlns:p14="http://schemas.microsoft.com/office/powerpoint/2010/main" val="3593731377"/>
+      </p:ext>
+    </p:extLst>
+  </p:cSld>
+  <p:clrMapOvr>
+    <a:masterClrMapping/>
+  </p:clrMapOvr>
+</p:sld>
+</file>
+
+<file path=ppt/slides/slide31.xml><?xml version="1.0" encoding="utf-8"?>
+<p:sld xmlns:a="http://schemas.openxmlformats.org/drawingml/2006/main" xmlns:r="http://schemas.openxmlformats.org/officeDocument/2006/relationships" xmlns:p="http://schemas.openxmlformats.org/presentationml/2006/main">
+  <p:cSld>
+    <p:spTree>
+      <p:nvGrpSpPr>
+        <p:cNvPr id="1" name=""/>
+        <p:cNvGrpSpPr/>
+        <p:nvPr/>
+      </p:nvGrpSpPr>
+      <p:grpSpPr>
+        <a:xfrm>
+          <a:off x="0" y="0"/>
+          <a:ext cx="0" cy="0"/>
+          <a:chOff x="0" y="0"/>
+          <a:chExt cx="0" cy="0"/>
+        </a:xfrm>
+      </p:grpSpPr>
+      <p:sp>
+        <p:nvSpPr>
+          <p:cNvPr id="2" name="Title 1"/>
+          <p:cNvSpPr>
+            <a:spLocks noGrp="1"/>
+          </p:cNvSpPr>
+          <p:nvPr>
+            <p:ph type="ctrTitle"/>
+          </p:nvPr>
+        </p:nvSpPr>
+        <p:spPr>
+          <a:xfrm>
+            <a:off x="0" y="2495550"/>
+            <a:ext cx="9153525" cy="1866900"/>
+          </a:xfrm>
+          <a:solidFill>
+            <a:srgbClr val="FFCC00"/>
+          </a:solidFill>
+        </p:spPr>
+        <p:txBody>
+          <a:bodyPr>
+            <a:noAutofit/>
+          </a:bodyPr>
+          <a:lstStyle/>
+          <a:p>
+            <a:r>
+              <a:rPr lang="en-MY" altLang="zh-CN" sz="4800" b="1" dirty="0">
+                <a:latin typeface="Microsoft YaHei" panose="020B0503020204020204" pitchFamily="34" charset="-122"/>
+                <a:ea typeface="Microsoft YaHei" panose="020B0503020204020204" pitchFamily="34" charset="-122"/>
+              </a:rPr>
+              <a:t>Thank You / </a:t>
+            </a:r>
+            <a:r>
+              <a:rPr lang="zh-CN" altLang="en-US" sz="4800" b="1" dirty="0">
+                <a:latin typeface="Microsoft YaHei" panose="020B0503020204020204" pitchFamily="34" charset="-122"/>
+                <a:ea typeface="Microsoft YaHei" panose="020B0503020204020204" pitchFamily="34" charset="-122"/>
+              </a:rPr>
+              <a:t>谢谢</a:t>
+            </a:r>
+            <a:endParaRPr lang="en-MY" sz="2400" b="1" dirty="0">
+              <a:latin typeface="Microsoft YaHei" panose="020B0503020204020204" pitchFamily="34" charset="-122"/>
+              <a:ea typeface="Microsoft YaHei" panose="020B0503020204020204" pitchFamily="34" charset="-122"/>
+            </a:endParaRPr>
+          </a:p>
+        </p:txBody>
+      </p:sp>
+      <p:sp>
+        <p:nvSpPr>
+          <p:cNvPr id="3" name="Subtitle 2"/>
+          <p:cNvSpPr>
+            <a:spLocks noGrp="1"/>
+          </p:cNvSpPr>
+          <p:nvPr>
+            <p:ph type="subTitle" idx="1"/>
+          </p:nvPr>
+        </p:nvSpPr>
+        <p:spPr>
+          <a:xfrm>
+            <a:off x="0" y="4362450"/>
+            <a:ext cx="9144000" cy="2495550"/>
+          </a:xfrm>
+        </p:spPr>
+        <p:txBody>
+          <a:bodyPr>
+            <a:noAutofit/>
+          </a:bodyPr>
+          <a:lstStyle/>
+          <a:p>
+            <a:r>
+              <a:rPr lang="en-US" b="1" dirty="0">
+                <a:solidFill>
+                  <a:schemeClr val="tx1"/>
+                </a:solidFill>
+                <a:latin typeface="Microsoft YaHei" panose="020B0503020204020204" pitchFamily="34" charset="-122"/>
+                <a:ea typeface="Microsoft YaHei" panose="020B0503020204020204" pitchFamily="34" charset="-122"/>
+              </a:rPr>
+              <a:t>The End</a:t>
+            </a:r>
+            <a:endParaRPr lang="en-MY" b="1" dirty="0">
+              <a:solidFill>
+                <a:schemeClr val="tx1"/>
+              </a:solidFill>
+              <a:latin typeface="Microsoft YaHei" panose="020B0503020204020204" pitchFamily="34" charset="-122"/>
+              <a:ea typeface="Microsoft YaHei" panose="020B0503020204020204" pitchFamily="34" charset="-122"/>
+            </a:endParaRPr>
+          </a:p>
+        </p:txBody>
+      </p:sp>
+      <p:pic>
+        <p:nvPicPr>
+          <p:cNvPr id="4098" name="Picture 2" descr="http://www.tarc.edu.my/files/focs/slide/7D311104-3130-4D1B-8998-44791A3C348C.jpg"/>
+          <p:cNvPicPr>
+            <a:picLocks noChangeAspect="1" noChangeArrowheads="1"/>
+          </p:cNvPicPr>
+          <p:nvPr/>
+        </p:nvPicPr>
+        <p:blipFill>
+          <a:blip r:embed="rId2" cstate="screen">
+            <a:extLst>
+              <a:ext uri="{28A0092B-C50C-407E-A947-70E740481C1C}">
+                <a14:useLocalDpi xmlns:a14="http://schemas.microsoft.com/office/drawing/2010/main"/>
+              </a:ext>
+            </a:extLst>
+          </a:blip>
+          <a:srcRect/>
+          <a:stretch>
+            <a:fillRect/>
+          </a:stretch>
+        </p:blipFill>
+        <p:spPr bwMode="auto">
+          <a:xfrm>
+            <a:off x="3148319" y="158210"/>
+            <a:ext cx="2847362" cy="1899190"/>
+          </a:xfrm>
+          <a:prstGeom prst="rect">
+            <a:avLst/>
+          </a:prstGeom>
+          <a:noFill/>
+          <a:ln>
+            <a:solidFill>
+              <a:schemeClr val="bg1">
+                <a:lumMod val="50000"/>
+              </a:schemeClr>
+            </a:solidFill>
+          </a:ln>
+        </p:spPr>
+      </p:pic>
+      <p:pic>
+        <p:nvPicPr>
+          <p:cNvPr id="4100" name="Picture 4" descr="http://www.tarc.edu.my/files/focs/slide/2B99BAE5-4543-4FE2-8AAA-94C875CB6AD8.jpg"/>
+          <p:cNvPicPr>
+            <a:picLocks noChangeAspect="1" noChangeArrowheads="1"/>
+          </p:cNvPicPr>
+          <p:nvPr/>
+        </p:nvPicPr>
+        <p:blipFill>
+          <a:blip r:embed="rId3" cstate="screen">
+            <a:extLst>
+              <a:ext uri="{28A0092B-C50C-407E-A947-70E740481C1C}">
+                <a14:useLocalDpi xmlns:a14="http://schemas.microsoft.com/office/drawing/2010/main"/>
+              </a:ext>
+            </a:extLst>
+          </a:blip>
+          <a:srcRect/>
+          <a:stretch>
+            <a:fillRect/>
+          </a:stretch>
+        </p:blipFill>
+        <p:spPr bwMode="auto">
+          <a:xfrm>
+            <a:off x="6172200" y="158210"/>
+            <a:ext cx="2847362" cy="1899190"/>
+          </a:xfrm>
+          <a:prstGeom prst="rect">
+            <a:avLst/>
+          </a:prstGeom>
+          <a:noFill/>
+          <a:ln>
+            <a:solidFill>
+              <a:schemeClr val="bg1">
+                <a:lumMod val="50000"/>
+              </a:schemeClr>
+            </a:solidFill>
+          </a:ln>
+        </p:spPr>
+      </p:pic>
+      <p:pic>
+        <p:nvPicPr>
+          <p:cNvPr id="4" name="Picture 3">
+            <a:extLst>
+              <a:ext uri="{FF2B5EF4-FFF2-40B4-BE49-F238E27FC236}">
+                <a16:creationId xmlns:a16="http://schemas.microsoft.com/office/drawing/2014/main" id="{A06B7A13-FBB6-F1A0-C07A-74C0141BE26A}"/>
+              </a:ext>
+            </a:extLst>
+          </p:cNvPr>
+          <p:cNvPicPr>
+            <a:picLocks noChangeAspect="1"/>
+          </p:cNvPicPr>
+          <p:nvPr/>
+        </p:nvPicPr>
+        <p:blipFill>
+          <a:blip r:embed="rId4">
+            <a:extLst>
+              <a:ext uri="{28A0092B-C50C-407E-A947-70E740481C1C}">
+                <a14:useLocalDpi xmlns:a14="http://schemas.microsoft.com/office/drawing/2010/main" val="0"/>
+              </a:ext>
+            </a:extLst>
+          </a:blip>
+          <a:stretch>
+            <a:fillRect/>
+          </a:stretch>
+        </p:blipFill>
+        <p:spPr>
+          <a:xfrm>
+            <a:off x="76200" y="76200"/>
+            <a:ext cx="2971800" cy="888579"/>
+          </a:xfrm>
+          <a:prstGeom prst="rect">
+            <a:avLst/>
+          </a:prstGeom>
+        </p:spPr>
+      </p:pic>
+      <p:pic>
+        <p:nvPicPr>
+          <p:cNvPr id="5" name="Picture 4">
+            <a:extLst>
+              <a:ext uri="{FF2B5EF4-FFF2-40B4-BE49-F238E27FC236}">
+                <a16:creationId xmlns:a16="http://schemas.microsoft.com/office/drawing/2014/main" id="{AAAB63C8-CDC0-3255-F160-50855568BCBA}"/>
+              </a:ext>
+            </a:extLst>
+          </p:cNvPr>
+          <p:cNvPicPr>
+            <a:picLocks noChangeAspect="1"/>
+          </p:cNvPicPr>
+          <p:nvPr/>
+        </p:nvPicPr>
+        <p:blipFill>
+          <a:blip r:embed="rId5">
+            <a:extLst>
+              <a:ext uri="{28A0092B-C50C-407E-A947-70E740481C1C}">
+                <a14:useLocalDpi xmlns:a14="http://schemas.microsoft.com/office/drawing/2010/main" val="0"/>
+              </a:ext>
+            </a:extLst>
+          </a:blip>
+          <a:stretch>
+            <a:fillRect/>
+          </a:stretch>
+        </p:blipFill>
+        <p:spPr>
+          <a:xfrm>
+            <a:off x="331565" y="1220637"/>
+            <a:ext cx="2461069" cy="836763"/>
+          </a:xfrm>
+          <a:prstGeom prst="rect">
+            <a:avLst/>
+          </a:prstGeom>
+        </p:spPr>
+      </p:pic>
+    </p:spTree>
+    <p:extLst>
+      <p:ext uri="{BB962C8B-B14F-4D97-AF65-F5344CB8AC3E}">
+        <p14:creationId xmlns:p14="http://schemas.microsoft.com/office/powerpoint/2010/main" val="1542092185"/>
       </p:ext>
     </p:extLst>
   </p:cSld>
@@ -14583,50 +15969,51 @@
       </p:pic>
       <p:pic>
         <p:nvPicPr>
-          <p:cNvPr id="9" name="Picture 2" descr="Image result for Premier Digital Tech University"/>
+          <p:cNvPr id="4" name="Picture 3">
+            <a:extLst>
+              <a:ext uri="{FF2B5EF4-FFF2-40B4-BE49-F238E27FC236}">
+                <a16:creationId xmlns:a16="http://schemas.microsoft.com/office/drawing/2014/main" id="{0CE76C1F-E8D7-F7F0-F1C5-D2F884BEF763}"/>
+              </a:ext>
+            </a:extLst>
+          </p:cNvPr>
           <p:cNvPicPr>
-            <a:picLocks noChangeAspect="1" noChangeArrowheads="1"/>
+            <a:picLocks noChangeAspect="1"/>
           </p:cNvPicPr>
           <p:nvPr/>
         </p:nvPicPr>
         <p:blipFill>
-          <a:blip r:embed="rId4" cstate="screen">
+          <a:blip r:embed="rId4">
             <a:extLst>
               <a:ext uri="{28A0092B-C50C-407E-A947-70E740481C1C}">
-                <a14:useLocalDpi xmlns:a14="http://schemas.microsoft.com/office/drawing/2010/main"/>
+                <a14:useLocalDpi xmlns:a14="http://schemas.microsoft.com/office/drawing/2010/main" val="0"/>
               </a:ext>
             </a:extLst>
           </a:blip>
-          <a:srcRect/>
           <a:stretch>
             <a:fillRect/>
           </a:stretch>
         </p:blipFill>
-        <p:spPr bwMode="auto">
-          <a:xfrm>
-            <a:off x="228601" y="1488621"/>
-            <a:ext cx="1828799" cy="568779"/>
-          </a:xfrm>
-          <a:prstGeom prst="rect">
-            <a:avLst/>
-          </a:prstGeom>
-          <a:noFill/>
-          <a:extLst>
-            <a:ext uri="{909E8E84-426E-40DD-AFC4-6F175D3DCCD1}">
-              <a14:hiddenFill xmlns:a14="http://schemas.microsoft.com/office/drawing/2010/main">
-                <a:solidFill>
-                  <a:srgbClr val="FFFFFF"/>
-                </a:solidFill>
-              </a14:hiddenFill>
-            </a:ext>
-          </a:extLst>
+        <p:spPr>
+          <a:xfrm>
+            <a:off x="76200" y="76200"/>
+            <a:ext cx="2971800" cy="888579"/>
+          </a:xfrm>
+          <a:prstGeom prst="rect">
+            <a:avLst/>
+          </a:prstGeom>
         </p:spPr>
       </p:pic>
       <p:pic>
         <p:nvPicPr>
-          <p:cNvPr id="1028" name="Picture 4" descr="Image result for tarc logo"/>
+          <p:cNvPr id="5" name="Picture 4">
+            <a:extLst>
+              <a:ext uri="{FF2B5EF4-FFF2-40B4-BE49-F238E27FC236}">
+                <a16:creationId xmlns:a16="http://schemas.microsoft.com/office/drawing/2014/main" id="{B8B3C84C-B8B9-52ED-706A-29A98B959C5A}"/>
+              </a:ext>
+            </a:extLst>
+          </p:cNvPr>
           <p:cNvPicPr>
-            <a:picLocks noChangeAspect="1" noChangeArrowheads="1"/>
+            <a:picLocks noChangeAspect="1"/>
           </p:cNvPicPr>
           <p:nvPr/>
         </p:nvPicPr>
@@ -14634,33 +16021,22 @@
           <a:blip r:embed="rId5">
             <a:extLst>
               <a:ext uri="{28A0092B-C50C-407E-A947-70E740481C1C}">
-                <a14:useLocalDpi xmlns:a14="http://schemas.microsoft.com/office/drawing/2010/main"/>
+                <a14:useLocalDpi xmlns:a14="http://schemas.microsoft.com/office/drawing/2010/main" val="0"/>
               </a:ext>
             </a:extLst>
           </a:blip>
-          <a:srcRect/>
           <a:stretch>
             <a:fillRect/>
           </a:stretch>
         </p:blipFill>
-        <p:spPr bwMode="auto">
-          <a:xfrm>
-            <a:off x="161926" y="152400"/>
-            <a:ext cx="2809874" cy="1208247"/>
-          </a:xfrm>
-          <a:prstGeom prst="rect">
-            <a:avLst/>
-          </a:prstGeom>
-          <a:noFill/>
-          <a:extLst>
-            <a:ext uri="{909E8E84-426E-40DD-AFC4-6F175D3DCCD1}">
-              <a14:hiddenFill xmlns:a14="http://schemas.microsoft.com/office/drawing/2010/main">
-                <a:solidFill>
-                  <a:srgbClr val="FFFFFF"/>
-                </a:solidFill>
-              </a14:hiddenFill>
-            </a:ext>
-          </a:extLst>
+        <p:spPr>
+          <a:xfrm>
+            <a:off x="331565" y="1220637"/>
+            <a:ext cx="2461069" cy="836763"/>
+          </a:xfrm>
+          <a:prstGeom prst="rect">
+            <a:avLst/>
+          </a:prstGeom>
         </p:spPr>
       </p:pic>
     </p:spTree>
